--- a/Quiz PowerPoint.pptx
+++ b/Quiz PowerPoint.pptx
@@ -6,14 +6,33 @@
   </p:sldMasterIdLst>
   <p:sldIdLst>
     <p:sldId id="256" r:id="rId2"/>
-    <p:sldId id="258" r:id="rId3"/>
-    <p:sldId id="257" r:id="rId4"/>
-    <p:sldId id="259" r:id="rId5"/>
-    <p:sldId id="260" r:id="rId6"/>
-    <p:sldId id="261" r:id="rId7"/>
-    <p:sldId id="262" r:id="rId8"/>
-    <p:sldId id="263" r:id="rId9"/>
-    <p:sldId id="264" r:id="rId10"/>
+    <p:sldId id="257" r:id="rId3"/>
+    <p:sldId id="259" r:id="rId4"/>
+    <p:sldId id="260" r:id="rId5"/>
+    <p:sldId id="261" r:id="rId6"/>
+    <p:sldId id="262" r:id="rId7"/>
+    <p:sldId id="263" r:id="rId8"/>
+    <p:sldId id="264" r:id="rId9"/>
+    <p:sldId id="265" r:id="rId10"/>
+    <p:sldId id="266" r:id="rId11"/>
+    <p:sldId id="267" r:id="rId12"/>
+    <p:sldId id="268" r:id="rId13"/>
+    <p:sldId id="269" r:id="rId14"/>
+    <p:sldId id="270" r:id="rId15"/>
+    <p:sldId id="271" r:id="rId16"/>
+    <p:sldId id="272" r:id="rId17"/>
+    <p:sldId id="273" r:id="rId18"/>
+    <p:sldId id="274" r:id="rId19"/>
+    <p:sldId id="275" r:id="rId20"/>
+    <p:sldId id="276" r:id="rId21"/>
+    <p:sldId id="277" r:id="rId22"/>
+    <p:sldId id="278" r:id="rId23"/>
+    <p:sldId id="279" r:id="rId24"/>
+    <p:sldId id="280" r:id="rId25"/>
+    <p:sldId id="281" r:id="rId26"/>
+    <p:sldId id="282" r:id="rId27"/>
+    <p:sldId id="283" r:id="rId28"/>
+    <p:sldId id="284" r:id="rId29"/>
   </p:sldIdLst>
   <p:sldSz cx="12192000" cy="6858000"/>
   <p:notesSz cx="6858000" cy="9144000"/>
@@ -3336,6 +3355,14 @@
 <file path=ppt/slides/slide1.xml><?xml version="1.0" encoding="utf-8"?>
 <p:sld xmlns:a="http://schemas.openxmlformats.org/drawingml/2006/main" xmlns:r="http://schemas.openxmlformats.org/officeDocument/2006/relationships" xmlns:p="http://schemas.openxmlformats.org/presentationml/2006/main">
   <p:cSld>
+    <p:bg>
+      <p:bgPr>
+        <a:solidFill>
+          <a:srgbClr val="1E1E1E"/>
+        </a:solidFill>
+        <a:effectLst/>
+      </p:bgPr>
+    </p:bg>
     <p:spTree>
       <p:nvGrpSpPr>
         <p:cNvPr id="1" name=""/>
@@ -3372,7 +3399,11 @@
           <a:lstStyle/>
           <a:p>
             <a:r>
-              <a:rPr lang="en-GB" dirty="0"/>
+              <a:rPr lang="en-GB" dirty="0">
+                <a:solidFill>
+                  <a:schemeClr val="bg1"/>
+                </a:solidFill>
+              </a:rPr>
               <a:t>Tasks, async/await and multithreading quiz</a:t>
             </a:r>
           </a:p>
@@ -3403,7 +3434,11 @@
           </a:p>
           <a:p>
             <a:r>
-              <a:rPr lang="en-GB" dirty="0"/>
+              <a:rPr lang="en-GB" dirty="0">
+                <a:solidFill>
+                  <a:schemeClr val="bg1"/>
+                </a:solidFill>
+              </a:rPr>
               <a:t>David Omid</a:t>
             </a:r>
           </a:p>
@@ -3413,6 +3448,2408 @@
     <p:extLst>
       <p:ext uri="{BB962C8B-B14F-4D97-AF65-F5344CB8AC3E}">
         <p14:creationId xmlns:p14="http://schemas.microsoft.com/office/powerpoint/2010/main" val="3601467642"/>
+      </p:ext>
+    </p:extLst>
+  </p:cSld>
+  <p:clrMapOvr>
+    <a:masterClrMapping/>
+  </p:clrMapOvr>
+</p:sld>
+</file>
+
+<file path=ppt/slides/slide10.xml><?xml version="1.0" encoding="utf-8"?>
+<p:sld xmlns:a="http://schemas.openxmlformats.org/drawingml/2006/main" xmlns:r="http://schemas.openxmlformats.org/officeDocument/2006/relationships" xmlns:p="http://schemas.openxmlformats.org/presentationml/2006/main">
+  <p:cSld>
+    <p:bg>
+      <p:bgPr>
+        <a:solidFill>
+          <a:srgbClr val="1E1E1E"/>
+        </a:solidFill>
+        <a:effectLst/>
+      </p:bgPr>
+    </p:bg>
+    <p:spTree>
+      <p:nvGrpSpPr>
+        <p:cNvPr id="1" name=""/>
+        <p:cNvGrpSpPr/>
+        <p:nvPr/>
+      </p:nvGrpSpPr>
+      <p:grpSpPr>
+        <a:xfrm>
+          <a:off x="0" y="0"/>
+          <a:ext cx="0" cy="0"/>
+          <a:chOff x="0" y="0"/>
+          <a:chExt cx="0" cy="0"/>
+        </a:xfrm>
+      </p:grpSpPr>
+      <p:sp>
+        <p:nvSpPr>
+          <p:cNvPr id="6" name="TextBox 5">
+            <a:extLst>
+              <a:ext uri="{FF2B5EF4-FFF2-40B4-BE49-F238E27FC236}">
+                <a16:creationId xmlns:a16="http://schemas.microsoft.com/office/drawing/2014/main" id="{2CDFC944-8A12-42CA-B4D7-7CEF50C368ED}"/>
+              </a:ext>
+            </a:extLst>
+          </p:cNvPr>
+          <p:cNvSpPr txBox="1"/>
+          <p:nvPr/>
+        </p:nvSpPr>
+        <p:spPr>
+          <a:xfrm>
+            <a:off x="624957" y="242596"/>
+            <a:ext cx="11364880" cy="369332"/>
+          </a:xfrm>
+          <a:prstGeom prst="rect">
+            <a:avLst/>
+          </a:prstGeom>
+          <a:noFill/>
+        </p:spPr>
+        <p:txBody>
+          <a:bodyPr wrap="square" rtlCol="0">
+            <a:spAutoFit/>
+          </a:bodyPr>
+          <a:lstStyle/>
+          <a:p>
+            <a:r>
+              <a:rPr lang="en-GB" dirty="0">
+                <a:solidFill>
+                  <a:schemeClr val="bg1"/>
+                </a:solidFill>
+              </a:rPr>
+              <a:t>Question 9</a:t>
+            </a:r>
+          </a:p>
+        </p:txBody>
+      </p:sp>
+      <p:sp>
+        <p:nvSpPr>
+          <p:cNvPr id="11" name="TextBox 10">
+            <a:extLst>
+              <a:ext uri="{FF2B5EF4-FFF2-40B4-BE49-F238E27FC236}">
+                <a16:creationId xmlns:a16="http://schemas.microsoft.com/office/drawing/2014/main" id="{8CFFC453-63D5-4985-9376-BE7589A7509A}"/>
+              </a:ext>
+            </a:extLst>
+          </p:cNvPr>
+          <p:cNvSpPr txBox="1"/>
+          <p:nvPr/>
+        </p:nvSpPr>
+        <p:spPr>
+          <a:xfrm>
+            <a:off x="6316910" y="116978"/>
+            <a:ext cx="4966956" cy="5355312"/>
+          </a:xfrm>
+          <a:prstGeom prst="rect">
+            <a:avLst/>
+          </a:prstGeom>
+          <a:noFill/>
+        </p:spPr>
+        <p:txBody>
+          <a:bodyPr wrap="square" rtlCol="0">
+            <a:spAutoFit/>
+          </a:bodyPr>
+          <a:lstStyle/>
+          <a:p>
+            <a:r>
+              <a:rPr lang="en-GB" dirty="0">
+                <a:solidFill>
+                  <a:schemeClr val="bg1"/>
+                </a:solidFill>
+              </a:rPr>
+              <a:t>What will be the output of the </a:t>
+            </a:r>
+            <a:r>
+              <a:rPr lang="en-GB" dirty="0" err="1">
+                <a:solidFill>
+                  <a:schemeClr val="bg1"/>
+                </a:solidFill>
+              </a:rPr>
+              <a:t>RunAsync</a:t>
+            </a:r>
+            <a:r>
+              <a:rPr lang="en-GB" dirty="0">
+                <a:solidFill>
+                  <a:schemeClr val="bg1"/>
+                </a:solidFill>
+              </a:rPr>
+              <a:t> method?</a:t>
+            </a:r>
+          </a:p>
+          <a:p>
+            <a:endParaRPr lang="en-GB" dirty="0">
+              <a:solidFill>
+                <a:schemeClr val="bg1"/>
+              </a:solidFill>
+            </a:endParaRPr>
+          </a:p>
+          <a:p>
+            <a:pPr marL="342900" indent="-342900">
+              <a:buFont typeface="+mj-lt"/>
+              <a:buAutoNum type="alphaUcPeriod"/>
+            </a:pPr>
+            <a:r>
+              <a:rPr lang="en-GB" dirty="0">
+                <a:solidFill>
+                  <a:schemeClr val="bg1"/>
+                </a:solidFill>
+              </a:rPr>
+              <a:t>Test 2</a:t>
+            </a:r>
+            <a:br>
+              <a:rPr lang="en-GB" dirty="0">
+                <a:solidFill>
+                  <a:schemeClr val="bg1"/>
+                </a:solidFill>
+              </a:rPr>
+            </a:br>
+            <a:r>
+              <a:rPr lang="en-GB" dirty="0">
+                <a:solidFill>
+                  <a:schemeClr val="bg1"/>
+                </a:solidFill>
+              </a:rPr>
+              <a:t>Test 3</a:t>
+            </a:r>
+            <a:br>
+              <a:rPr lang="en-GB" dirty="0">
+                <a:solidFill>
+                  <a:schemeClr val="bg1"/>
+                </a:solidFill>
+              </a:rPr>
+            </a:br>
+            <a:r>
+              <a:rPr lang="en-GB" dirty="0">
+                <a:solidFill>
+                  <a:schemeClr val="bg1"/>
+                </a:solidFill>
+              </a:rPr>
+              <a:t>Test 2.5</a:t>
+            </a:r>
+            <a:br>
+              <a:rPr lang="en-GB" dirty="0">
+                <a:solidFill>
+                  <a:schemeClr val="bg1"/>
+                </a:solidFill>
+              </a:rPr>
+            </a:br>
+            <a:r>
+              <a:rPr lang="en-GB" dirty="0">
+                <a:solidFill>
+                  <a:schemeClr val="bg1"/>
+                </a:solidFill>
+              </a:rPr>
+              <a:t>Test 1</a:t>
+            </a:r>
+            <a:br>
+              <a:rPr lang="en-GB" dirty="0">
+                <a:solidFill>
+                  <a:schemeClr val="bg1"/>
+                </a:solidFill>
+              </a:rPr>
+            </a:br>
+            <a:r>
+              <a:rPr lang="en-GB" dirty="0">
+                <a:solidFill>
+                  <a:schemeClr val="bg1"/>
+                </a:solidFill>
+              </a:rPr>
+              <a:t>Test 1.5</a:t>
+            </a:r>
+          </a:p>
+          <a:p>
+            <a:pPr marL="342900" indent="-342900">
+              <a:buFont typeface="+mj-lt"/>
+              <a:buAutoNum type="alphaUcPeriod"/>
+            </a:pPr>
+            <a:endParaRPr lang="en-GB" dirty="0">
+              <a:solidFill>
+                <a:schemeClr val="bg1"/>
+              </a:solidFill>
+            </a:endParaRPr>
+          </a:p>
+          <a:p>
+            <a:pPr marL="342900" indent="-342900">
+              <a:buFont typeface="+mj-lt"/>
+              <a:buAutoNum type="alphaUcPeriod"/>
+            </a:pPr>
+            <a:r>
+              <a:rPr lang="en-GB" dirty="0">
+                <a:solidFill>
+                  <a:schemeClr val="bg1"/>
+                </a:solidFill>
+              </a:rPr>
+              <a:t>Test 2</a:t>
+            </a:r>
+            <a:br>
+              <a:rPr lang="en-GB" dirty="0">
+                <a:solidFill>
+                  <a:schemeClr val="bg1"/>
+                </a:solidFill>
+              </a:rPr>
+            </a:br>
+            <a:r>
+              <a:rPr lang="en-GB" dirty="0">
+                <a:solidFill>
+                  <a:schemeClr val="bg1"/>
+                </a:solidFill>
+              </a:rPr>
+              <a:t>Test 2.5</a:t>
+            </a:r>
+            <a:br>
+              <a:rPr lang="en-GB" dirty="0">
+                <a:solidFill>
+                  <a:schemeClr val="bg1"/>
+                </a:solidFill>
+              </a:rPr>
+            </a:br>
+            <a:r>
+              <a:rPr lang="en-GB" dirty="0">
+                <a:solidFill>
+                  <a:schemeClr val="bg1"/>
+                </a:solidFill>
+              </a:rPr>
+              <a:t>Test 3</a:t>
+            </a:r>
+            <a:br>
+              <a:rPr lang="en-GB" dirty="0">
+                <a:solidFill>
+                  <a:schemeClr val="bg1"/>
+                </a:solidFill>
+              </a:rPr>
+            </a:br>
+            <a:r>
+              <a:rPr lang="en-GB" dirty="0">
+                <a:solidFill>
+                  <a:schemeClr val="bg1"/>
+                </a:solidFill>
+              </a:rPr>
+              <a:t>Test 1</a:t>
+            </a:r>
+            <a:br>
+              <a:rPr lang="en-GB" dirty="0">
+                <a:solidFill>
+                  <a:schemeClr val="bg1"/>
+                </a:solidFill>
+              </a:rPr>
+            </a:br>
+            <a:r>
+              <a:rPr lang="en-GB" dirty="0">
+                <a:solidFill>
+                  <a:schemeClr val="bg1"/>
+                </a:solidFill>
+              </a:rPr>
+              <a:t>Test 1.5</a:t>
+            </a:r>
+          </a:p>
+          <a:p>
+            <a:pPr marL="342900" indent="-342900">
+              <a:buFont typeface="+mj-lt"/>
+              <a:buAutoNum type="alphaUcPeriod"/>
+            </a:pPr>
+            <a:endParaRPr lang="en-GB" dirty="0">
+              <a:solidFill>
+                <a:schemeClr val="bg1"/>
+              </a:solidFill>
+            </a:endParaRPr>
+          </a:p>
+          <a:p>
+            <a:pPr marL="342900" indent="-342900">
+              <a:buFont typeface="+mj-lt"/>
+              <a:buAutoNum type="alphaUcPeriod"/>
+            </a:pPr>
+            <a:r>
+              <a:rPr lang="en-GB" dirty="0">
+                <a:solidFill>
+                  <a:schemeClr val="bg1"/>
+                </a:solidFill>
+              </a:rPr>
+              <a:t>Test 1</a:t>
+            </a:r>
+            <a:br>
+              <a:rPr lang="en-GB" dirty="0">
+                <a:solidFill>
+                  <a:schemeClr val="bg1"/>
+                </a:solidFill>
+              </a:rPr>
+            </a:br>
+            <a:r>
+              <a:rPr lang="en-GB" dirty="0">
+                <a:solidFill>
+                  <a:schemeClr val="bg1"/>
+                </a:solidFill>
+              </a:rPr>
+              <a:t>Test 1.5</a:t>
+            </a:r>
+            <a:br>
+              <a:rPr lang="en-GB" dirty="0">
+                <a:solidFill>
+                  <a:schemeClr val="bg1"/>
+                </a:solidFill>
+              </a:rPr>
+            </a:br>
+            <a:r>
+              <a:rPr lang="en-GB" dirty="0">
+                <a:solidFill>
+                  <a:schemeClr val="bg1"/>
+                </a:solidFill>
+              </a:rPr>
+              <a:t>Test 2</a:t>
+            </a:r>
+            <a:br>
+              <a:rPr lang="en-GB" dirty="0">
+                <a:solidFill>
+                  <a:schemeClr val="bg1"/>
+                </a:solidFill>
+              </a:rPr>
+            </a:br>
+            <a:r>
+              <a:rPr lang="en-GB" dirty="0">
+                <a:solidFill>
+                  <a:schemeClr val="bg1"/>
+                </a:solidFill>
+              </a:rPr>
+              <a:t>Test 3</a:t>
+            </a:r>
+            <a:br>
+              <a:rPr lang="en-GB" dirty="0">
+                <a:solidFill>
+                  <a:schemeClr val="bg1"/>
+                </a:solidFill>
+              </a:rPr>
+            </a:br>
+            <a:r>
+              <a:rPr lang="en-GB" dirty="0">
+                <a:solidFill>
+                  <a:schemeClr val="bg1"/>
+                </a:solidFill>
+              </a:rPr>
+              <a:t>Test 2.5</a:t>
+            </a:r>
+          </a:p>
+        </p:txBody>
+      </p:sp>
+      <p:sp>
+        <p:nvSpPr>
+          <p:cNvPr id="7" name="TextBox 6">
+            <a:extLst>
+              <a:ext uri="{FF2B5EF4-FFF2-40B4-BE49-F238E27FC236}">
+                <a16:creationId xmlns:a16="http://schemas.microsoft.com/office/drawing/2014/main" id="{48FB5C5F-C643-4D31-9B38-0C0DD4769AA4}"/>
+              </a:ext>
+            </a:extLst>
+          </p:cNvPr>
+          <p:cNvSpPr txBox="1"/>
+          <p:nvPr/>
+        </p:nvSpPr>
+        <p:spPr>
+          <a:xfrm>
+            <a:off x="8473554" y="625315"/>
+            <a:ext cx="2810312" cy="2031325"/>
+          </a:xfrm>
+          <a:prstGeom prst="rect">
+            <a:avLst/>
+          </a:prstGeom>
+          <a:noFill/>
+        </p:spPr>
+        <p:txBody>
+          <a:bodyPr wrap="square" rtlCol="0">
+            <a:spAutoFit/>
+          </a:bodyPr>
+          <a:lstStyle/>
+          <a:p>
+            <a:r>
+              <a:rPr lang="en-GB" dirty="0">
+                <a:solidFill>
+                  <a:schemeClr val="bg1"/>
+                </a:solidFill>
+              </a:rPr>
+              <a:t>D. Test 1</a:t>
+            </a:r>
+            <a:br>
+              <a:rPr lang="en-GB" dirty="0">
+                <a:solidFill>
+                  <a:schemeClr val="bg1"/>
+                </a:solidFill>
+              </a:rPr>
+            </a:br>
+            <a:r>
+              <a:rPr lang="en-GB" dirty="0">
+                <a:solidFill>
+                  <a:schemeClr val="bg1"/>
+                </a:solidFill>
+              </a:rPr>
+              <a:t>     Test 1.5</a:t>
+            </a:r>
+          </a:p>
+          <a:p>
+            <a:r>
+              <a:rPr lang="en-GB" dirty="0">
+                <a:solidFill>
+                  <a:schemeClr val="bg1"/>
+                </a:solidFill>
+              </a:rPr>
+              <a:t>     Test 2</a:t>
+            </a:r>
+            <a:br>
+              <a:rPr lang="en-GB" dirty="0">
+                <a:solidFill>
+                  <a:schemeClr val="bg1"/>
+                </a:solidFill>
+              </a:rPr>
+            </a:br>
+            <a:r>
+              <a:rPr lang="en-GB" dirty="0">
+                <a:solidFill>
+                  <a:schemeClr val="bg1"/>
+                </a:solidFill>
+              </a:rPr>
+              <a:t>     Test 2.5</a:t>
+            </a:r>
+            <a:br>
+              <a:rPr lang="en-GB" dirty="0">
+                <a:solidFill>
+                  <a:schemeClr val="bg1"/>
+                </a:solidFill>
+              </a:rPr>
+            </a:br>
+            <a:r>
+              <a:rPr lang="en-GB" dirty="0">
+                <a:solidFill>
+                  <a:schemeClr val="bg1"/>
+                </a:solidFill>
+              </a:rPr>
+              <a:t>     Test 3</a:t>
+            </a:r>
+          </a:p>
+          <a:p>
+            <a:br>
+              <a:rPr lang="en-GB" dirty="0">
+                <a:solidFill>
+                  <a:schemeClr val="bg1"/>
+                </a:solidFill>
+              </a:rPr>
+            </a:br>
+            <a:r>
+              <a:rPr lang="en-GB" dirty="0">
+                <a:solidFill>
+                  <a:schemeClr val="bg1"/>
+                </a:solidFill>
+              </a:rPr>
+              <a:t>E. None of the above</a:t>
+            </a:r>
+          </a:p>
+        </p:txBody>
+      </p:sp>
+      <p:pic>
+        <p:nvPicPr>
+          <p:cNvPr id="2" name="Picture 1">
+            <a:extLst>
+              <a:ext uri="{FF2B5EF4-FFF2-40B4-BE49-F238E27FC236}">
+                <a16:creationId xmlns:a16="http://schemas.microsoft.com/office/drawing/2014/main" id="{4D6BBF57-2795-4BD5-8BE1-E634AA4750AD}"/>
+              </a:ext>
+            </a:extLst>
+          </p:cNvPr>
+          <p:cNvPicPr>
+            <a:picLocks noChangeAspect="1"/>
+          </p:cNvPicPr>
+          <p:nvPr/>
+        </p:nvPicPr>
+        <p:blipFill>
+          <a:blip r:embed="rId2"/>
+          <a:stretch>
+            <a:fillRect/>
+          </a:stretch>
+        </p:blipFill>
+        <p:spPr>
+          <a:xfrm>
+            <a:off x="504825" y="809981"/>
+            <a:ext cx="5591175" cy="5553075"/>
+          </a:xfrm>
+          <a:prstGeom prst="rect">
+            <a:avLst/>
+          </a:prstGeom>
+        </p:spPr>
+      </p:pic>
+    </p:spTree>
+    <p:extLst>
+      <p:ext uri="{BB962C8B-B14F-4D97-AF65-F5344CB8AC3E}">
+        <p14:creationId xmlns:p14="http://schemas.microsoft.com/office/powerpoint/2010/main" val="3362438576"/>
+      </p:ext>
+    </p:extLst>
+  </p:cSld>
+  <p:clrMapOvr>
+    <a:masterClrMapping/>
+  </p:clrMapOvr>
+</p:sld>
+</file>
+
+<file path=ppt/slides/slide11.xml><?xml version="1.0" encoding="utf-8"?>
+<p:sld xmlns:a="http://schemas.openxmlformats.org/drawingml/2006/main" xmlns:r="http://schemas.openxmlformats.org/officeDocument/2006/relationships" xmlns:p="http://schemas.openxmlformats.org/presentationml/2006/main">
+  <p:cSld>
+    <p:bg>
+      <p:bgPr>
+        <a:solidFill>
+          <a:srgbClr val="1E1E1E"/>
+        </a:solidFill>
+        <a:effectLst/>
+      </p:bgPr>
+    </p:bg>
+    <p:spTree>
+      <p:nvGrpSpPr>
+        <p:cNvPr id="1" name=""/>
+        <p:cNvGrpSpPr/>
+        <p:nvPr/>
+      </p:nvGrpSpPr>
+      <p:grpSpPr>
+        <a:xfrm>
+          <a:off x="0" y="0"/>
+          <a:ext cx="0" cy="0"/>
+          <a:chOff x="0" y="0"/>
+          <a:chExt cx="0" cy="0"/>
+        </a:xfrm>
+      </p:grpSpPr>
+      <p:pic>
+        <p:nvPicPr>
+          <p:cNvPr id="3" name="Picture 2">
+            <a:extLst>
+              <a:ext uri="{FF2B5EF4-FFF2-40B4-BE49-F238E27FC236}">
+                <a16:creationId xmlns:a16="http://schemas.microsoft.com/office/drawing/2014/main" id="{6DDEFDEF-4004-45ED-A028-30E08A89E4DD}"/>
+              </a:ext>
+            </a:extLst>
+          </p:cNvPr>
+          <p:cNvPicPr>
+            <a:picLocks noChangeAspect="1"/>
+          </p:cNvPicPr>
+          <p:nvPr/>
+        </p:nvPicPr>
+        <p:blipFill>
+          <a:blip r:embed="rId2"/>
+          <a:stretch>
+            <a:fillRect/>
+          </a:stretch>
+        </p:blipFill>
+        <p:spPr>
+          <a:xfrm>
+            <a:off x="169354" y="138112"/>
+            <a:ext cx="7467600" cy="6581775"/>
+          </a:xfrm>
+          <a:prstGeom prst="rect">
+            <a:avLst/>
+          </a:prstGeom>
+        </p:spPr>
+      </p:pic>
+      <p:sp>
+        <p:nvSpPr>
+          <p:cNvPr id="4" name="TextBox 3">
+            <a:extLst>
+              <a:ext uri="{FF2B5EF4-FFF2-40B4-BE49-F238E27FC236}">
+                <a16:creationId xmlns:a16="http://schemas.microsoft.com/office/drawing/2014/main" id="{9E5C72DD-9009-40F6-A3BA-0806DD99E988}"/>
+              </a:ext>
+            </a:extLst>
+          </p:cNvPr>
+          <p:cNvSpPr txBox="1"/>
+          <p:nvPr/>
+        </p:nvSpPr>
+        <p:spPr>
+          <a:xfrm>
+            <a:off x="7523298" y="138112"/>
+            <a:ext cx="4254759" cy="373225"/>
+          </a:xfrm>
+          <a:prstGeom prst="rect">
+            <a:avLst/>
+          </a:prstGeom>
+          <a:noFill/>
+        </p:spPr>
+        <p:txBody>
+          <a:bodyPr wrap="square" rtlCol="0">
+            <a:spAutoFit/>
+          </a:bodyPr>
+          <a:lstStyle/>
+          <a:p>
+            <a:r>
+              <a:rPr lang="en-GB" dirty="0">
+                <a:solidFill>
+                  <a:schemeClr val="bg1"/>
+                </a:solidFill>
+              </a:rPr>
+              <a:t>Question 10</a:t>
+            </a:r>
+          </a:p>
+        </p:txBody>
+      </p:sp>
+      <p:sp>
+        <p:nvSpPr>
+          <p:cNvPr id="5" name="TextBox 4">
+            <a:extLst>
+              <a:ext uri="{FF2B5EF4-FFF2-40B4-BE49-F238E27FC236}">
+                <a16:creationId xmlns:a16="http://schemas.microsoft.com/office/drawing/2014/main" id="{0881C216-CCC3-461C-B52E-B4EFFE179145}"/>
+              </a:ext>
+            </a:extLst>
+          </p:cNvPr>
+          <p:cNvSpPr txBox="1"/>
+          <p:nvPr/>
+        </p:nvSpPr>
+        <p:spPr>
+          <a:xfrm>
+            <a:off x="7523298" y="679508"/>
+            <a:ext cx="4573627" cy="923330"/>
+          </a:xfrm>
+          <a:prstGeom prst="rect">
+            <a:avLst/>
+          </a:prstGeom>
+          <a:noFill/>
+        </p:spPr>
+        <p:txBody>
+          <a:bodyPr wrap="square" rtlCol="0">
+            <a:spAutoFit/>
+          </a:bodyPr>
+          <a:lstStyle/>
+          <a:p>
+            <a:r>
+              <a:rPr lang="en-GB" dirty="0">
+                <a:solidFill>
+                  <a:schemeClr val="bg1"/>
+                </a:solidFill>
+              </a:rPr>
+              <a:t>Which of these methods has the fastest performance? Method1Async or Method2Async?</a:t>
+            </a:r>
+          </a:p>
+        </p:txBody>
+      </p:sp>
+      <p:sp>
+        <p:nvSpPr>
+          <p:cNvPr id="8" name="TextBox 7">
+            <a:extLst>
+              <a:ext uri="{FF2B5EF4-FFF2-40B4-BE49-F238E27FC236}">
+                <a16:creationId xmlns:a16="http://schemas.microsoft.com/office/drawing/2014/main" id="{F0C398C9-396A-490D-BEF2-C21537BF28BD}"/>
+              </a:ext>
+            </a:extLst>
+          </p:cNvPr>
+          <p:cNvSpPr txBox="1"/>
+          <p:nvPr/>
+        </p:nvSpPr>
+        <p:spPr>
+          <a:xfrm>
+            <a:off x="7636954" y="1904301"/>
+            <a:ext cx="4216690" cy="1477328"/>
+          </a:xfrm>
+          <a:prstGeom prst="rect">
+            <a:avLst/>
+          </a:prstGeom>
+          <a:noFill/>
+        </p:spPr>
+        <p:txBody>
+          <a:bodyPr wrap="square" rtlCol="0">
+            <a:spAutoFit/>
+          </a:bodyPr>
+          <a:lstStyle/>
+          <a:p>
+            <a:pPr marL="342900" indent="-342900">
+              <a:buFont typeface="+mj-lt"/>
+              <a:buAutoNum type="alphaUcPeriod"/>
+            </a:pPr>
+            <a:r>
+              <a:rPr lang="en-GB" dirty="0">
+                <a:solidFill>
+                  <a:schemeClr val="bg1"/>
+                </a:solidFill>
+              </a:rPr>
+              <a:t>Method1Async</a:t>
+            </a:r>
+          </a:p>
+          <a:p>
+            <a:pPr marL="342900" indent="-342900">
+              <a:buFont typeface="+mj-lt"/>
+              <a:buAutoNum type="alphaUcPeriod"/>
+            </a:pPr>
+            <a:endParaRPr lang="en-GB" dirty="0">
+              <a:solidFill>
+                <a:schemeClr val="bg1"/>
+              </a:solidFill>
+            </a:endParaRPr>
+          </a:p>
+          <a:p>
+            <a:pPr marL="342900" indent="-342900">
+              <a:buFont typeface="+mj-lt"/>
+              <a:buAutoNum type="alphaUcPeriod"/>
+            </a:pPr>
+            <a:r>
+              <a:rPr lang="en-GB" dirty="0">
+                <a:solidFill>
+                  <a:schemeClr val="bg1"/>
+                </a:solidFill>
+              </a:rPr>
+              <a:t>Method2Async</a:t>
+            </a:r>
+          </a:p>
+          <a:p>
+            <a:pPr marL="342900" indent="-342900">
+              <a:buFont typeface="+mj-lt"/>
+              <a:buAutoNum type="alphaUcPeriod"/>
+            </a:pPr>
+            <a:endParaRPr lang="en-GB" dirty="0">
+              <a:solidFill>
+                <a:schemeClr val="bg1"/>
+              </a:solidFill>
+            </a:endParaRPr>
+          </a:p>
+          <a:p>
+            <a:pPr marL="342900" indent="-342900">
+              <a:buFont typeface="+mj-lt"/>
+              <a:buAutoNum type="alphaUcPeriod"/>
+            </a:pPr>
+            <a:r>
+              <a:rPr lang="en-GB" dirty="0">
+                <a:solidFill>
+                  <a:schemeClr val="bg1"/>
+                </a:solidFill>
+              </a:rPr>
+              <a:t>They both have similar performance</a:t>
+            </a:r>
+            <a:r>
+              <a:rPr lang="en-GB" dirty="0"/>
+              <a:t>.</a:t>
+            </a:r>
+          </a:p>
+        </p:txBody>
+      </p:sp>
+    </p:spTree>
+    <p:extLst>
+      <p:ext uri="{BB962C8B-B14F-4D97-AF65-F5344CB8AC3E}">
+        <p14:creationId xmlns:p14="http://schemas.microsoft.com/office/powerpoint/2010/main" val="4264682783"/>
+      </p:ext>
+    </p:extLst>
+  </p:cSld>
+  <p:clrMapOvr>
+    <a:masterClrMapping/>
+  </p:clrMapOvr>
+</p:sld>
+</file>
+
+<file path=ppt/slides/slide12.xml><?xml version="1.0" encoding="utf-8"?>
+<p:sld xmlns:a="http://schemas.openxmlformats.org/drawingml/2006/main" xmlns:r="http://schemas.openxmlformats.org/officeDocument/2006/relationships" xmlns:p="http://schemas.openxmlformats.org/presentationml/2006/main">
+  <p:cSld>
+    <p:bg>
+      <p:bgPr>
+        <a:solidFill>
+          <a:srgbClr val="1E1E1E"/>
+        </a:solidFill>
+        <a:effectLst/>
+      </p:bgPr>
+    </p:bg>
+    <p:spTree>
+      <p:nvGrpSpPr>
+        <p:cNvPr id="1" name=""/>
+        <p:cNvGrpSpPr/>
+        <p:nvPr/>
+      </p:nvGrpSpPr>
+      <p:grpSpPr>
+        <a:xfrm>
+          <a:off x="0" y="0"/>
+          <a:ext cx="0" cy="0"/>
+          <a:chOff x="0" y="0"/>
+          <a:chExt cx="0" cy="0"/>
+        </a:xfrm>
+      </p:grpSpPr>
+      <p:sp>
+        <p:nvSpPr>
+          <p:cNvPr id="4" name="TextBox 3">
+            <a:extLst>
+              <a:ext uri="{FF2B5EF4-FFF2-40B4-BE49-F238E27FC236}">
+                <a16:creationId xmlns:a16="http://schemas.microsoft.com/office/drawing/2014/main" id="{9E5C72DD-9009-40F6-A3BA-0806DD99E988}"/>
+              </a:ext>
+            </a:extLst>
+          </p:cNvPr>
+          <p:cNvSpPr txBox="1"/>
+          <p:nvPr/>
+        </p:nvSpPr>
+        <p:spPr>
+          <a:xfrm>
+            <a:off x="338356" y="129723"/>
+            <a:ext cx="4254759" cy="373225"/>
+          </a:xfrm>
+          <a:prstGeom prst="rect">
+            <a:avLst/>
+          </a:prstGeom>
+          <a:noFill/>
+        </p:spPr>
+        <p:txBody>
+          <a:bodyPr wrap="square" rtlCol="0">
+            <a:spAutoFit/>
+          </a:bodyPr>
+          <a:lstStyle/>
+          <a:p>
+            <a:r>
+              <a:rPr lang="en-GB" dirty="0">
+                <a:solidFill>
+                  <a:schemeClr val="bg1"/>
+                </a:solidFill>
+              </a:rPr>
+              <a:t>Question 11</a:t>
+            </a:r>
+          </a:p>
+        </p:txBody>
+      </p:sp>
+      <p:sp>
+        <p:nvSpPr>
+          <p:cNvPr id="5" name="TextBox 4">
+            <a:extLst>
+              <a:ext uri="{FF2B5EF4-FFF2-40B4-BE49-F238E27FC236}">
+                <a16:creationId xmlns:a16="http://schemas.microsoft.com/office/drawing/2014/main" id="{0881C216-CCC3-461C-B52E-B4EFFE179145}"/>
+              </a:ext>
+            </a:extLst>
+          </p:cNvPr>
+          <p:cNvSpPr txBox="1"/>
+          <p:nvPr/>
+        </p:nvSpPr>
+        <p:spPr>
+          <a:xfrm>
+            <a:off x="7523298" y="679508"/>
+            <a:ext cx="4573627" cy="923330"/>
+          </a:xfrm>
+          <a:prstGeom prst="rect">
+            <a:avLst/>
+          </a:prstGeom>
+          <a:noFill/>
+        </p:spPr>
+        <p:txBody>
+          <a:bodyPr wrap="square" rtlCol="0">
+            <a:spAutoFit/>
+          </a:bodyPr>
+          <a:lstStyle/>
+          <a:p>
+            <a:r>
+              <a:rPr lang="en-GB" dirty="0">
+                <a:solidFill>
+                  <a:schemeClr val="bg1"/>
+                </a:solidFill>
+              </a:rPr>
+              <a:t>Which of these methods has the fastest performance? Method1Async or Method2Async?</a:t>
+            </a:r>
+          </a:p>
+        </p:txBody>
+      </p:sp>
+      <p:sp>
+        <p:nvSpPr>
+          <p:cNvPr id="8" name="TextBox 7">
+            <a:extLst>
+              <a:ext uri="{FF2B5EF4-FFF2-40B4-BE49-F238E27FC236}">
+                <a16:creationId xmlns:a16="http://schemas.microsoft.com/office/drawing/2014/main" id="{F0C398C9-396A-490D-BEF2-C21537BF28BD}"/>
+              </a:ext>
+            </a:extLst>
+          </p:cNvPr>
+          <p:cNvSpPr txBox="1"/>
+          <p:nvPr/>
+        </p:nvSpPr>
+        <p:spPr>
+          <a:xfrm>
+            <a:off x="7636954" y="1904301"/>
+            <a:ext cx="4216690" cy="1477328"/>
+          </a:xfrm>
+          <a:prstGeom prst="rect">
+            <a:avLst/>
+          </a:prstGeom>
+          <a:noFill/>
+        </p:spPr>
+        <p:txBody>
+          <a:bodyPr wrap="square" rtlCol="0">
+            <a:spAutoFit/>
+          </a:bodyPr>
+          <a:lstStyle/>
+          <a:p>
+            <a:pPr marL="342900" indent="-342900">
+              <a:buFont typeface="+mj-lt"/>
+              <a:buAutoNum type="alphaUcPeriod"/>
+            </a:pPr>
+            <a:r>
+              <a:rPr lang="en-GB" dirty="0">
+                <a:solidFill>
+                  <a:schemeClr val="bg1"/>
+                </a:solidFill>
+              </a:rPr>
+              <a:t>Method1Async</a:t>
+            </a:r>
+          </a:p>
+          <a:p>
+            <a:pPr marL="342900" indent="-342900">
+              <a:buFont typeface="+mj-lt"/>
+              <a:buAutoNum type="alphaUcPeriod"/>
+            </a:pPr>
+            <a:endParaRPr lang="en-GB" dirty="0">
+              <a:solidFill>
+                <a:schemeClr val="bg1"/>
+              </a:solidFill>
+            </a:endParaRPr>
+          </a:p>
+          <a:p>
+            <a:pPr marL="342900" indent="-342900">
+              <a:buFont typeface="+mj-lt"/>
+              <a:buAutoNum type="alphaUcPeriod"/>
+            </a:pPr>
+            <a:r>
+              <a:rPr lang="en-GB" dirty="0">
+                <a:solidFill>
+                  <a:schemeClr val="bg1"/>
+                </a:solidFill>
+              </a:rPr>
+              <a:t>Method2Async</a:t>
+            </a:r>
+          </a:p>
+          <a:p>
+            <a:pPr marL="342900" indent="-342900">
+              <a:buFont typeface="+mj-lt"/>
+              <a:buAutoNum type="alphaUcPeriod"/>
+            </a:pPr>
+            <a:endParaRPr lang="en-GB" dirty="0">
+              <a:solidFill>
+                <a:schemeClr val="bg1"/>
+              </a:solidFill>
+            </a:endParaRPr>
+          </a:p>
+          <a:p>
+            <a:pPr marL="342900" indent="-342900">
+              <a:buFont typeface="+mj-lt"/>
+              <a:buAutoNum type="alphaUcPeriod"/>
+            </a:pPr>
+            <a:r>
+              <a:rPr lang="en-GB" dirty="0">
+                <a:solidFill>
+                  <a:schemeClr val="bg1"/>
+                </a:solidFill>
+              </a:rPr>
+              <a:t>They both have similar performance</a:t>
+            </a:r>
+            <a:r>
+              <a:rPr lang="en-GB" dirty="0"/>
+              <a:t>.</a:t>
+            </a:r>
+          </a:p>
+        </p:txBody>
+      </p:sp>
+      <p:pic>
+        <p:nvPicPr>
+          <p:cNvPr id="6" name="Picture 5">
+            <a:extLst>
+              <a:ext uri="{FF2B5EF4-FFF2-40B4-BE49-F238E27FC236}">
+                <a16:creationId xmlns:a16="http://schemas.microsoft.com/office/drawing/2014/main" id="{135ADA75-36EB-430B-ABEC-743A68596484}"/>
+              </a:ext>
+            </a:extLst>
+          </p:cNvPr>
+          <p:cNvPicPr>
+            <a:picLocks noChangeAspect="1"/>
+          </p:cNvPicPr>
+          <p:nvPr/>
+        </p:nvPicPr>
+        <p:blipFill>
+          <a:blip r:embed="rId2"/>
+          <a:stretch>
+            <a:fillRect/>
+          </a:stretch>
+        </p:blipFill>
+        <p:spPr>
+          <a:xfrm>
+            <a:off x="338356" y="611155"/>
+            <a:ext cx="6772275" cy="4572000"/>
+          </a:xfrm>
+          <a:prstGeom prst="rect">
+            <a:avLst/>
+          </a:prstGeom>
+        </p:spPr>
+      </p:pic>
+    </p:spTree>
+    <p:extLst>
+      <p:ext uri="{BB962C8B-B14F-4D97-AF65-F5344CB8AC3E}">
+        <p14:creationId xmlns:p14="http://schemas.microsoft.com/office/powerpoint/2010/main" val="893588797"/>
+      </p:ext>
+    </p:extLst>
+  </p:cSld>
+  <p:clrMapOvr>
+    <a:masterClrMapping/>
+  </p:clrMapOvr>
+</p:sld>
+</file>
+
+<file path=ppt/slides/slide13.xml><?xml version="1.0" encoding="utf-8"?>
+<p:sld xmlns:a="http://schemas.openxmlformats.org/drawingml/2006/main" xmlns:r="http://schemas.openxmlformats.org/officeDocument/2006/relationships" xmlns:p="http://schemas.openxmlformats.org/presentationml/2006/main">
+  <p:cSld>
+    <p:bg>
+      <p:bgPr>
+        <a:solidFill>
+          <a:srgbClr val="1E1E1E"/>
+        </a:solidFill>
+        <a:effectLst/>
+      </p:bgPr>
+    </p:bg>
+    <p:spTree>
+      <p:nvGrpSpPr>
+        <p:cNvPr id="1" name=""/>
+        <p:cNvGrpSpPr/>
+        <p:nvPr/>
+      </p:nvGrpSpPr>
+      <p:grpSpPr>
+        <a:xfrm>
+          <a:off x="0" y="0"/>
+          <a:ext cx="0" cy="0"/>
+          <a:chOff x="0" y="0"/>
+          <a:chExt cx="0" cy="0"/>
+        </a:xfrm>
+      </p:grpSpPr>
+      <p:sp>
+        <p:nvSpPr>
+          <p:cNvPr id="4" name="TextBox 3">
+            <a:extLst>
+              <a:ext uri="{FF2B5EF4-FFF2-40B4-BE49-F238E27FC236}">
+                <a16:creationId xmlns:a16="http://schemas.microsoft.com/office/drawing/2014/main" id="{9E5C72DD-9009-40F6-A3BA-0806DD99E988}"/>
+              </a:ext>
+            </a:extLst>
+          </p:cNvPr>
+          <p:cNvSpPr txBox="1"/>
+          <p:nvPr/>
+        </p:nvSpPr>
+        <p:spPr>
+          <a:xfrm>
+            <a:off x="338356" y="129723"/>
+            <a:ext cx="4254759" cy="369332"/>
+          </a:xfrm>
+          <a:prstGeom prst="rect">
+            <a:avLst/>
+          </a:prstGeom>
+          <a:noFill/>
+        </p:spPr>
+        <p:txBody>
+          <a:bodyPr wrap="square" rtlCol="0">
+            <a:spAutoFit/>
+          </a:bodyPr>
+          <a:lstStyle/>
+          <a:p>
+            <a:r>
+              <a:rPr lang="en-GB" dirty="0">
+                <a:solidFill>
+                  <a:schemeClr val="bg1"/>
+                </a:solidFill>
+              </a:rPr>
+              <a:t>Question 12</a:t>
+            </a:r>
+          </a:p>
+        </p:txBody>
+      </p:sp>
+      <p:sp>
+        <p:nvSpPr>
+          <p:cNvPr id="5" name="TextBox 4">
+            <a:extLst>
+              <a:ext uri="{FF2B5EF4-FFF2-40B4-BE49-F238E27FC236}">
+                <a16:creationId xmlns:a16="http://schemas.microsoft.com/office/drawing/2014/main" id="{0881C216-CCC3-461C-B52E-B4EFFE179145}"/>
+              </a:ext>
+            </a:extLst>
+          </p:cNvPr>
+          <p:cNvSpPr txBox="1"/>
+          <p:nvPr/>
+        </p:nvSpPr>
+        <p:spPr>
+          <a:xfrm>
+            <a:off x="7523298" y="679508"/>
+            <a:ext cx="4573627" cy="923330"/>
+          </a:xfrm>
+          <a:prstGeom prst="rect">
+            <a:avLst/>
+          </a:prstGeom>
+          <a:noFill/>
+        </p:spPr>
+        <p:txBody>
+          <a:bodyPr wrap="square" rtlCol="0">
+            <a:spAutoFit/>
+          </a:bodyPr>
+          <a:lstStyle/>
+          <a:p>
+            <a:r>
+              <a:rPr lang="en-GB" dirty="0">
+                <a:solidFill>
+                  <a:schemeClr val="bg1"/>
+                </a:solidFill>
+              </a:rPr>
+              <a:t>Which of these methods has the fastest performance? Method1Async or Method2Async?</a:t>
+            </a:r>
+          </a:p>
+        </p:txBody>
+      </p:sp>
+      <p:sp>
+        <p:nvSpPr>
+          <p:cNvPr id="8" name="TextBox 7">
+            <a:extLst>
+              <a:ext uri="{FF2B5EF4-FFF2-40B4-BE49-F238E27FC236}">
+                <a16:creationId xmlns:a16="http://schemas.microsoft.com/office/drawing/2014/main" id="{F0C398C9-396A-490D-BEF2-C21537BF28BD}"/>
+              </a:ext>
+            </a:extLst>
+          </p:cNvPr>
+          <p:cNvSpPr txBox="1"/>
+          <p:nvPr/>
+        </p:nvSpPr>
+        <p:spPr>
+          <a:xfrm>
+            <a:off x="7636954" y="1904301"/>
+            <a:ext cx="4216690" cy="1477328"/>
+          </a:xfrm>
+          <a:prstGeom prst="rect">
+            <a:avLst/>
+          </a:prstGeom>
+          <a:noFill/>
+        </p:spPr>
+        <p:txBody>
+          <a:bodyPr wrap="square" rtlCol="0">
+            <a:spAutoFit/>
+          </a:bodyPr>
+          <a:lstStyle/>
+          <a:p>
+            <a:pPr marL="342900" indent="-342900">
+              <a:buFont typeface="+mj-lt"/>
+              <a:buAutoNum type="alphaUcPeriod"/>
+            </a:pPr>
+            <a:r>
+              <a:rPr lang="en-GB" dirty="0">
+                <a:solidFill>
+                  <a:schemeClr val="bg1"/>
+                </a:solidFill>
+              </a:rPr>
+              <a:t>Method1</a:t>
+            </a:r>
+          </a:p>
+          <a:p>
+            <a:pPr marL="342900" indent="-342900">
+              <a:buFont typeface="+mj-lt"/>
+              <a:buAutoNum type="alphaUcPeriod"/>
+            </a:pPr>
+            <a:endParaRPr lang="en-GB" dirty="0">
+              <a:solidFill>
+                <a:schemeClr val="bg1"/>
+              </a:solidFill>
+            </a:endParaRPr>
+          </a:p>
+          <a:p>
+            <a:pPr marL="342900" indent="-342900">
+              <a:buFont typeface="+mj-lt"/>
+              <a:buAutoNum type="alphaUcPeriod"/>
+            </a:pPr>
+            <a:r>
+              <a:rPr lang="en-GB" dirty="0">
+                <a:solidFill>
+                  <a:schemeClr val="bg1"/>
+                </a:solidFill>
+              </a:rPr>
+              <a:t>Method2Async</a:t>
+            </a:r>
+          </a:p>
+          <a:p>
+            <a:pPr marL="342900" indent="-342900">
+              <a:buFont typeface="+mj-lt"/>
+              <a:buAutoNum type="alphaUcPeriod"/>
+            </a:pPr>
+            <a:endParaRPr lang="en-GB" dirty="0">
+              <a:solidFill>
+                <a:schemeClr val="bg1"/>
+              </a:solidFill>
+            </a:endParaRPr>
+          </a:p>
+          <a:p>
+            <a:pPr marL="342900" indent="-342900">
+              <a:buFont typeface="+mj-lt"/>
+              <a:buAutoNum type="alphaUcPeriod"/>
+            </a:pPr>
+            <a:r>
+              <a:rPr lang="en-GB" dirty="0">
+                <a:solidFill>
+                  <a:schemeClr val="bg1"/>
+                </a:solidFill>
+              </a:rPr>
+              <a:t>They both have similar performance</a:t>
+            </a:r>
+            <a:r>
+              <a:rPr lang="en-GB" dirty="0"/>
+              <a:t>.</a:t>
+            </a:r>
+          </a:p>
+        </p:txBody>
+      </p:sp>
+      <p:pic>
+        <p:nvPicPr>
+          <p:cNvPr id="2" name="Picture 1">
+            <a:extLst>
+              <a:ext uri="{FF2B5EF4-FFF2-40B4-BE49-F238E27FC236}">
+                <a16:creationId xmlns:a16="http://schemas.microsoft.com/office/drawing/2014/main" id="{4B86EE87-9722-4FE2-B436-A7B126640F47}"/>
+              </a:ext>
+            </a:extLst>
+          </p:cNvPr>
+          <p:cNvPicPr>
+            <a:picLocks noChangeAspect="1"/>
+          </p:cNvPicPr>
+          <p:nvPr/>
+        </p:nvPicPr>
+        <p:blipFill>
+          <a:blip r:embed="rId2"/>
+          <a:stretch>
+            <a:fillRect/>
+          </a:stretch>
+        </p:blipFill>
+        <p:spPr>
+          <a:xfrm>
+            <a:off x="338356" y="499055"/>
+            <a:ext cx="5581650" cy="5753100"/>
+          </a:xfrm>
+          <a:prstGeom prst="rect">
+            <a:avLst/>
+          </a:prstGeom>
+        </p:spPr>
+      </p:pic>
+    </p:spTree>
+    <p:extLst>
+      <p:ext uri="{BB962C8B-B14F-4D97-AF65-F5344CB8AC3E}">
+        <p14:creationId xmlns:p14="http://schemas.microsoft.com/office/powerpoint/2010/main" val="1486948899"/>
+      </p:ext>
+    </p:extLst>
+  </p:cSld>
+  <p:clrMapOvr>
+    <a:masterClrMapping/>
+  </p:clrMapOvr>
+</p:sld>
+</file>
+
+<file path=ppt/slides/slide14.xml><?xml version="1.0" encoding="utf-8"?>
+<p:sld xmlns:a="http://schemas.openxmlformats.org/drawingml/2006/main" xmlns:r="http://schemas.openxmlformats.org/officeDocument/2006/relationships" xmlns:p="http://schemas.openxmlformats.org/presentationml/2006/main">
+  <p:cSld>
+    <p:bg>
+      <p:bgPr>
+        <a:solidFill>
+          <a:srgbClr val="1E1E1E"/>
+        </a:solidFill>
+        <a:effectLst/>
+      </p:bgPr>
+    </p:bg>
+    <p:spTree>
+      <p:nvGrpSpPr>
+        <p:cNvPr id="1" name=""/>
+        <p:cNvGrpSpPr/>
+        <p:nvPr/>
+      </p:nvGrpSpPr>
+      <p:grpSpPr>
+        <a:xfrm>
+          <a:off x="0" y="0"/>
+          <a:ext cx="0" cy="0"/>
+          <a:chOff x="0" y="0"/>
+          <a:chExt cx="0" cy="0"/>
+        </a:xfrm>
+      </p:grpSpPr>
+      <p:sp>
+        <p:nvSpPr>
+          <p:cNvPr id="4" name="TextBox 3">
+            <a:extLst>
+              <a:ext uri="{FF2B5EF4-FFF2-40B4-BE49-F238E27FC236}">
+                <a16:creationId xmlns:a16="http://schemas.microsoft.com/office/drawing/2014/main" id="{9E5C72DD-9009-40F6-A3BA-0806DD99E988}"/>
+              </a:ext>
+            </a:extLst>
+          </p:cNvPr>
+          <p:cNvSpPr txBox="1"/>
+          <p:nvPr/>
+        </p:nvSpPr>
+        <p:spPr>
+          <a:xfrm>
+            <a:off x="338356" y="129723"/>
+            <a:ext cx="4254759" cy="369332"/>
+          </a:xfrm>
+          <a:prstGeom prst="rect">
+            <a:avLst/>
+          </a:prstGeom>
+          <a:noFill/>
+        </p:spPr>
+        <p:txBody>
+          <a:bodyPr wrap="square" rtlCol="0">
+            <a:spAutoFit/>
+          </a:bodyPr>
+          <a:lstStyle/>
+          <a:p>
+            <a:r>
+              <a:rPr lang="en-GB" dirty="0">
+                <a:solidFill>
+                  <a:schemeClr val="bg1"/>
+                </a:solidFill>
+              </a:rPr>
+              <a:t>Question 13</a:t>
+            </a:r>
+          </a:p>
+        </p:txBody>
+      </p:sp>
+      <p:sp>
+        <p:nvSpPr>
+          <p:cNvPr id="5" name="TextBox 4">
+            <a:extLst>
+              <a:ext uri="{FF2B5EF4-FFF2-40B4-BE49-F238E27FC236}">
+                <a16:creationId xmlns:a16="http://schemas.microsoft.com/office/drawing/2014/main" id="{0881C216-CCC3-461C-B52E-B4EFFE179145}"/>
+              </a:ext>
+            </a:extLst>
+          </p:cNvPr>
+          <p:cNvSpPr txBox="1"/>
+          <p:nvPr/>
+        </p:nvSpPr>
+        <p:spPr>
+          <a:xfrm>
+            <a:off x="7523298" y="679508"/>
+            <a:ext cx="4573627" cy="923330"/>
+          </a:xfrm>
+          <a:prstGeom prst="rect">
+            <a:avLst/>
+          </a:prstGeom>
+          <a:noFill/>
+        </p:spPr>
+        <p:txBody>
+          <a:bodyPr wrap="square" rtlCol="0">
+            <a:spAutoFit/>
+          </a:bodyPr>
+          <a:lstStyle/>
+          <a:p>
+            <a:r>
+              <a:rPr lang="en-GB" dirty="0">
+                <a:solidFill>
+                  <a:schemeClr val="bg1"/>
+                </a:solidFill>
+              </a:rPr>
+              <a:t>Which of these methods has the fastest performance? Method1Async or Method2Async?</a:t>
+            </a:r>
+          </a:p>
+        </p:txBody>
+      </p:sp>
+      <p:sp>
+        <p:nvSpPr>
+          <p:cNvPr id="8" name="TextBox 7">
+            <a:extLst>
+              <a:ext uri="{FF2B5EF4-FFF2-40B4-BE49-F238E27FC236}">
+                <a16:creationId xmlns:a16="http://schemas.microsoft.com/office/drawing/2014/main" id="{F0C398C9-396A-490D-BEF2-C21537BF28BD}"/>
+              </a:ext>
+            </a:extLst>
+          </p:cNvPr>
+          <p:cNvSpPr txBox="1"/>
+          <p:nvPr/>
+        </p:nvSpPr>
+        <p:spPr>
+          <a:xfrm>
+            <a:off x="7636954" y="1904301"/>
+            <a:ext cx="4216690" cy="1477328"/>
+          </a:xfrm>
+          <a:prstGeom prst="rect">
+            <a:avLst/>
+          </a:prstGeom>
+          <a:noFill/>
+        </p:spPr>
+        <p:txBody>
+          <a:bodyPr wrap="square" rtlCol="0">
+            <a:spAutoFit/>
+          </a:bodyPr>
+          <a:lstStyle/>
+          <a:p>
+            <a:pPr marL="342900" indent="-342900">
+              <a:buFont typeface="+mj-lt"/>
+              <a:buAutoNum type="alphaUcPeriod"/>
+            </a:pPr>
+            <a:r>
+              <a:rPr lang="en-GB" dirty="0">
+                <a:solidFill>
+                  <a:schemeClr val="bg1"/>
+                </a:solidFill>
+              </a:rPr>
+              <a:t>Method1Async</a:t>
+            </a:r>
+          </a:p>
+          <a:p>
+            <a:pPr marL="342900" indent="-342900">
+              <a:buFont typeface="+mj-lt"/>
+              <a:buAutoNum type="alphaUcPeriod"/>
+            </a:pPr>
+            <a:endParaRPr lang="en-GB" dirty="0">
+              <a:solidFill>
+                <a:schemeClr val="bg1"/>
+              </a:solidFill>
+            </a:endParaRPr>
+          </a:p>
+          <a:p>
+            <a:pPr marL="342900" indent="-342900">
+              <a:buFont typeface="+mj-lt"/>
+              <a:buAutoNum type="alphaUcPeriod"/>
+            </a:pPr>
+            <a:r>
+              <a:rPr lang="en-GB" dirty="0">
+                <a:solidFill>
+                  <a:schemeClr val="bg1"/>
+                </a:solidFill>
+              </a:rPr>
+              <a:t>Method2Async</a:t>
+            </a:r>
+          </a:p>
+          <a:p>
+            <a:pPr marL="342900" indent="-342900">
+              <a:buFont typeface="+mj-lt"/>
+              <a:buAutoNum type="alphaUcPeriod"/>
+            </a:pPr>
+            <a:endParaRPr lang="en-GB" dirty="0">
+              <a:solidFill>
+                <a:schemeClr val="bg1"/>
+              </a:solidFill>
+            </a:endParaRPr>
+          </a:p>
+          <a:p>
+            <a:pPr marL="342900" indent="-342900">
+              <a:buFont typeface="+mj-lt"/>
+              <a:buAutoNum type="alphaUcPeriod"/>
+            </a:pPr>
+            <a:r>
+              <a:rPr lang="en-GB" dirty="0">
+                <a:solidFill>
+                  <a:schemeClr val="bg1"/>
+                </a:solidFill>
+              </a:rPr>
+              <a:t>They both have similar performance</a:t>
+            </a:r>
+            <a:r>
+              <a:rPr lang="en-GB" dirty="0"/>
+              <a:t>.</a:t>
+            </a:r>
+          </a:p>
+        </p:txBody>
+      </p:sp>
+      <p:pic>
+        <p:nvPicPr>
+          <p:cNvPr id="6" name="Picture 5">
+            <a:extLst>
+              <a:ext uri="{FF2B5EF4-FFF2-40B4-BE49-F238E27FC236}">
+                <a16:creationId xmlns:a16="http://schemas.microsoft.com/office/drawing/2014/main" id="{C723B031-3539-4317-BA99-3BF90B3912AD}"/>
+              </a:ext>
+            </a:extLst>
+          </p:cNvPr>
+          <p:cNvPicPr>
+            <a:picLocks noChangeAspect="1"/>
+          </p:cNvPicPr>
+          <p:nvPr/>
+        </p:nvPicPr>
+        <p:blipFill>
+          <a:blip r:embed="rId2"/>
+          <a:stretch>
+            <a:fillRect/>
+          </a:stretch>
+        </p:blipFill>
+        <p:spPr>
+          <a:xfrm>
+            <a:off x="428237" y="679508"/>
+            <a:ext cx="6800850" cy="5153025"/>
+          </a:xfrm>
+          <a:prstGeom prst="rect">
+            <a:avLst/>
+          </a:prstGeom>
+        </p:spPr>
+      </p:pic>
+    </p:spTree>
+    <p:extLst>
+      <p:ext uri="{BB962C8B-B14F-4D97-AF65-F5344CB8AC3E}">
+        <p14:creationId xmlns:p14="http://schemas.microsoft.com/office/powerpoint/2010/main" val="4127421477"/>
+      </p:ext>
+    </p:extLst>
+  </p:cSld>
+  <p:clrMapOvr>
+    <a:masterClrMapping/>
+  </p:clrMapOvr>
+</p:sld>
+</file>
+
+<file path=ppt/slides/slide15.xml><?xml version="1.0" encoding="utf-8"?>
+<p:sld xmlns:a="http://schemas.openxmlformats.org/drawingml/2006/main" xmlns:r="http://schemas.openxmlformats.org/officeDocument/2006/relationships" xmlns:p="http://schemas.openxmlformats.org/presentationml/2006/main">
+  <p:cSld>
+    <p:bg>
+      <p:bgPr>
+        <a:solidFill>
+          <a:srgbClr val="1E1E1E"/>
+        </a:solidFill>
+        <a:effectLst/>
+      </p:bgPr>
+    </p:bg>
+    <p:spTree>
+      <p:nvGrpSpPr>
+        <p:cNvPr id="1" name=""/>
+        <p:cNvGrpSpPr/>
+        <p:nvPr/>
+      </p:nvGrpSpPr>
+      <p:grpSpPr>
+        <a:xfrm>
+          <a:off x="0" y="0"/>
+          <a:ext cx="0" cy="0"/>
+          <a:chOff x="0" y="0"/>
+          <a:chExt cx="0" cy="0"/>
+        </a:xfrm>
+      </p:grpSpPr>
+      <p:sp>
+        <p:nvSpPr>
+          <p:cNvPr id="2" name="Title 1">
+            <a:extLst>
+              <a:ext uri="{FF2B5EF4-FFF2-40B4-BE49-F238E27FC236}">
+                <a16:creationId xmlns:a16="http://schemas.microsoft.com/office/drawing/2014/main" id="{E62C5B10-05B3-4CC1-AEE0-76E781261AF5}"/>
+              </a:ext>
+            </a:extLst>
+          </p:cNvPr>
+          <p:cNvSpPr>
+            <a:spLocks noGrp="1"/>
+          </p:cNvSpPr>
+          <p:nvPr>
+            <p:ph type="ctrTitle"/>
+          </p:nvPr>
+        </p:nvSpPr>
+        <p:spPr/>
+        <p:txBody>
+          <a:bodyPr/>
+          <a:lstStyle/>
+          <a:p>
+            <a:r>
+              <a:rPr lang="en-GB" dirty="0">
+                <a:solidFill>
+                  <a:schemeClr val="bg1"/>
+                </a:solidFill>
+              </a:rPr>
+              <a:t>Answers</a:t>
+            </a:r>
+          </a:p>
+        </p:txBody>
+      </p:sp>
+    </p:spTree>
+    <p:extLst>
+      <p:ext uri="{BB962C8B-B14F-4D97-AF65-F5344CB8AC3E}">
+        <p14:creationId xmlns:p14="http://schemas.microsoft.com/office/powerpoint/2010/main" val="2592847172"/>
+      </p:ext>
+    </p:extLst>
+  </p:cSld>
+  <p:clrMapOvr>
+    <a:masterClrMapping/>
+  </p:clrMapOvr>
+</p:sld>
+</file>
+
+<file path=ppt/slides/slide16.xml><?xml version="1.0" encoding="utf-8"?>
+<p:sld xmlns:a="http://schemas.openxmlformats.org/drawingml/2006/main" xmlns:r="http://schemas.openxmlformats.org/officeDocument/2006/relationships" xmlns:p="http://schemas.openxmlformats.org/presentationml/2006/main">
+  <p:cSld>
+    <p:bg>
+      <p:bgPr>
+        <a:solidFill>
+          <a:srgbClr val="1E1E1E"/>
+        </a:solidFill>
+        <a:effectLst/>
+      </p:bgPr>
+    </p:bg>
+    <p:spTree>
+      <p:nvGrpSpPr>
+        <p:cNvPr id="1" name=""/>
+        <p:cNvGrpSpPr/>
+        <p:nvPr/>
+      </p:nvGrpSpPr>
+      <p:grpSpPr>
+        <a:xfrm>
+          <a:off x="0" y="0"/>
+          <a:ext cx="0" cy="0"/>
+          <a:chOff x="0" y="0"/>
+          <a:chExt cx="0" cy="0"/>
+        </a:xfrm>
+      </p:grpSpPr>
+      <p:sp>
+        <p:nvSpPr>
+          <p:cNvPr id="6" name="TextBox 5">
+            <a:extLst>
+              <a:ext uri="{FF2B5EF4-FFF2-40B4-BE49-F238E27FC236}">
+                <a16:creationId xmlns:a16="http://schemas.microsoft.com/office/drawing/2014/main" id="{2CDFC944-8A12-42CA-B4D7-7CEF50C368ED}"/>
+              </a:ext>
+            </a:extLst>
+          </p:cNvPr>
+          <p:cNvSpPr txBox="1"/>
+          <p:nvPr/>
+        </p:nvSpPr>
+        <p:spPr>
+          <a:xfrm>
+            <a:off x="624957" y="242596"/>
+            <a:ext cx="11364880" cy="369332"/>
+          </a:xfrm>
+          <a:prstGeom prst="rect">
+            <a:avLst/>
+          </a:prstGeom>
+          <a:noFill/>
+        </p:spPr>
+        <p:txBody>
+          <a:bodyPr wrap="square" rtlCol="0">
+            <a:spAutoFit/>
+          </a:bodyPr>
+          <a:lstStyle/>
+          <a:p>
+            <a:r>
+              <a:rPr lang="en-GB" dirty="0">
+                <a:solidFill>
+                  <a:schemeClr val="bg1"/>
+                </a:solidFill>
+              </a:rPr>
+              <a:t>Question 1 </a:t>
+            </a:r>
+          </a:p>
+        </p:txBody>
+      </p:sp>
+      <p:pic>
+        <p:nvPicPr>
+          <p:cNvPr id="10" name="Picture 9">
+            <a:extLst>
+              <a:ext uri="{FF2B5EF4-FFF2-40B4-BE49-F238E27FC236}">
+                <a16:creationId xmlns:a16="http://schemas.microsoft.com/office/drawing/2014/main" id="{5D5E3BFF-6F77-4DC5-A318-B72CA8530790}"/>
+              </a:ext>
+            </a:extLst>
+          </p:cNvPr>
+          <p:cNvPicPr>
+            <a:picLocks noChangeAspect="1"/>
+          </p:cNvPicPr>
+          <p:nvPr/>
+        </p:nvPicPr>
+        <p:blipFill>
+          <a:blip r:embed="rId2"/>
+          <a:stretch>
+            <a:fillRect/>
+          </a:stretch>
+        </p:blipFill>
+        <p:spPr>
+          <a:xfrm>
+            <a:off x="624957" y="797378"/>
+            <a:ext cx="5086350" cy="5524500"/>
+          </a:xfrm>
+          <a:prstGeom prst="rect">
+            <a:avLst/>
+          </a:prstGeom>
+        </p:spPr>
+      </p:pic>
+      <p:sp>
+        <p:nvSpPr>
+          <p:cNvPr id="11" name="TextBox 10">
+            <a:extLst>
+              <a:ext uri="{FF2B5EF4-FFF2-40B4-BE49-F238E27FC236}">
+                <a16:creationId xmlns:a16="http://schemas.microsoft.com/office/drawing/2014/main" id="{8CFFC453-63D5-4985-9376-BE7589A7509A}"/>
+              </a:ext>
+            </a:extLst>
+          </p:cNvPr>
+          <p:cNvSpPr txBox="1"/>
+          <p:nvPr/>
+        </p:nvSpPr>
+        <p:spPr>
+          <a:xfrm>
+            <a:off x="6096000" y="933062"/>
+            <a:ext cx="5234474" cy="1754326"/>
+          </a:xfrm>
+          <a:prstGeom prst="rect">
+            <a:avLst/>
+          </a:prstGeom>
+          <a:noFill/>
+        </p:spPr>
+        <p:txBody>
+          <a:bodyPr wrap="square" rtlCol="0">
+            <a:spAutoFit/>
+          </a:bodyPr>
+          <a:lstStyle/>
+          <a:p>
+            <a:r>
+              <a:rPr lang="en-GB" dirty="0">
+                <a:solidFill>
+                  <a:schemeClr val="bg1"/>
+                </a:solidFill>
+              </a:rPr>
+              <a:t>What will be the output of the Run method?</a:t>
+            </a:r>
+          </a:p>
+          <a:p>
+            <a:endParaRPr lang="en-GB" dirty="0">
+              <a:solidFill>
+                <a:schemeClr val="bg1"/>
+              </a:solidFill>
+            </a:endParaRPr>
+          </a:p>
+          <a:p>
+            <a:pPr marL="342900" indent="-342900">
+              <a:buFont typeface="+mj-lt"/>
+              <a:buAutoNum type="alphaUcPeriod"/>
+            </a:pPr>
+            <a:r>
+              <a:rPr lang="en-GB" dirty="0">
+                <a:solidFill>
+                  <a:schemeClr val="bg1"/>
+                </a:solidFill>
+              </a:rPr>
+              <a:t>Test 1</a:t>
+            </a:r>
+            <a:br>
+              <a:rPr lang="en-GB" dirty="0">
+                <a:solidFill>
+                  <a:schemeClr val="bg1"/>
+                </a:solidFill>
+              </a:rPr>
+            </a:br>
+            <a:r>
+              <a:rPr lang="en-GB" dirty="0">
+                <a:solidFill>
+                  <a:schemeClr val="bg1"/>
+                </a:solidFill>
+              </a:rPr>
+              <a:t>Test 2</a:t>
+            </a:r>
+            <a:br>
+              <a:rPr lang="en-GB" dirty="0">
+                <a:solidFill>
+                  <a:schemeClr val="bg1"/>
+                </a:solidFill>
+              </a:rPr>
+            </a:br>
+            <a:r>
+              <a:rPr lang="en-GB" dirty="0">
+                <a:solidFill>
+                  <a:schemeClr val="bg1"/>
+                </a:solidFill>
+              </a:rPr>
+              <a:t>Test 2.5</a:t>
+            </a:r>
+            <a:br>
+              <a:rPr lang="en-GB" dirty="0">
+                <a:solidFill>
+                  <a:schemeClr val="bg1"/>
+                </a:solidFill>
+              </a:rPr>
+            </a:br>
+            <a:r>
+              <a:rPr lang="en-GB" dirty="0">
+                <a:solidFill>
+                  <a:schemeClr val="bg1"/>
+                </a:solidFill>
+              </a:rPr>
+              <a:t>Test 3	</a:t>
+            </a:r>
+          </a:p>
+        </p:txBody>
+      </p:sp>
+    </p:spTree>
+    <p:extLst>
+      <p:ext uri="{BB962C8B-B14F-4D97-AF65-F5344CB8AC3E}">
+        <p14:creationId xmlns:p14="http://schemas.microsoft.com/office/powerpoint/2010/main" val="3060945994"/>
+      </p:ext>
+    </p:extLst>
+  </p:cSld>
+  <p:clrMapOvr>
+    <a:masterClrMapping/>
+  </p:clrMapOvr>
+</p:sld>
+</file>
+
+<file path=ppt/slides/slide17.xml><?xml version="1.0" encoding="utf-8"?>
+<p:sld xmlns:a="http://schemas.openxmlformats.org/drawingml/2006/main" xmlns:r="http://schemas.openxmlformats.org/officeDocument/2006/relationships" xmlns:p="http://schemas.openxmlformats.org/presentationml/2006/main">
+  <p:cSld>
+    <p:bg>
+      <p:bgPr>
+        <a:solidFill>
+          <a:srgbClr val="1E1E1E"/>
+        </a:solidFill>
+        <a:effectLst/>
+      </p:bgPr>
+    </p:bg>
+    <p:spTree>
+      <p:nvGrpSpPr>
+        <p:cNvPr id="1" name=""/>
+        <p:cNvGrpSpPr/>
+        <p:nvPr/>
+      </p:nvGrpSpPr>
+      <p:grpSpPr>
+        <a:xfrm>
+          <a:off x="0" y="0"/>
+          <a:ext cx="0" cy="0"/>
+          <a:chOff x="0" y="0"/>
+          <a:chExt cx="0" cy="0"/>
+        </a:xfrm>
+      </p:grpSpPr>
+      <p:sp>
+        <p:nvSpPr>
+          <p:cNvPr id="6" name="TextBox 5">
+            <a:extLst>
+              <a:ext uri="{FF2B5EF4-FFF2-40B4-BE49-F238E27FC236}">
+                <a16:creationId xmlns:a16="http://schemas.microsoft.com/office/drawing/2014/main" id="{2CDFC944-8A12-42CA-B4D7-7CEF50C368ED}"/>
+              </a:ext>
+            </a:extLst>
+          </p:cNvPr>
+          <p:cNvSpPr txBox="1"/>
+          <p:nvPr/>
+        </p:nvSpPr>
+        <p:spPr>
+          <a:xfrm>
+            <a:off x="624957" y="242596"/>
+            <a:ext cx="11364880" cy="369332"/>
+          </a:xfrm>
+          <a:prstGeom prst="rect">
+            <a:avLst/>
+          </a:prstGeom>
+          <a:noFill/>
+        </p:spPr>
+        <p:txBody>
+          <a:bodyPr wrap="square" rtlCol="0">
+            <a:spAutoFit/>
+          </a:bodyPr>
+          <a:lstStyle/>
+          <a:p>
+            <a:r>
+              <a:rPr lang="en-GB" dirty="0">
+                <a:solidFill>
+                  <a:schemeClr val="bg1"/>
+                </a:solidFill>
+              </a:rPr>
+              <a:t>Question 2 </a:t>
+            </a:r>
+          </a:p>
+        </p:txBody>
+      </p:sp>
+      <p:sp>
+        <p:nvSpPr>
+          <p:cNvPr id="11" name="TextBox 10">
+            <a:extLst>
+              <a:ext uri="{FF2B5EF4-FFF2-40B4-BE49-F238E27FC236}">
+                <a16:creationId xmlns:a16="http://schemas.microsoft.com/office/drawing/2014/main" id="{8CFFC453-63D5-4985-9376-BE7589A7509A}"/>
+              </a:ext>
+            </a:extLst>
+          </p:cNvPr>
+          <p:cNvSpPr txBox="1"/>
+          <p:nvPr/>
+        </p:nvSpPr>
+        <p:spPr>
+          <a:xfrm>
+            <a:off x="6708710" y="933062"/>
+            <a:ext cx="4621764" cy="1754326"/>
+          </a:xfrm>
+          <a:prstGeom prst="rect">
+            <a:avLst/>
+          </a:prstGeom>
+          <a:noFill/>
+        </p:spPr>
+        <p:txBody>
+          <a:bodyPr wrap="square" rtlCol="0">
+            <a:spAutoFit/>
+          </a:bodyPr>
+          <a:lstStyle/>
+          <a:p>
+            <a:r>
+              <a:rPr lang="en-GB" dirty="0">
+                <a:solidFill>
+                  <a:schemeClr val="bg1"/>
+                </a:solidFill>
+              </a:rPr>
+              <a:t>What will be the output of the Run method?</a:t>
+            </a:r>
+          </a:p>
+          <a:p>
+            <a:endParaRPr lang="en-GB" dirty="0">
+              <a:solidFill>
+                <a:schemeClr val="bg1"/>
+              </a:solidFill>
+            </a:endParaRPr>
+          </a:p>
+          <a:p>
+            <a:pPr marL="342900" indent="-342900">
+              <a:buFont typeface="+mj-lt"/>
+              <a:buAutoNum type="alphaUcPeriod"/>
+            </a:pPr>
+            <a:r>
+              <a:rPr lang="en-GB" dirty="0">
+                <a:solidFill>
+                  <a:schemeClr val="bg1"/>
+                </a:solidFill>
+              </a:rPr>
+              <a:t>Test 1</a:t>
+            </a:r>
+            <a:br>
+              <a:rPr lang="en-GB" dirty="0">
+                <a:solidFill>
+                  <a:schemeClr val="bg1"/>
+                </a:solidFill>
+              </a:rPr>
+            </a:br>
+            <a:r>
+              <a:rPr lang="en-GB" dirty="0">
+                <a:solidFill>
+                  <a:schemeClr val="bg1"/>
+                </a:solidFill>
+              </a:rPr>
+              <a:t>Test 2</a:t>
+            </a:r>
+            <a:br>
+              <a:rPr lang="en-GB" dirty="0">
+                <a:solidFill>
+                  <a:schemeClr val="bg1"/>
+                </a:solidFill>
+              </a:rPr>
+            </a:br>
+            <a:r>
+              <a:rPr lang="en-GB" dirty="0">
+                <a:solidFill>
+                  <a:schemeClr val="bg1"/>
+                </a:solidFill>
+              </a:rPr>
+              <a:t>Test 3	</a:t>
+            </a:r>
+            <a:br>
+              <a:rPr lang="en-GB" dirty="0">
+                <a:solidFill>
+                  <a:schemeClr val="bg1"/>
+                </a:solidFill>
+              </a:rPr>
+            </a:br>
+            <a:endParaRPr lang="en-GB" dirty="0">
+              <a:solidFill>
+                <a:schemeClr val="bg1"/>
+              </a:solidFill>
+            </a:endParaRPr>
+          </a:p>
+        </p:txBody>
+      </p:sp>
+      <p:pic>
+        <p:nvPicPr>
+          <p:cNvPr id="2" name="Picture 1">
+            <a:extLst>
+              <a:ext uri="{FF2B5EF4-FFF2-40B4-BE49-F238E27FC236}">
+                <a16:creationId xmlns:a16="http://schemas.microsoft.com/office/drawing/2014/main" id="{F2908990-24E3-402D-B57B-2F70363139A0}"/>
+              </a:ext>
+            </a:extLst>
+          </p:cNvPr>
+          <p:cNvPicPr>
+            <a:picLocks noChangeAspect="1"/>
+          </p:cNvPicPr>
+          <p:nvPr/>
+        </p:nvPicPr>
+        <p:blipFill>
+          <a:blip r:embed="rId2"/>
+          <a:stretch>
+            <a:fillRect/>
+          </a:stretch>
+        </p:blipFill>
+        <p:spPr>
+          <a:xfrm>
+            <a:off x="624957" y="860870"/>
+            <a:ext cx="5524500" cy="5334000"/>
+          </a:xfrm>
+          <a:prstGeom prst="rect">
+            <a:avLst/>
+          </a:prstGeom>
+        </p:spPr>
+      </p:pic>
+    </p:spTree>
+    <p:extLst>
+      <p:ext uri="{BB962C8B-B14F-4D97-AF65-F5344CB8AC3E}">
+        <p14:creationId xmlns:p14="http://schemas.microsoft.com/office/powerpoint/2010/main" val="3368811478"/>
+      </p:ext>
+    </p:extLst>
+  </p:cSld>
+  <p:clrMapOvr>
+    <a:masterClrMapping/>
+  </p:clrMapOvr>
+</p:sld>
+</file>
+
+<file path=ppt/slides/slide18.xml><?xml version="1.0" encoding="utf-8"?>
+<p:sld xmlns:a="http://schemas.openxmlformats.org/drawingml/2006/main" xmlns:r="http://schemas.openxmlformats.org/officeDocument/2006/relationships" xmlns:p="http://schemas.openxmlformats.org/presentationml/2006/main">
+  <p:cSld>
+    <p:bg>
+      <p:bgPr>
+        <a:solidFill>
+          <a:srgbClr val="1E1E1E"/>
+        </a:solidFill>
+        <a:effectLst/>
+      </p:bgPr>
+    </p:bg>
+    <p:spTree>
+      <p:nvGrpSpPr>
+        <p:cNvPr id="1" name=""/>
+        <p:cNvGrpSpPr/>
+        <p:nvPr/>
+      </p:nvGrpSpPr>
+      <p:grpSpPr>
+        <a:xfrm>
+          <a:off x="0" y="0"/>
+          <a:ext cx="0" cy="0"/>
+          <a:chOff x="0" y="0"/>
+          <a:chExt cx="0" cy="0"/>
+        </a:xfrm>
+      </p:grpSpPr>
+      <p:sp>
+        <p:nvSpPr>
+          <p:cNvPr id="6" name="TextBox 5">
+            <a:extLst>
+              <a:ext uri="{FF2B5EF4-FFF2-40B4-BE49-F238E27FC236}">
+                <a16:creationId xmlns:a16="http://schemas.microsoft.com/office/drawing/2014/main" id="{2CDFC944-8A12-42CA-B4D7-7CEF50C368ED}"/>
+              </a:ext>
+            </a:extLst>
+          </p:cNvPr>
+          <p:cNvSpPr txBox="1"/>
+          <p:nvPr/>
+        </p:nvSpPr>
+        <p:spPr>
+          <a:xfrm>
+            <a:off x="624957" y="242596"/>
+            <a:ext cx="11364880" cy="369332"/>
+          </a:xfrm>
+          <a:prstGeom prst="rect">
+            <a:avLst/>
+          </a:prstGeom>
+          <a:noFill/>
+        </p:spPr>
+        <p:txBody>
+          <a:bodyPr wrap="square" rtlCol="0">
+            <a:spAutoFit/>
+          </a:bodyPr>
+          <a:lstStyle/>
+          <a:p>
+            <a:r>
+              <a:rPr lang="en-GB" dirty="0">
+                <a:solidFill>
+                  <a:schemeClr val="bg1"/>
+                </a:solidFill>
+              </a:rPr>
+              <a:t>Question 3 </a:t>
+            </a:r>
+          </a:p>
+        </p:txBody>
+      </p:sp>
+      <p:sp>
+        <p:nvSpPr>
+          <p:cNvPr id="11" name="TextBox 10">
+            <a:extLst>
+              <a:ext uri="{FF2B5EF4-FFF2-40B4-BE49-F238E27FC236}">
+                <a16:creationId xmlns:a16="http://schemas.microsoft.com/office/drawing/2014/main" id="{8CFFC453-63D5-4985-9376-BE7589A7509A}"/>
+              </a:ext>
+            </a:extLst>
+          </p:cNvPr>
+          <p:cNvSpPr txBox="1"/>
+          <p:nvPr/>
+        </p:nvSpPr>
+        <p:spPr>
+          <a:xfrm>
+            <a:off x="6708710" y="933062"/>
+            <a:ext cx="4621764" cy="2308324"/>
+          </a:xfrm>
+          <a:prstGeom prst="rect">
+            <a:avLst/>
+          </a:prstGeom>
+          <a:noFill/>
+        </p:spPr>
+        <p:txBody>
+          <a:bodyPr wrap="square" rtlCol="0">
+            <a:spAutoFit/>
+          </a:bodyPr>
+          <a:lstStyle/>
+          <a:p>
+            <a:r>
+              <a:rPr lang="en-GB" dirty="0">
+                <a:solidFill>
+                  <a:schemeClr val="bg1"/>
+                </a:solidFill>
+              </a:rPr>
+              <a:t>What will be the output of the Run method?</a:t>
+            </a:r>
+          </a:p>
+          <a:p>
+            <a:endParaRPr lang="en-GB" dirty="0">
+              <a:solidFill>
+                <a:schemeClr val="bg1"/>
+              </a:solidFill>
+            </a:endParaRPr>
+          </a:p>
+          <a:p>
+            <a:r>
+              <a:rPr lang="en-GB" dirty="0">
+                <a:solidFill>
+                  <a:schemeClr val="bg1"/>
+                </a:solidFill>
+              </a:rPr>
+              <a:t>E. None of the above</a:t>
+            </a:r>
+          </a:p>
+          <a:p>
+            <a:endParaRPr lang="en-GB" dirty="0">
+              <a:solidFill>
+                <a:schemeClr val="bg1"/>
+              </a:solidFill>
+            </a:endParaRPr>
+          </a:p>
+          <a:p>
+            <a:r>
+              <a:rPr lang="en-GB" dirty="0">
+                <a:solidFill>
+                  <a:schemeClr val="bg1"/>
+                </a:solidFill>
+              </a:rPr>
+              <a:t>    Test 1</a:t>
+            </a:r>
+          </a:p>
+          <a:p>
+            <a:r>
+              <a:rPr lang="en-GB" dirty="0">
+                <a:solidFill>
+                  <a:schemeClr val="bg1"/>
+                </a:solidFill>
+              </a:rPr>
+              <a:t>    Test 2</a:t>
+            </a:r>
+          </a:p>
+          <a:p>
+            <a:r>
+              <a:rPr lang="en-GB" dirty="0">
+                <a:solidFill>
+                  <a:schemeClr val="bg1"/>
+                </a:solidFill>
+              </a:rPr>
+              <a:t>    Test 3</a:t>
+            </a:r>
+          </a:p>
+          <a:p>
+            <a:r>
+              <a:rPr lang="en-GB" dirty="0">
+                <a:solidFill>
+                  <a:schemeClr val="bg1"/>
+                </a:solidFill>
+              </a:rPr>
+              <a:t>    Test 2.5</a:t>
+            </a:r>
+          </a:p>
+        </p:txBody>
+      </p:sp>
+      <p:pic>
+        <p:nvPicPr>
+          <p:cNvPr id="3" name="Picture 2">
+            <a:extLst>
+              <a:ext uri="{FF2B5EF4-FFF2-40B4-BE49-F238E27FC236}">
+                <a16:creationId xmlns:a16="http://schemas.microsoft.com/office/drawing/2014/main" id="{378DE183-DC9A-474D-BA3B-2612EB3550BF}"/>
+              </a:ext>
+            </a:extLst>
+          </p:cNvPr>
+          <p:cNvPicPr>
+            <a:picLocks noChangeAspect="1"/>
+          </p:cNvPicPr>
+          <p:nvPr/>
+        </p:nvPicPr>
+        <p:blipFill>
+          <a:blip r:embed="rId2"/>
+          <a:stretch>
+            <a:fillRect/>
+          </a:stretch>
+        </p:blipFill>
+        <p:spPr>
+          <a:xfrm>
+            <a:off x="533400" y="729405"/>
+            <a:ext cx="5562600" cy="5762625"/>
+          </a:xfrm>
+          <a:prstGeom prst="rect">
+            <a:avLst/>
+          </a:prstGeom>
+        </p:spPr>
+      </p:pic>
+    </p:spTree>
+    <p:extLst>
+      <p:ext uri="{BB962C8B-B14F-4D97-AF65-F5344CB8AC3E}">
+        <p14:creationId xmlns:p14="http://schemas.microsoft.com/office/powerpoint/2010/main" val="1071764814"/>
+      </p:ext>
+    </p:extLst>
+  </p:cSld>
+  <p:clrMapOvr>
+    <a:masterClrMapping/>
+  </p:clrMapOvr>
+</p:sld>
+</file>
+
+<file path=ppt/slides/slide19.xml><?xml version="1.0" encoding="utf-8"?>
+<p:sld xmlns:a="http://schemas.openxmlformats.org/drawingml/2006/main" xmlns:r="http://schemas.openxmlformats.org/officeDocument/2006/relationships" xmlns:p="http://schemas.openxmlformats.org/presentationml/2006/main">
+  <p:cSld>
+    <p:bg>
+      <p:bgPr>
+        <a:solidFill>
+          <a:srgbClr val="1E1E1E"/>
+        </a:solidFill>
+        <a:effectLst/>
+      </p:bgPr>
+    </p:bg>
+    <p:spTree>
+      <p:nvGrpSpPr>
+        <p:cNvPr id="1" name=""/>
+        <p:cNvGrpSpPr/>
+        <p:nvPr/>
+      </p:nvGrpSpPr>
+      <p:grpSpPr>
+        <a:xfrm>
+          <a:off x="0" y="0"/>
+          <a:ext cx="0" cy="0"/>
+          <a:chOff x="0" y="0"/>
+          <a:chExt cx="0" cy="0"/>
+        </a:xfrm>
+      </p:grpSpPr>
+      <p:sp>
+        <p:nvSpPr>
+          <p:cNvPr id="6" name="TextBox 5">
+            <a:extLst>
+              <a:ext uri="{FF2B5EF4-FFF2-40B4-BE49-F238E27FC236}">
+                <a16:creationId xmlns:a16="http://schemas.microsoft.com/office/drawing/2014/main" id="{2CDFC944-8A12-42CA-B4D7-7CEF50C368ED}"/>
+              </a:ext>
+            </a:extLst>
+          </p:cNvPr>
+          <p:cNvSpPr txBox="1"/>
+          <p:nvPr/>
+        </p:nvSpPr>
+        <p:spPr>
+          <a:xfrm>
+            <a:off x="624957" y="242596"/>
+            <a:ext cx="11364880" cy="369332"/>
+          </a:xfrm>
+          <a:prstGeom prst="rect">
+            <a:avLst/>
+          </a:prstGeom>
+          <a:noFill/>
+        </p:spPr>
+        <p:txBody>
+          <a:bodyPr wrap="square" rtlCol="0">
+            <a:spAutoFit/>
+          </a:bodyPr>
+          <a:lstStyle/>
+          <a:p>
+            <a:r>
+              <a:rPr lang="en-GB" dirty="0">
+                <a:solidFill>
+                  <a:schemeClr val="bg1"/>
+                </a:solidFill>
+              </a:rPr>
+              <a:t>Question 4 </a:t>
+            </a:r>
+          </a:p>
+        </p:txBody>
+      </p:sp>
+      <p:sp>
+        <p:nvSpPr>
+          <p:cNvPr id="11" name="TextBox 10">
+            <a:extLst>
+              <a:ext uri="{FF2B5EF4-FFF2-40B4-BE49-F238E27FC236}">
+                <a16:creationId xmlns:a16="http://schemas.microsoft.com/office/drawing/2014/main" id="{8CFFC453-63D5-4985-9376-BE7589A7509A}"/>
+              </a:ext>
+            </a:extLst>
+          </p:cNvPr>
+          <p:cNvSpPr txBox="1"/>
+          <p:nvPr/>
+        </p:nvSpPr>
+        <p:spPr>
+          <a:xfrm>
+            <a:off x="6708710" y="933062"/>
+            <a:ext cx="4621764" cy="2031325"/>
+          </a:xfrm>
+          <a:prstGeom prst="rect">
+            <a:avLst/>
+          </a:prstGeom>
+          <a:noFill/>
+        </p:spPr>
+        <p:txBody>
+          <a:bodyPr wrap="square" rtlCol="0">
+            <a:spAutoFit/>
+          </a:bodyPr>
+          <a:lstStyle/>
+          <a:p>
+            <a:r>
+              <a:rPr lang="en-GB" dirty="0">
+                <a:solidFill>
+                  <a:schemeClr val="bg1"/>
+                </a:solidFill>
+              </a:rPr>
+              <a:t>What will be the output of the Run method?</a:t>
+            </a:r>
+          </a:p>
+          <a:p>
+            <a:endParaRPr lang="en-GB" dirty="0">
+              <a:solidFill>
+                <a:schemeClr val="bg1"/>
+              </a:solidFill>
+            </a:endParaRPr>
+          </a:p>
+          <a:p>
+            <a:r>
+              <a:rPr lang="en-GB" dirty="0">
+                <a:solidFill>
+                  <a:schemeClr val="bg1"/>
+                </a:solidFill>
+              </a:rPr>
+              <a:t> D). Test 1</a:t>
+            </a:r>
+          </a:p>
+          <a:p>
+            <a:r>
+              <a:rPr lang="en-GB" dirty="0">
+                <a:solidFill>
+                  <a:schemeClr val="bg1"/>
+                </a:solidFill>
+              </a:rPr>
+              <a:t>       Test 2</a:t>
+            </a:r>
+          </a:p>
+          <a:p>
+            <a:r>
+              <a:rPr lang="en-GB" dirty="0">
+                <a:solidFill>
+                  <a:schemeClr val="bg1"/>
+                </a:solidFill>
+              </a:rPr>
+              <a:t>       Test 2.5</a:t>
+            </a:r>
+          </a:p>
+          <a:p>
+            <a:r>
+              <a:rPr lang="en-GB" dirty="0">
+                <a:solidFill>
+                  <a:schemeClr val="bg1"/>
+                </a:solidFill>
+              </a:rPr>
+              <a:t>       Test 3	</a:t>
+            </a:r>
+            <a:br>
+              <a:rPr lang="en-GB" dirty="0">
+                <a:solidFill>
+                  <a:schemeClr val="bg1"/>
+                </a:solidFill>
+              </a:rPr>
+            </a:br>
+            <a:endParaRPr lang="en-GB" dirty="0">
+              <a:solidFill>
+                <a:schemeClr val="bg1"/>
+              </a:solidFill>
+            </a:endParaRPr>
+          </a:p>
+        </p:txBody>
+      </p:sp>
+      <p:pic>
+        <p:nvPicPr>
+          <p:cNvPr id="2" name="Picture 1">
+            <a:extLst>
+              <a:ext uri="{FF2B5EF4-FFF2-40B4-BE49-F238E27FC236}">
+                <a16:creationId xmlns:a16="http://schemas.microsoft.com/office/drawing/2014/main" id="{58CB6AC7-CBE7-4060-97EC-AF53AB7E7547}"/>
+              </a:ext>
+            </a:extLst>
+          </p:cNvPr>
+          <p:cNvPicPr>
+            <a:picLocks noChangeAspect="1"/>
+          </p:cNvPicPr>
+          <p:nvPr/>
+        </p:nvPicPr>
+        <p:blipFill>
+          <a:blip r:embed="rId2"/>
+          <a:stretch>
+            <a:fillRect/>
+          </a:stretch>
+        </p:blipFill>
+        <p:spPr>
+          <a:xfrm>
+            <a:off x="624957" y="742950"/>
+            <a:ext cx="5543550" cy="5372100"/>
+          </a:xfrm>
+          <a:prstGeom prst="rect">
+            <a:avLst/>
+          </a:prstGeom>
+        </p:spPr>
+      </p:pic>
+    </p:spTree>
+    <p:extLst>
+      <p:ext uri="{BB962C8B-B14F-4D97-AF65-F5344CB8AC3E}">
+        <p14:creationId xmlns:p14="http://schemas.microsoft.com/office/powerpoint/2010/main" val="2545943333"/>
       </p:ext>
     </p:extLst>
   </p:cSld>
@@ -3481,252 +5918,17 @@
                   <a:schemeClr val="bg1"/>
                 </a:solidFill>
               </a:rPr>
-              <a:t>Question 1</a:t>
-            </a:r>
-          </a:p>
-        </p:txBody>
-      </p:sp>
-      <p:sp>
-        <p:nvSpPr>
-          <p:cNvPr id="7" name="TextBox 6">
-            <a:extLst>
-              <a:ext uri="{FF2B5EF4-FFF2-40B4-BE49-F238E27FC236}">
-                <a16:creationId xmlns:a16="http://schemas.microsoft.com/office/drawing/2014/main" id="{65094E12-D70D-4FA7-8CD1-97B2F3374BBC}"/>
-              </a:ext>
-            </a:extLst>
-          </p:cNvPr>
-          <p:cNvSpPr txBox="1"/>
-          <p:nvPr/>
-        </p:nvSpPr>
-        <p:spPr>
-          <a:xfrm>
-            <a:off x="5197151" y="1035698"/>
-            <a:ext cx="6802017" cy="4524315"/>
-          </a:xfrm>
-          <a:prstGeom prst="rect">
-            <a:avLst/>
-          </a:prstGeom>
-          <a:noFill/>
-        </p:spPr>
-        <p:txBody>
-          <a:bodyPr wrap="square" rtlCol="0">
-            <a:spAutoFit/>
-          </a:bodyPr>
-          <a:lstStyle/>
-          <a:p>
-            <a:r>
-              <a:rPr lang="en-GB" dirty="0">
-                <a:solidFill>
-                  <a:schemeClr val="bg1"/>
-                </a:solidFill>
-              </a:rPr>
-              <a:t>What will be the output of the Run method?</a:t>
-            </a:r>
-          </a:p>
-          <a:p>
-            <a:endParaRPr lang="en-GB" dirty="0">
-              <a:solidFill>
-                <a:schemeClr val="bg1"/>
-              </a:solidFill>
-            </a:endParaRPr>
-          </a:p>
-          <a:p>
-            <a:pPr marL="342900" indent="-342900">
-              <a:buFont typeface="+mj-lt"/>
-              <a:buAutoNum type="alphaUcPeriod"/>
-            </a:pPr>
-            <a:r>
-              <a:rPr lang="en-GB" dirty="0">
-                <a:solidFill>
-                  <a:schemeClr val="bg1"/>
-                </a:solidFill>
-              </a:rPr>
-              <a:t>Test 1</a:t>
-            </a:r>
-            <a:br>
-              <a:rPr lang="en-GB" dirty="0">
-                <a:solidFill>
-                  <a:schemeClr val="bg1"/>
-                </a:solidFill>
-              </a:rPr>
-            </a:br>
-            <a:r>
-              <a:rPr lang="en-GB" dirty="0">
-                <a:solidFill>
-                  <a:schemeClr val="bg1"/>
-                </a:solidFill>
-              </a:rPr>
-              <a:t>Test 2</a:t>
-            </a:r>
-            <a:br>
-              <a:rPr lang="en-GB" dirty="0">
-                <a:solidFill>
-                  <a:schemeClr val="bg1"/>
-                </a:solidFill>
-              </a:rPr>
-            </a:br>
-            <a:r>
-              <a:rPr lang="en-GB" dirty="0">
-                <a:solidFill>
-                  <a:schemeClr val="bg1"/>
-                </a:solidFill>
-              </a:rPr>
-              <a:t>Test 3</a:t>
-            </a:r>
-          </a:p>
-          <a:p>
-            <a:pPr marL="342900" indent="-342900">
-              <a:buFont typeface="+mj-lt"/>
-              <a:buAutoNum type="alphaUcPeriod"/>
-            </a:pPr>
-            <a:endParaRPr lang="en-GB" dirty="0">
-              <a:solidFill>
-                <a:schemeClr val="bg1"/>
-              </a:solidFill>
-            </a:endParaRPr>
-          </a:p>
-          <a:p>
-            <a:pPr marL="342900" indent="-342900">
-              <a:buFont typeface="+mj-lt"/>
-              <a:buAutoNum type="alphaUcPeriod"/>
-            </a:pPr>
-            <a:r>
-              <a:rPr lang="en-GB" dirty="0">
-                <a:solidFill>
-                  <a:schemeClr val="bg1"/>
-                </a:solidFill>
-              </a:rPr>
-              <a:t>Test 1</a:t>
-            </a:r>
-            <a:br>
-              <a:rPr lang="en-GB" dirty="0">
-                <a:solidFill>
-                  <a:schemeClr val="bg1"/>
-                </a:solidFill>
-              </a:rPr>
-            </a:br>
-            <a:r>
-              <a:rPr lang="en-GB" dirty="0">
-                <a:solidFill>
-                  <a:schemeClr val="bg1"/>
-                </a:solidFill>
-              </a:rPr>
-              <a:t>Test 2</a:t>
-            </a:r>
-            <a:br>
-              <a:rPr lang="en-GB" dirty="0">
-                <a:solidFill>
-                  <a:schemeClr val="bg1"/>
-                </a:solidFill>
-              </a:rPr>
-            </a:br>
-            <a:r>
-              <a:rPr lang="en-GB" dirty="0">
-                <a:solidFill>
-                  <a:schemeClr val="bg1"/>
-                </a:solidFill>
-              </a:rPr>
-              <a:t>Test 2.5</a:t>
-            </a:r>
-            <a:br>
-              <a:rPr lang="en-GB" dirty="0">
-                <a:solidFill>
-                  <a:schemeClr val="bg1"/>
-                </a:solidFill>
-              </a:rPr>
-            </a:br>
-            <a:r>
-              <a:rPr lang="en-GB" dirty="0">
-                <a:solidFill>
-                  <a:schemeClr val="bg1"/>
-                </a:solidFill>
-              </a:rPr>
-              <a:t>Test 3</a:t>
-            </a:r>
-          </a:p>
-          <a:p>
-            <a:pPr marL="342900" indent="-342900">
-              <a:buFont typeface="+mj-lt"/>
-              <a:buAutoNum type="alphaUcPeriod"/>
-            </a:pPr>
-            <a:endParaRPr lang="en-GB" dirty="0">
-              <a:solidFill>
-                <a:schemeClr val="bg1"/>
-              </a:solidFill>
-            </a:endParaRPr>
-          </a:p>
-          <a:p>
-            <a:pPr marL="342900" indent="-342900">
-              <a:buFont typeface="+mj-lt"/>
-              <a:buAutoNum type="alphaUcPeriod"/>
-            </a:pPr>
-            <a:r>
-              <a:rPr lang="en-GB" dirty="0">
-                <a:solidFill>
-                  <a:schemeClr val="bg1"/>
-                </a:solidFill>
-              </a:rPr>
-              <a:t>Test 1</a:t>
-            </a:r>
-            <a:br>
-              <a:rPr lang="en-GB" dirty="0">
-                <a:solidFill>
-                  <a:schemeClr val="bg1"/>
-                </a:solidFill>
-              </a:rPr>
-            </a:br>
-            <a:r>
-              <a:rPr lang="en-GB" dirty="0">
-                <a:solidFill>
-                  <a:schemeClr val="bg1"/>
-                </a:solidFill>
-              </a:rPr>
-              <a:t>Test 2</a:t>
-            </a:r>
-          </a:p>
-          <a:p>
-            <a:pPr marL="342900" indent="-342900">
-              <a:buFont typeface="+mj-lt"/>
-              <a:buAutoNum type="alphaUcPeriod"/>
-            </a:pPr>
-            <a:endParaRPr lang="en-GB" dirty="0">
-              <a:solidFill>
-                <a:schemeClr val="bg1"/>
-              </a:solidFill>
-            </a:endParaRPr>
-          </a:p>
-          <a:p>
-            <a:pPr marL="342900" indent="-342900">
-              <a:buFont typeface="+mj-lt"/>
-              <a:buAutoNum type="alphaUcPeriod"/>
-            </a:pPr>
-            <a:r>
-              <a:rPr lang="en-GB" dirty="0">
-                <a:solidFill>
-                  <a:schemeClr val="bg1"/>
-                </a:solidFill>
-              </a:rPr>
-              <a:t>None of the above. </a:t>
-            </a:r>
-          </a:p>
-          <a:p>
-            <a:r>
-              <a:rPr lang="en-GB" dirty="0">
-                <a:solidFill>
-                  <a:schemeClr val="bg1"/>
-                </a:solidFill>
-              </a:rPr>
-              <a:t>	</a:t>
+              <a:t>Question 1 </a:t>
             </a:r>
           </a:p>
         </p:txBody>
       </p:sp>
       <p:pic>
         <p:nvPicPr>
-          <p:cNvPr id="2" name="Picture 1">
-            <a:extLst>
-              <a:ext uri="{FF2B5EF4-FFF2-40B4-BE49-F238E27FC236}">
-                <a16:creationId xmlns:a16="http://schemas.microsoft.com/office/drawing/2014/main" id="{41E2870C-098D-499A-9049-8238CF6CD3FA}"/>
+          <p:cNvPr id="10" name="Picture 9">
+            <a:extLst>
+              <a:ext uri="{FF2B5EF4-FFF2-40B4-BE49-F238E27FC236}">
+                <a16:creationId xmlns:a16="http://schemas.microsoft.com/office/drawing/2014/main" id="{5D5E3BFF-6F77-4DC5-A318-B72CA8530790}"/>
               </a:ext>
             </a:extLst>
           </p:cNvPr>
@@ -3743,8 +5945,423 @@
         </p:blipFill>
         <p:spPr>
           <a:xfrm>
-            <a:off x="624957" y="957262"/>
-            <a:ext cx="3124200" cy="4943475"/>
+            <a:off x="624957" y="797378"/>
+            <a:ext cx="5086350" cy="5524500"/>
+          </a:xfrm>
+          <a:prstGeom prst="rect">
+            <a:avLst/>
+          </a:prstGeom>
+        </p:spPr>
+      </p:pic>
+      <p:sp>
+        <p:nvSpPr>
+          <p:cNvPr id="11" name="TextBox 10">
+            <a:extLst>
+              <a:ext uri="{FF2B5EF4-FFF2-40B4-BE49-F238E27FC236}">
+                <a16:creationId xmlns:a16="http://schemas.microsoft.com/office/drawing/2014/main" id="{8CFFC453-63D5-4985-9376-BE7589A7509A}"/>
+              </a:ext>
+            </a:extLst>
+          </p:cNvPr>
+          <p:cNvSpPr txBox="1"/>
+          <p:nvPr/>
+        </p:nvSpPr>
+        <p:spPr>
+          <a:xfrm>
+            <a:off x="6096000" y="933062"/>
+            <a:ext cx="5234474" cy="4247317"/>
+          </a:xfrm>
+          <a:prstGeom prst="rect">
+            <a:avLst/>
+          </a:prstGeom>
+          <a:noFill/>
+        </p:spPr>
+        <p:txBody>
+          <a:bodyPr wrap="square" rtlCol="0">
+            <a:spAutoFit/>
+          </a:bodyPr>
+          <a:lstStyle/>
+          <a:p>
+            <a:r>
+              <a:rPr lang="en-GB" dirty="0">
+                <a:solidFill>
+                  <a:schemeClr val="bg1"/>
+                </a:solidFill>
+              </a:rPr>
+              <a:t>What will be the output of the Run method?</a:t>
+            </a:r>
+          </a:p>
+          <a:p>
+            <a:endParaRPr lang="en-GB" dirty="0">
+              <a:solidFill>
+                <a:schemeClr val="bg1"/>
+              </a:solidFill>
+            </a:endParaRPr>
+          </a:p>
+          <a:p>
+            <a:pPr marL="342900" indent="-342900">
+              <a:buFont typeface="+mj-lt"/>
+              <a:buAutoNum type="alphaUcPeriod"/>
+            </a:pPr>
+            <a:r>
+              <a:rPr lang="en-GB" dirty="0">
+                <a:solidFill>
+                  <a:schemeClr val="bg1"/>
+                </a:solidFill>
+              </a:rPr>
+              <a:t>Test 1</a:t>
+            </a:r>
+            <a:br>
+              <a:rPr lang="en-GB" dirty="0">
+                <a:solidFill>
+                  <a:schemeClr val="bg1"/>
+                </a:solidFill>
+              </a:rPr>
+            </a:br>
+            <a:r>
+              <a:rPr lang="en-GB" dirty="0">
+                <a:solidFill>
+                  <a:schemeClr val="bg1"/>
+                </a:solidFill>
+              </a:rPr>
+              <a:t>Test 2</a:t>
+            </a:r>
+            <a:br>
+              <a:rPr lang="en-GB" dirty="0">
+                <a:solidFill>
+                  <a:schemeClr val="bg1"/>
+                </a:solidFill>
+              </a:rPr>
+            </a:br>
+            <a:r>
+              <a:rPr lang="en-GB" dirty="0">
+                <a:solidFill>
+                  <a:schemeClr val="bg1"/>
+                </a:solidFill>
+              </a:rPr>
+              <a:t>Test 2.5</a:t>
+            </a:r>
+            <a:br>
+              <a:rPr lang="en-GB" dirty="0">
+                <a:solidFill>
+                  <a:schemeClr val="bg1"/>
+                </a:solidFill>
+              </a:rPr>
+            </a:br>
+            <a:r>
+              <a:rPr lang="en-GB" dirty="0">
+                <a:solidFill>
+                  <a:schemeClr val="bg1"/>
+                </a:solidFill>
+              </a:rPr>
+              <a:t>Test 3</a:t>
+            </a:r>
+          </a:p>
+          <a:p>
+            <a:pPr marL="342900" indent="-342900">
+              <a:buFont typeface="+mj-lt"/>
+              <a:buAutoNum type="alphaUcPeriod"/>
+            </a:pPr>
+            <a:endParaRPr lang="en-GB" dirty="0">
+              <a:solidFill>
+                <a:schemeClr val="bg1"/>
+              </a:solidFill>
+            </a:endParaRPr>
+          </a:p>
+          <a:p>
+            <a:pPr marL="342900" indent="-342900">
+              <a:buFont typeface="+mj-lt"/>
+              <a:buAutoNum type="alphaUcPeriod"/>
+            </a:pPr>
+            <a:r>
+              <a:rPr lang="en-GB" dirty="0">
+                <a:solidFill>
+                  <a:schemeClr val="bg1"/>
+                </a:solidFill>
+              </a:rPr>
+              <a:t>Test 1</a:t>
+            </a:r>
+            <a:br>
+              <a:rPr lang="en-GB" dirty="0">
+                <a:solidFill>
+                  <a:schemeClr val="bg1"/>
+                </a:solidFill>
+              </a:rPr>
+            </a:br>
+            <a:r>
+              <a:rPr lang="en-GB" dirty="0">
+                <a:solidFill>
+                  <a:schemeClr val="bg1"/>
+                </a:solidFill>
+              </a:rPr>
+              <a:t>Test 2</a:t>
+            </a:r>
+          </a:p>
+          <a:p>
+            <a:pPr marL="342900" indent="-342900">
+              <a:buFont typeface="+mj-lt"/>
+              <a:buAutoNum type="alphaUcPeriod"/>
+            </a:pPr>
+            <a:endParaRPr lang="en-GB" dirty="0">
+              <a:solidFill>
+                <a:schemeClr val="bg1"/>
+              </a:solidFill>
+            </a:endParaRPr>
+          </a:p>
+          <a:p>
+            <a:pPr marL="342900" indent="-342900">
+              <a:buFont typeface="+mj-lt"/>
+              <a:buAutoNum type="alphaUcPeriod"/>
+            </a:pPr>
+            <a:r>
+              <a:rPr lang="en-GB" dirty="0">
+                <a:solidFill>
+                  <a:schemeClr val="bg1"/>
+                </a:solidFill>
+              </a:rPr>
+              <a:t>Test 1</a:t>
+            </a:r>
+            <a:br>
+              <a:rPr lang="en-GB" dirty="0">
+                <a:solidFill>
+                  <a:schemeClr val="bg1"/>
+                </a:solidFill>
+              </a:rPr>
+            </a:br>
+            <a:r>
+              <a:rPr lang="en-GB" dirty="0">
+                <a:solidFill>
+                  <a:schemeClr val="bg1"/>
+                </a:solidFill>
+              </a:rPr>
+              <a:t>Test 2</a:t>
+            </a:r>
+            <a:br>
+              <a:rPr lang="en-GB" dirty="0">
+                <a:solidFill>
+                  <a:schemeClr val="bg1"/>
+                </a:solidFill>
+              </a:rPr>
+            </a:br>
+            <a:r>
+              <a:rPr lang="en-GB" dirty="0">
+                <a:solidFill>
+                  <a:schemeClr val="bg1"/>
+                </a:solidFill>
+              </a:rPr>
+              <a:t>Test 3</a:t>
+            </a:r>
+          </a:p>
+          <a:p>
+            <a:pPr marL="342900" indent="-342900">
+              <a:buFont typeface="+mj-lt"/>
+              <a:buAutoNum type="alphaUcPeriod"/>
+            </a:pPr>
+            <a:endParaRPr lang="en-GB" dirty="0">
+              <a:solidFill>
+                <a:schemeClr val="bg1"/>
+              </a:solidFill>
+            </a:endParaRPr>
+          </a:p>
+          <a:p>
+            <a:pPr marL="342900" indent="-342900">
+              <a:buFont typeface="+mj-lt"/>
+              <a:buAutoNum type="alphaUcPeriod"/>
+            </a:pPr>
+            <a:r>
+              <a:rPr lang="en-GB" dirty="0">
+                <a:solidFill>
+                  <a:schemeClr val="bg1"/>
+                </a:solidFill>
+              </a:rPr>
+              <a:t>None of the above.      	</a:t>
+            </a:r>
+          </a:p>
+        </p:txBody>
+      </p:sp>
+    </p:spTree>
+    <p:extLst>
+      <p:ext uri="{BB962C8B-B14F-4D97-AF65-F5344CB8AC3E}">
+        <p14:creationId xmlns:p14="http://schemas.microsoft.com/office/powerpoint/2010/main" val="2687364993"/>
+      </p:ext>
+    </p:extLst>
+  </p:cSld>
+  <p:clrMapOvr>
+    <a:masterClrMapping/>
+  </p:clrMapOvr>
+</p:sld>
+</file>
+
+<file path=ppt/slides/slide20.xml><?xml version="1.0" encoding="utf-8"?>
+<p:sld xmlns:a="http://schemas.openxmlformats.org/drawingml/2006/main" xmlns:r="http://schemas.openxmlformats.org/officeDocument/2006/relationships" xmlns:p="http://schemas.openxmlformats.org/presentationml/2006/main">
+  <p:cSld>
+    <p:bg>
+      <p:bgPr>
+        <a:solidFill>
+          <a:srgbClr val="1E1E1E"/>
+        </a:solidFill>
+        <a:effectLst/>
+      </p:bgPr>
+    </p:bg>
+    <p:spTree>
+      <p:nvGrpSpPr>
+        <p:cNvPr id="1" name=""/>
+        <p:cNvGrpSpPr/>
+        <p:nvPr/>
+      </p:nvGrpSpPr>
+      <p:grpSpPr>
+        <a:xfrm>
+          <a:off x="0" y="0"/>
+          <a:ext cx="0" cy="0"/>
+          <a:chOff x="0" y="0"/>
+          <a:chExt cx="0" cy="0"/>
+        </a:xfrm>
+      </p:grpSpPr>
+      <p:sp>
+        <p:nvSpPr>
+          <p:cNvPr id="6" name="TextBox 5">
+            <a:extLst>
+              <a:ext uri="{FF2B5EF4-FFF2-40B4-BE49-F238E27FC236}">
+                <a16:creationId xmlns:a16="http://schemas.microsoft.com/office/drawing/2014/main" id="{2CDFC944-8A12-42CA-B4D7-7CEF50C368ED}"/>
+              </a:ext>
+            </a:extLst>
+          </p:cNvPr>
+          <p:cNvSpPr txBox="1"/>
+          <p:nvPr/>
+        </p:nvSpPr>
+        <p:spPr>
+          <a:xfrm>
+            <a:off x="624957" y="242596"/>
+            <a:ext cx="11364880" cy="369332"/>
+          </a:xfrm>
+          <a:prstGeom prst="rect">
+            <a:avLst/>
+          </a:prstGeom>
+          <a:noFill/>
+        </p:spPr>
+        <p:txBody>
+          <a:bodyPr wrap="square" rtlCol="0">
+            <a:spAutoFit/>
+          </a:bodyPr>
+          <a:lstStyle/>
+          <a:p>
+            <a:r>
+              <a:rPr lang="en-GB" dirty="0">
+                <a:solidFill>
+                  <a:schemeClr val="bg1"/>
+                </a:solidFill>
+              </a:rPr>
+              <a:t>Question 5 </a:t>
+            </a:r>
+          </a:p>
+        </p:txBody>
+      </p:sp>
+      <p:sp>
+        <p:nvSpPr>
+          <p:cNvPr id="11" name="TextBox 10">
+            <a:extLst>
+              <a:ext uri="{FF2B5EF4-FFF2-40B4-BE49-F238E27FC236}">
+                <a16:creationId xmlns:a16="http://schemas.microsoft.com/office/drawing/2014/main" id="{8CFFC453-63D5-4985-9376-BE7589A7509A}"/>
+              </a:ext>
+            </a:extLst>
+          </p:cNvPr>
+          <p:cNvSpPr txBox="1"/>
+          <p:nvPr/>
+        </p:nvSpPr>
+        <p:spPr>
+          <a:xfrm>
+            <a:off x="6708710" y="933062"/>
+            <a:ext cx="4621764" cy="1477328"/>
+          </a:xfrm>
+          <a:prstGeom prst="rect">
+            <a:avLst/>
+          </a:prstGeom>
+          <a:noFill/>
+        </p:spPr>
+        <p:txBody>
+          <a:bodyPr wrap="square" rtlCol="0">
+            <a:spAutoFit/>
+          </a:bodyPr>
+          <a:lstStyle/>
+          <a:p>
+            <a:r>
+              <a:rPr lang="en-GB" dirty="0">
+                <a:solidFill>
+                  <a:schemeClr val="bg1"/>
+                </a:solidFill>
+              </a:rPr>
+              <a:t>What will be the output of the Run method?</a:t>
+            </a:r>
+          </a:p>
+          <a:p>
+            <a:endParaRPr lang="en-GB" dirty="0">
+              <a:solidFill>
+                <a:schemeClr val="bg1"/>
+              </a:solidFill>
+            </a:endParaRPr>
+          </a:p>
+          <a:p>
+            <a:r>
+              <a:rPr lang="en-GB" dirty="0">
+                <a:solidFill>
+                  <a:schemeClr val="bg1"/>
+                </a:solidFill>
+              </a:rPr>
+              <a:t>B.  Test 1</a:t>
+            </a:r>
+            <a:br>
+              <a:rPr lang="en-GB" dirty="0">
+                <a:solidFill>
+                  <a:schemeClr val="bg1"/>
+                </a:solidFill>
+              </a:rPr>
+            </a:br>
+            <a:r>
+              <a:rPr lang="en-GB" dirty="0">
+                <a:solidFill>
+                  <a:schemeClr val="bg1"/>
+                </a:solidFill>
+              </a:rPr>
+              <a:t>      Test 2	</a:t>
+            </a:r>
+            <a:br>
+              <a:rPr lang="en-GB" dirty="0">
+                <a:solidFill>
+                  <a:schemeClr val="bg1"/>
+                </a:solidFill>
+              </a:rPr>
+            </a:br>
+            <a:endParaRPr lang="en-GB" dirty="0">
+              <a:solidFill>
+                <a:schemeClr val="bg1"/>
+              </a:solidFill>
+            </a:endParaRPr>
+          </a:p>
+        </p:txBody>
+      </p:sp>
+      <p:pic>
+        <p:nvPicPr>
+          <p:cNvPr id="3" name="Picture 2">
+            <a:extLst>
+              <a:ext uri="{FF2B5EF4-FFF2-40B4-BE49-F238E27FC236}">
+                <a16:creationId xmlns:a16="http://schemas.microsoft.com/office/drawing/2014/main" id="{FC78D7B1-1FC0-4922-BAB1-BBCE13950142}"/>
+              </a:ext>
+            </a:extLst>
+          </p:cNvPr>
+          <p:cNvPicPr>
+            <a:picLocks noChangeAspect="1"/>
+          </p:cNvPicPr>
+          <p:nvPr/>
+        </p:nvPicPr>
+        <p:blipFill>
+          <a:blip r:embed="rId2"/>
+          <a:stretch>
+            <a:fillRect/>
+          </a:stretch>
+        </p:blipFill>
+        <p:spPr>
+          <a:xfrm>
+            <a:off x="624957" y="762000"/>
+            <a:ext cx="5591175" cy="5334000"/>
           </a:xfrm>
           <a:prstGeom prst="rect">
             <a:avLst/>
@@ -3754,7 +6371,1706 @@
     </p:spTree>
     <p:extLst>
       <p:ext uri="{BB962C8B-B14F-4D97-AF65-F5344CB8AC3E}">
-        <p14:creationId xmlns:p14="http://schemas.microsoft.com/office/powerpoint/2010/main" val="3698497153"/>
+        <p14:creationId xmlns:p14="http://schemas.microsoft.com/office/powerpoint/2010/main" val="1832503946"/>
+      </p:ext>
+    </p:extLst>
+  </p:cSld>
+  <p:clrMapOvr>
+    <a:masterClrMapping/>
+  </p:clrMapOvr>
+</p:sld>
+</file>
+
+<file path=ppt/slides/slide21.xml><?xml version="1.0" encoding="utf-8"?>
+<p:sld xmlns:a="http://schemas.openxmlformats.org/drawingml/2006/main" xmlns:r="http://schemas.openxmlformats.org/officeDocument/2006/relationships" xmlns:p="http://schemas.openxmlformats.org/presentationml/2006/main">
+  <p:cSld>
+    <p:bg>
+      <p:bgPr>
+        <a:solidFill>
+          <a:srgbClr val="1E1E1E"/>
+        </a:solidFill>
+        <a:effectLst/>
+      </p:bgPr>
+    </p:bg>
+    <p:spTree>
+      <p:nvGrpSpPr>
+        <p:cNvPr id="1" name=""/>
+        <p:cNvGrpSpPr/>
+        <p:nvPr/>
+      </p:nvGrpSpPr>
+      <p:grpSpPr>
+        <a:xfrm>
+          <a:off x="0" y="0"/>
+          <a:ext cx="0" cy="0"/>
+          <a:chOff x="0" y="0"/>
+          <a:chExt cx="0" cy="0"/>
+        </a:xfrm>
+      </p:grpSpPr>
+      <p:sp>
+        <p:nvSpPr>
+          <p:cNvPr id="6" name="TextBox 5">
+            <a:extLst>
+              <a:ext uri="{FF2B5EF4-FFF2-40B4-BE49-F238E27FC236}">
+                <a16:creationId xmlns:a16="http://schemas.microsoft.com/office/drawing/2014/main" id="{2CDFC944-8A12-42CA-B4D7-7CEF50C368ED}"/>
+              </a:ext>
+            </a:extLst>
+          </p:cNvPr>
+          <p:cNvSpPr txBox="1"/>
+          <p:nvPr/>
+        </p:nvSpPr>
+        <p:spPr>
+          <a:xfrm>
+            <a:off x="624957" y="242596"/>
+            <a:ext cx="11364880" cy="369332"/>
+          </a:xfrm>
+          <a:prstGeom prst="rect">
+            <a:avLst/>
+          </a:prstGeom>
+          <a:noFill/>
+        </p:spPr>
+        <p:txBody>
+          <a:bodyPr wrap="square" rtlCol="0">
+            <a:spAutoFit/>
+          </a:bodyPr>
+          <a:lstStyle/>
+          <a:p>
+            <a:r>
+              <a:rPr lang="en-GB" dirty="0">
+                <a:solidFill>
+                  <a:schemeClr val="bg1"/>
+                </a:solidFill>
+              </a:rPr>
+              <a:t>Question 6 </a:t>
+            </a:r>
+          </a:p>
+        </p:txBody>
+      </p:sp>
+      <p:sp>
+        <p:nvSpPr>
+          <p:cNvPr id="11" name="TextBox 10">
+            <a:extLst>
+              <a:ext uri="{FF2B5EF4-FFF2-40B4-BE49-F238E27FC236}">
+                <a16:creationId xmlns:a16="http://schemas.microsoft.com/office/drawing/2014/main" id="{8CFFC453-63D5-4985-9376-BE7589A7509A}"/>
+              </a:ext>
+            </a:extLst>
+          </p:cNvPr>
+          <p:cNvSpPr txBox="1"/>
+          <p:nvPr/>
+        </p:nvSpPr>
+        <p:spPr>
+          <a:xfrm>
+            <a:off x="6775822" y="611928"/>
+            <a:ext cx="4621764" cy="1754326"/>
+          </a:xfrm>
+          <a:prstGeom prst="rect">
+            <a:avLst/>
+          </a:prstGeom>
+          <a:noFill/>
+        </p:spPr>
+        <p:txBody>
+          <a:bodyPr wrap="square" rtlCol="0">
+            <a:spAutoFit/>
+          </a:bodyPr>
+          <a:lstStyle/>
+          <a:p>
+            <a:r>
+              <a:rPr lang="en-GB" dirty="0">
+                <a:solidFill>
+                  <a:schemeClr val="bg1"/>
+                </a:solidFill>
+              </a:rPr>
+              <a:t>What will be the output of the Run method?</a:t>
+            </a:r>
+          </a:p>
+          <a:p>
+            <a:endParaRPr lang="en-GB" dirty="0">
+              <a:solidFill>
+                <a:schemeClr val="bg1"/>
+              </a:solidFill>
+            </a:endParaRPr>
+          </a:p>
+          <a:p>
+            <a:r>
+              <a:rPr lang="en-GB" dirty="0">
+                <a:solidFill>
+                  <a:schemeClr val="bg1"/>
+                </a:solidFill>
+              </a:rPr>
+              <a:t>B. Test 1</a:t>
+            </a:r>
+            <a:br>
+              <a:rPr lang="en-GB" dirty="0">
+                <a:solidFill>
+                  <a:schemeClr val="bg1"/>
+                </a:solidFill>
+              </a:rPr>
+            </a:br>
+            <a:r>
+              <a:rPr lang="en-GB" dirty="0">
+                <a:solidFill>
+                  <a:schemeClr val="bg1"/>
+                </a:solidFill>
+              </a:rPr>
+              <a:t>     Test 1.5</a:t>
+            </a:r>
+            <a:br>
+              <a:rPr lang="en-GB" dirty="0">
+                <a:solidFill>
+                  <a:schemeClr val="bg1"/>
+                </a:solidFill>
+              </a:rPr>
+            </a:br>
+            <a:r>
+              <a:rPr lang="en-GB" dirty="0">
+                <a:solidFill>
+                  <a:schemeClr val="bg1"/>
+                </a:solidFill>
+              </a:rPr>
+              <a:t>     Test 2	</a:t>
+            </a:r>
+            <a:br>
+              <a:rPr lang="en-GB" dirty="0">
+                <a:solidFill>
+                  <a:schemeClr val="bg1"/>
+                </a:solidFill>
+              </a:rPr>
+            </a:br>
+            <a:endParaRPr lang="en-GB" dirty="0">
+              <a:solidFill>
+                <a:schemeClr val="bg1"/>
+              </a:solidFill>
+            </a:endParaRPr>
+          </a:p>
+        </p:txBody>
+      </p:sp>
+      <p:pic>
+        <p:nvPicPr>
+          <p:cNvPr id="2" name="Picture 1">
+            <a:extLst>
+              <a:ext uri="{FF2B5EF4-FFF2-40B4-BE49-F238E27FC236}">
+                <a16:creationId xmlns:a16="http://schemas.microsoft.com/office/drawing/2014/main" id="{276BC23A-446D-4166-A3B3-F3BE941DA1C3}"/>
+              </a:ext>
+            </a:extLst>
+          </p:cNvPr>
+          <p:cNvPicPr>
+            <a:picLocks noChangeAspect="1"/>
+          </p:cNvPicPr>
+          <p:nvPr/>
+        </p:nvPicPr>
+        <p:blipFill>
+          <a:blip r:embed="rId2"/>
+          <a:stretch>
+            <a:fillRect/>
+          </a:stretch>
+        </p:blipFill>
+        <p:spPr>
+          <a:xfrm>
+            <a:off x="466725" y="671804"/>
+            <a:ext cx="5629275" cy="5943600"/>
+          </a:xfrm>
+          <a:prstGeom prst="rect">
+            <a:avLst/>
+          </a:prstGeom>
+        </p:spPr>
+      </p:pic>
+    </p:spTree>
+    <p:extLst>
+      <p:ext uri="{BB962C8B-B14F-4D97-AF65-F5344CB8AC3E}">
+        <p14:creationId xmlns:p14="http://schemas.microsoft.com/office/powerpoint/2010/main" val="1508574322"/>
+      </p:ext>
+    </p:extLst>
+  </p:cSld>
+  <p:clrMapOvr>
+    <a:masterClrMapping/>
+  </p:clrMapOvr>
+</p:sld>
+</file>
+
+<file path=ppt/slides/slide22.xml><?xml version="1.0" encoding="utf-8"?>
+<p:sld xmlns:a="http://schemas.openxmlformats.org/drawingml/2006/main" xmlns:r="http://schemas.openxmlformats.org/officeDocument/2006/relationships" xmlns:p="http://schemas.openxmlformats.org/presentationml/2006/main">
+  <p:cSld>
+    <p:bg>
+      <p:bgPr>
+        <a:solidFill>
+          <a:srgbClr val="1E1E1E"/>
+        </a:solidFill>
+        <a:effectLst/>
+      </p:bgPr>
+    </p:bg>
+    <p:spTree>
+      <p:nvGrpSpPr>
+        <p:cNvPr id="1" name=""/>
+        <p:cNvGrpSpPr/>
+        <p:nvPr/>
+      </p:nvGrpSpPr>
+      <p:grpSpPr>
+        <a:xfrm>
+          <a:off x="0" y="0"/>
+          <a:ext cx="0" cy="0"/>
+          <a:chOff x="0" y="0"/>
+          <a:chExt cx="0" cy="0"/>
+        </a:xfrm>
+      </p:grpSpPr>
+      <p:sp>
+        <p:nvSpPr>
+          <p:cNvPr id="6" name="TextBox 5">
+            <a:extLst>
+              <a:ext uri="{FF2B5EF4-FFF2-40B4-BE49-F238E27FC236}">
+                <a16:creationId xmlns:a16="http://schemas.microsoft.com/office/drawing/2014/main" id="{2CDFC944-8A12-42CA-B4D7-7CEF50C368ED}"/>
+              </a:ext>
+            </a:extLst>
+          </p:cNvPr>
+          <p:cNvSpPr txBox="1"/>
+          <p:nvPr/>
+        </p:nvSpPr>
+        <p:spPr>
+          <a:xfrm>
+            <a:off x="624957" y="242596"/>
+            <a:ext cx="11364880" cy="369332"/>
+          </a:xfrm>
+          <a:prstGeom prst="rect">
+            <a:avLst/>
+          </a:prstGeom>
+          <a:noFill/>
+        </p:spPr>
+        <p:txBody>
+          <a:bodyPr wrap="square" rtlCol="0">
+            <a:spAutoFit/>
+          </a:bodyPr>
+          <a:lstStyle/>
+          <a:p>
+            <a:r>
+              <a:rPr lang="en-GB" dirty="0">
+                <a:solidFill>
+                  <a:schemeClr val="bg1"/>
+                </a:solidFill>
+              </a:rPr>
+              <a:t>Question 7</a:t>
+            </a:r>
+          </a:p>
+        </p:txBody>
+      </p:sp>
+      <p:sp>
+        <p:nvSpPr>
+          <p:cNvPr id="11" name="TextBox 10">
+            <a:extLst>
+              <a:ext uri="{FF2B5EF4-FFF2-40B4-BE49-F238E27FC236}">
+                <a16:creationId xmlns:a16="http://schemas.microsoft.com/office/drawing/2014/main" id="{8CFFC453-63D5-4985-9376-BE7589A7509A}"/>
+              </a:ext>
+            </a:extLst>
+          </p:cNvPr>
+          <p:cNvSpPr txBox="1"/>
+          <p:nvPr/>
+        </p:nvSpPr>
+        <p:spPr>
+          <a:xfrm>
+            <a:off x="6775822" y="611928"/>
+            <a:ext cx="5046064" cy="2308324"/>
+          </a:xfrm>
+          <a:prstGeom prst="rect">
+            <a:avLst/>
+          </a:prstGeom>
+          <a:noFill/>
+        </p:spPr>
+        <p:txBody>
+          <a:bodyPr wrap="square" rtlCol="0">
+            <a:spAutoFit/>
+          </a:bodyPr>
+          <a:lstStyle/>
+          <a:p>
+            <a:r>
+              <a:rPr lang="en-GB" dirty="0">
+                <a:solidFill>
+                  <a:schemeClr val="bg1"/>
+                </a:solidFill>
+              </a:rPr>
+              <a:t>What will be the output of the </a:t>
+            </a:r>
+            <a:r>
+              <a:rPr lang="en-GB" dirty="0" err="1">
+                <a:solidFill>
+                  <a:schemeClr val="bg1"/>
+                </a:solidFill>
+              </a:rPr>
+              <a:t>RunAsync</a:t>
+            </a:r>
+            <a:r>
+              <a:rPr lang="en-GB" dirty="0">
+                <a:solidFill>
+                  <a:schemeClr val="bg1"/>
+                </a:solidFill>
+              </a:rPr>
+              <a:t> method?</a:t>
+            </a:r>
+          </a:p>
+          <a:p>
+            <a:endParaRPr lang="en-GB" dirty="0">
+              <a:solidFill>
+                <a:schemeClr val="bg1"/>
+              </a:solidFill>
+            </a:endParaRPr>
+          </a:p>
+          <a:p>
+            <a:r>
+              <a:rPr lang="en-GB" dirty="0">
+                <a:solidFill>
+                  <a:schemeClr val="bg1"/>
+                </a:solidFill>
+              </a:rPr>
+              <a:t>D. Test 1</a:t>
+            </a:r>
+            <a:br>
+              <a:rPr lang="en-GB" dirty="0">
+                <a:solidFill>
+                  <a:schemeClr val="bg1"/>
+                </a:solidFill>
+              </a:rPr>
+            </a:br>
+            <a:r>
+              <a:rPr lang="en-GB" dirty="0">
+                <a:solidFill>
+                  <a:schemeClr val="bg1"/>
+                </a:solidFill>
+              </a:rPr>
+              <a:t>     Test 1.5</a:t>
+            </a:r>
+            <a:br>
+              <a:rPr lang="en-GB" dirty="0">
+                <a:solidFill>
+                  <a:schemeClr val="bg1"/>
+                </a:solidFill>
+              </a:rPr>
+            </a:br>
+            <a:r>
+              <a:rPr lang="en-GB" dirty="0">
+                <a:solidFill>
+                  <a:schemeClr val="bg1"/>
+                </a:solidFill>
+              </a:rPr>
+              <a:t>     Test 2</a:t>
+            </a:r>
+            <a:br>
+              <a:rPr lang="en-GB" dirty="0">
+                <a:solidFill>
+                  <a:schemeClr val="bg1"/>
+                </a:solidFill>
+              </a:rPr>
+            </a:br>
+            <a:r>
+              <a:rPr lang="en-GB" dirty="0">
+                <a:solidFill>
+                  <a:schemeClr val="bg1"/>
+                </a:solidFill>
+              </a:rPr>
+              <a:t>     Test 2.5</a:t>
+            </a:r>
+            <a:br>
+              <a:rPr lang="en-GB" dirty="0">
+                <a:solidFill>
+                  <a:schemeClr val="bg1"/>
+                </a:solidFill>
+              </a:rPr>
+            </a:br>
+            <a:r>
+              <a:rPr lang="en-GB" dirty="0">
+                <a:solidFill>
+                  <a:schemeClr val="bg1"/>
+                </a:solidFill>
+              </a:rPr>
+              <a:t>     Test 3	</a:t>
+            </a:r>
+            <a:br>
+              <a:rPr lang="en-GB" dirty="0">
+                <a:solidFill>
+                  <a:schemeClr val="bg1"/>
+                </a:solidFill>
+              </a:rPr>
+            </a:br>
+            <a:endParaRPr lang="en-GB" dirty="0">
+              <a:solidFill>
+                <a:schemeClr val="bg1"/>
+              </a:solidFill>
+            </a:endParaRPr>
+          </a:p>
+        </p:txBody>
+      </p:sp>
+      <p:pic>
+        <p:nvPicPr>
+          <p:cNvPr id="3" name="Picture 2">
+            <a:extLst>
+              <a:ext uri="{FF2B5EF4-FFF2-40B4-BE49-F238E27FC236}">
+                <a16:creationId xmlns:a16="http://schemas.microsoft.com/office/drawing/2014/main" id="{0D001D30-5F7B-4F96-96B6-DE2F428A94CA}"/>
+              </a:ext>
+            </a:extLst>
+          </p:cNvPr>
+          <p:cNvPicPr>
+            <a:picLocks noChangeAspect="1"/>
+          </p:cNvPicPr>
+          <p:nvPr/>
+        </p:nvPicPr>
+        <p:blipFill>
+          <a:blip r:embed="rId2"/>
+          <a:stretch>
+            <a:fillRect/>
+          </a:stretch>
+        </p:blipFill>
+        <p:spPr>
+          <a:xfrm>
+            <a:off x="668597" y="633704"/>
+            <a:ext cx="5638800" cy="5981700"/>
+          </a:xfrm>
+          <a:prstGeom prst="rect">
+            <a:avLst/>
+          </a:prstGeom>
+        </p:spPr>
+      </p:pic>
+    </p:spTree>
+    <p:extLst>
+      <p:ext uri="{BB962C8B-B14F-4D97-AF65-F5344CB8AC3E}">
+        <p14:creationId xmlns:p14="http://schemas.microsoft.com/office/powerpoint/2010/main" val="1032055805"/>
+      </p:ext>
+    </p:extLst>
+  </p:cSld>
+  <p:clrMapOvr>
+    <a:masterClrMapping/>
+  </p:clrMapOvr>
+</p:sld>
+</file>
+
+<file path=ppt/slides/slide23.xml><?xml version="1.0" encoding="utf-8"?>
+<p:sld xmlns:a="http://schemas.openxmlformats.org/drawingml/2006/main" xmlns:r="http://schemas.openxmlformats.org/officeDocument/2006/relationships" xmlns:p="http://schemas.openxmlformats.org/presentationml/2006/main">
+  <p:cSld>
+    <p:bg>
+      <p:bgPr>
+        <a:solidFill>
+          <a:srgbClr val="1E1E1E"/>
+        </a:solidFill>
+        <a:effectLst/>
+      </p:bgPr>
+    </p:bg>
+    <p:spTree>
+      <p:nvGrpSpPr>
+        <p:cNvPr id="1" name=""/>
+        <p:cNvGrpSpPr/>
+        <p:nvPr/>
+      </p:nvGrpSpPr>
+      <p:grpSpPr>
+        <a:xfrm>
+          <a:off x="0" y="0"/>
+          <a:ext cx="0" cy="0"/>
+          <a:chOff x="0" y="0"/>
+          <a:chExt cx="0" cy="0"/>
+        </a:xfrm>
+      </p:grpSpPr>
+      <p:sp>
+        <p:nvSpPr>
+          <p:cNvPr id="6" name="TextBox 5">
+            <a:extLst>
+              <a:ext uri="{FF2B5EF4-FFF2-40B4-BE49-F238E27FC236}">
+                <a16:creationId xmlns:a16="http://schemas.microsoft.com/office/drawing/2014/main" id="{2CDFC944-8A12-42CA-B4D7-7CEF50C368ED}"/>
+              </a:ext>
+            </a:extLst>
+          </p:cNvPr>
+          <p:cNvSpPr txBox="1"/>
+          <p:nvPr/>
+        </p:nvSpPr>
+        <p:spPr>
+          <a:xfrm>
+            <a:off x="624957" y="242596"/>
+            <a:ext cx="11364880" cy="369332"/>
+          </a:xfrm>
+          <a:prstGeom prst="rect">
+            <a:avLst/>
+          </a:prstGeom>
+          <a:noFill/>
+        </p:spPr>
+        <p:txBody>
+          <a:bodyPr wrap="square" rtlCol="0">
+            <a:spAutoFit/>
+          </a:bodyPr>
+          <a:lstStyle/>
+          <a:p>
+            <a:r>
+              <a:rPr lang="en-GB" dirty="0">
+                <a:solidFill>
+                  <a:schemeClr val="bg1"/>
+                </a:solidFill>
+              </a:rPr>
+              <a:t>Question 8</a:t>
+            </a:r>
+          </a:p>
+        </p:txBody>
+      </p:sp>
+      <p:sp>
+        <p:nvSpPr>
+          <p:cNvPr id="11" name="TextBox 10">
+            <a:extLst>
+              <a:ext uri="{FF2B5EF4-FFF2-40B4-BE49-F238E27FC236}">
+                <a16:creationId xmlns:a16="http://schemas.microsoft.com/office/drawing/2014/main" id="{8CFFC453-63D5-4985-9376-BE7589A7509A}"/>
+              </a:ext>
+            </a:extLst>
+          </p:cNvPr>
+          <p:cNvSpPr txBox="1"/>
+          <p:nvPr/>
+        </p:nvSpPr>
+        <p:spPr>
+          <a:xfrm>
+            <a:off x="6316910" y="116978"/>
+            <a:ext cx="4966956" cy="2031325"/>
+          </a:xfrm>
+          <a:prstGeom prst="rect">
+            <a:avLst/>
+          </a:prstGeom>
+          <a:noFill/>
+        </p:spPr>
+        <p:txBody>
+          <a:bodyPr wrap="square" rtlCol="0">
+            <a:spAutoFit/>
+          </a:bodyPr>
+          <a:lstStyle/>
+          <a:p>
+            <a:r>
+              <a:rPr lang="en-GB" dirty="0">
+                <a:solidFill>
+                  <a:schemeClr val="bg1"/>
+                </a:solidFill>
+              </a:rPr>
+              <a:t>What will be the output of the </a:t>
+            </a:r>
+            <a:r>
+              <a:rPr lang="en-GB" dirty="0" err="1">
+                <a:solidFill>
+                  <a:schemeClr val="bg1"/>
+                </a:solidFill>
+              </a:rPr>
+              <a:t>RunAsync</a:t>
+            </a:r>
+            <a:r>
+              <a:rPr lang="en-GB" dirty="0">
+                <a:solidFill>
+                  <a:schemeClr val="bg1"/>
+                </a:solidFill>
+              </a:rPr>
+              <a:t> method?</a:t>
+            </a:r>
+          </a:p>
+          <a:p>
+            <a:endParaRPr lang="en-GB" dirty="0">
+              <a:solidFill>
+                <a:schemeClr val="bg1"/>
+              </a:solidFill>
+            </a:endParaRPr>
+          </a:p>
+          <a:p>
+            <a:r>
+              <a:rPr lang="en-GB" dirty="0">
+                <a:solidFill>
+                  <a:schemeClr val="bg1"/>
+                </a:solidFill>
+              </a:rPr>
+              <a:t>C. Test 1</a:t>
+            </a:r>
+            <a:br>
+              <a:rPr lang="en-GB" dirty="0">
+                <a:solidFill>
+                  <a:schemeClr val="bg1"/>
+                </a:solidFill>
+              </a:rPr>
+            </a:br>
+            <a:r>
+              <a:rPr lang="en-GB" dirty="0">
+                <a:solidFill>
+                  <a:schemeClr val="bg1"/>
+                </a:solidFill>
+              </a:rPr>
+              <a:t>     Test 1.5</a:t>
+            </a:r>
+            <a:br>
+              <a:rPr lang="en-GB" dirty="0">
+                <a:solidFill>
+                  <a:schemeClr val="bg1"/>
+                </a:solidFill>
+              </a:rPr>
+            </a:br>
+            <a:r>
+              <a:rPr lang="en-GB" dirty="0">
+                <a:solidFill>
+                  <a:schemeClr val="bg1"/>
+                </a:solidFill>
+              </a:rPr>
+              <a:t>     Test 2</a:t>
+            </a:r>
+            <a:br>
+              <a:rPr lang="en-GB" dirty="0">
+                <a:solidFill>
+                  <a:schemeClr val="bg1"/>
+                </a:solidFill>
+              </a:rPr>
+            </a:br>
+            <a:r>
+              <a:rPr lang="en-GB" dirty="0">
+                <a:solidFill>
+                  <a:schemeClr val="bg1"/>
+                </a:solidFill>
+              </a:rPr>
+              <a:t>     Test 3</a:t>
+            </a:r>
+            <a:br>
+              <a:rPr lang="en-GB" dirty="0">
+                <a:solidFill>
+                  <a:schemeClr val="bg1"/>
+                </a:solidFill>
+              </a:rPr>
+            </a:br>
+            <a:r>
+              <a:rPr lang="en-GB" dirty="0">
+                <a:solidFill>
+                  <a:schemeClr val="bg1"/>
+                </a:solidFill>
+              </a:rPr>
+              <a:t>     Test 2.5</a:t>
+            </a:r>
+          </a:p>
+        </p:txBody>
+      </p:sp>
+      <p:pic>
+        <p:nvPicPr>
+          <p:cNvPr id="9" name="Picture 8">
+            <a:extLst>
+              <a:ext uri="{FF2B5EF4-FFF2-40B4-BE49-F238E27FC236}">
+                <a16:creationId xmlns:a16="http://schemas.microsoft.com/office/drawing/2014/main" id="{73266121-9119-461F-B05F-EB96D0BC2758}"/>
+              </a:ext>
+            </a:extLst>
+          </p:cNvPr>
+          <p:cNvPicPr>
+            <a:picLocks noChangeAspect="1"/>
+          </p:cNvPicPr>
+          <p:nvPr/>
+        </p:nvPicPr>
+        <p:blipFill>
+          <a:blip r:embed="rId2"/>
+          <a:stretch>
+            <a:fillRect/>
+          </a:stretch>
+        </p:blipFill>
+        <p:spPr>
+          <a:xfrm>
+            <a:off x="504825" y="714794"/>
+            <a:ext cx="5591175" cy="5762625"/>
+          </a:xfrm>
+          <a:prstGeom prst="rect">
+            <a:avLst/>
+          </a:prstGeom>
+        </p:spPr>
+      </p:pic>
+    </p:spTree>
+    <p:extLst>
+      <p:ext uri="{BB962C8B-B14F-4D97-AF65-F5344CB8AC3E}">
+        <p14:creationId xmlns:p14="http://schemas.microsoft.com/office/powerpoint/2010/main" val="3527407422"/>
+      </p:ext>
+    </p:extLst>
+  </p:cSld>
+  <p:clrMapOvr>
+    <a:masterClrMapping/>
+  </p:clrMapOvr>
+</p:sld>
+</file>
+
+<file path=ppt/slides/slide24.xml><?xml version="1.0" encoding="utf-8"?>
+<p:sld xmlns:a="http://schemas.openxmlformats.org/drawingml/2006/main" xmlns:r="http://schemas.openxmlformats.org/officeDocument/2006/relationships" xmlns:p="http://schemas.openxmlformats.org/presentationml/2006/main">
+  <p:cSld>
+    <p:bg>
+      <p:bgPr>
+        <a:solidFill>
+          <a:srgbClr val="1E1E1E"/>
+        </a:solidFill>
+        <a:effectLst/>
+      </p:bgPr>
+    </p:bg>
+    <p:spTree>
+      <p:nvGrpSpPr>
+        <p:cNvPr id="1" name=""/>
+        <p:cNvGrpSpPr/>
+        <p:nvPr/>
+      </p:nvGrpSpPr>
+      <p:grpSpPr>
+        <a:xfrm>
+          <a:off x="0" y="0"/>
+          <a:ext cx="0" cy="0"/>
+          <a:chOff x="0" y="0"/>
+          <a:chExt cx="0" cy="0"/>
+        </a:xfrm>
+      </p:grpSpPr>
+      <p:sp>
+        <p:nvSpPr>
+          <p:cNvPr id="6" name="TextBox 5">
+            <a:extLst>
+              <a:ext uri="{FF2B5EF4-FFF2-40B4-BE49-F238E27FC236}">
+                <a16:creationId xmlns:a16="http://schemas.microsoft.com/office/drawing/2014/main" id="{2CDFC944-8A12-42CA-B4D7-7CEF50C368ED}"/>
+              </a:ext>
+            </a:extLst>
+          </p:cNvPr>
+          <p:cNvSpPr txBox="1"/>
+          <p:nvPr/>
+        </p:nvSpPr>
+        <p:spPr>
+          <a:xfrm>
+            <a:off x="624957" y="242596"/>
+            <a:ext cx="11364880" cy="369332"/>
+          </a:xfrm>
+          <a:prstGeom prst="rect">
+            <a:avLst/>
+          </a:prstGeom>
+          <a:noFill/>
+        </p:spPr>
+        <p:txBody>
+          <a:bodyPr wrap="square" rtlCol="0">
+            <a:spAutoFit/>
+          </a:bodyPr>
+          <a:lstStyle/>
+          <a:p>
+            <a:r>
+              <a:rPr lang="en-GB" dirty="0">
+                <a:solidFill>
+                  <a:schemeClr val="bg1"/>
+                </a:solidFill>
+              </a:rPr>
+              <a:t>Question 9</a:t>
+            </a:r>
+          </a:p>
+        </p:txBody>
+      </p:sp>
+      <p:sp>
+        <p:nvSpPr>
+          <p:cNvPr id="11" name="TextBox 10">
+            <a:extLst>
+              <a:ext uri="{FF2B5EF4-FFF2-40B4-BE49-F238E27FC236}">
+                <a16:creationId xmlns:a16="http://schemas.microsoft.com/office/drawing/2014/main" id="{8CFFC453-63D5-4985-9376-BE7589A7509A}"/>
+              </a:ext>
+            </a:extLst>
+          </p:cNvPr>
+          <p:cNvSpPr txBox="1"/>
+          <p:nvPr/>
+        </p:nvSpPr>
+        <p:spPr>
+          <a:xfrm>
+            <a:off x="6316910" y="116978"/>
+            <a:ext cx="4966956" cy="369332"/>
+          </a:xfrm>
+          <a:prstGeom prst="rect">
+            <a:avLst/>
+          </a:prstGeom>
+          <a:noFill/>
+        </p:spPr>
+        <p:txBody>
+          <a:bodyPr wrap="square" rtlCol="0">
+            <a:spAutoFit/>
+          </a:bodyPr>
+          <a:lstStyle/>
+          <a:p>
+            <a:r>
+              <a:rPr lang="en-GB" dirty="0">
+                <a:solidFill>
+                  <a:schemeClr val="bg1"/>
+                </a:solidFill>
+              </a:rPr>
+              <a:t>What will be the output of the </a:t>
+            </a:r>
+            <a:r>
+              <a:rPr lang="en-GB" dirty="0" err="1">
+                <a:solidFill>
+                  <a:schemeClr val="bg1"/>
+                </a:solidFill>
+              </a:rPr>
+              <a:t>RunAsync</a:t>
+            </a:r>
+            <a:r>
+              <a:rPr lang="en-GB" dirty="0">
+                <a:solidFill>
+                  <a:schemeClr val="bg1"/>
+                </a:solidFill>
+              </a:rPr>
+              <a:t> method?</a:t>
+            </a:r>
+          </a:p>
+        </p:txBody>
+      </p:sp>
+      <p:sp>
+        <p:nvSpPr>
+          <p:cNvPr id="7" name="TextBox 6">
+            <a:extLst>
+              <a:ext uri="{FF2B5EF4-FFF2-40B4-BE49-F238E27FC236}">
+                <a16:creationId xmlns:a16="http://schemas.microsoft.com/office/drawing/2014/main" id="{48FB5C5F-C643-4D31-9B38-0C0DD4769AA4}"/>
+              </a:ext>
+            </a:extLst>
+          </p:cNvPr>
+          <p:cNvSpPr txBox="1"/>
+          <p:nvPr/>
+        </p:nvSpPr>
+        <p:spPr>
+          <a:xfrm>
+            <a:off x="6307397" y="611928"/>
+            <a:ext cx="2810312" cy="1477328"/>
+          </a:xfrm>
+          <a:prstGeom prst="rect">
+            <a:avLst/>
+          </a:prstGeom>
+          <a:noFill/>
+        </p:spPr>
+        <p:txBody>
+          <a:bodyPr wrap="square" rtlCol="0">
+            <a:spAutoFit/>
+          </a:bodyPr>
+          <a:lstStyle/>
+          <a:p>
+            <a:r>
+              <a:rPr lang="en-GB" dirty="0">
+                <a:solidFill>
+                  <a:schemeClr val="bg1"/>
+                </a:solidFill>
+              </a:rPr>
+              <a:t>D. Test 1</a:t>
+            </a:r>
+            <a:br>
+              <a:rPr lang="en-GB" dirty="0">
+                <a:solidFill>
+                  <a:schemeClr val="bg1"/>
+                </a:solidFill>
+              </a:rPr>
+            </a:br>
+            <a:r>
+              <a:rPr lang="en-GB" dirty="0">
+                <a:solidFill>
+                  <a:schemeClr val="bg1"/>
+                </a:solidFill>
+              </a:rPr>
+              <a:t>     Test 1.5</a:t>
+            </a:r>
+          </a:p>
+          <a:p>
+            <a:r>
+              <a:rPr lang="en-GB" dirty="0">
+                <a:solidFill>
+                  <a:schemeClr val="bg1"/>
+                </a:solidFill>
+              </a:rPr>
+              <a:t>     Test 2</a:t>
+            </a:r>
+            <a:br>
+              <a:rPr lang="en-GB" dirty="0">
+                <a:solidFill>
+                  <a:schemeClr val="bg1"/>
+                </a:solidFill>
+              </a:rPr>
+            </a:br>
+            <a:r>
+              <a:rPr lang="en-GB" dirty="0">
+                <a:solidFill>
+                  <a:schemeClr val="bg1"/>
+                </a:solidFill>
+              </a:rPr>
+              <a:t>     Test 2.5</a:t>
+            </a:r>
+            <a:br>
+              <a:rPr lang="en-GB" dirty="0">
+                <a:solidFill>
+                  <a:schemeClr val="bg1"/>
+                </a:solidFill>
+              </a:rPr>
+            </a:br>
+            <a:r>
+              <a:rPr lang="en-GB" dirty="0">
+                <a:solidFill>
+                  <a:schemeClr val="bg1"/>
+                </a:solidFill>
+              </a:rPr>
+              <a:t>     Test 3</a:t>
+            </a:r>
+          </a:p>
+        </p:txBody>
+      </p:sp>
+      <p:pic>
+        <p:nvPicPr>
+          <p:cNvPr id="2" name="Picture 1">
+            <a:extLst>
+              <a:ext uri="{FF2B5EF4-FFF2-40B4-BE49-F238E27FC236}">
+                <a16:creationId xmlns:a16="http://schemas.microsoft.com/office/drawing/2014/main" id="{4D6BBF57-2795-4BD5-8BE1-E634AA4750AD}"/>
+              </a:ext>
+            </a:extLst>
+          </p:cNvPr>
+          <p:cNvPicPr>
+            <a:picLocks noChangeAspect="1"/>
+          </p:cNvPicPr>
+          <p:nvPr/>
+        </p:nvPicPr>
+        <p:blipFill>
+          <a:blip r:embed="rId2"/>
+          <a:stretch>
+            <a:fillRect/>
+          </a:stretch>
+        </p:blipFill>
+        <p:spPr>
+          <a:xfrm>
+            <a:off x="504825" y="809981"/>
+            <a:ext cx="5591175" cy="5553075"/>
+          </a:xfrm>
+          <a:prstGeom prst="rect">
+            <a:avLst/>
+          </a:prstGeom>
+        </p:spPr>
+      </p:pic>
+    </p:spTree>
+    <p:extLst>
+      <p:ext uri="{BB962C8B-B14F-4D97-AF65-F5344CB8AC3E}">
+        <p14:creationId xmlns:p14="http://schemas.microsoft.com/office/powerpoint/2010/main" val="2567163812"/>
+      </p:ext>
+    </p:extLst>
+  </p:cSld>
+  <p:clrMapOvr>
+    <a:masterClrMapping/>
+  </p:clrMapOvr>
+</p:sld>
+</file>
+
+<file path=ppt/slides/slide25.xml><?xml version="1.0" encoding="utf-8"?>
+<p:sld xmlns:a="http://schemas.openxmlformats.org/drawingml/2006/main" xmlns:r="http://schemas.openxmlformats.org/officeDocument/2006/relationships" xmlns:p="http://schemas.openxmlformats.org/presentationml/2006/main">
+  <p:cSld>
+    <p:bg>
+      <p:bgPr>
+        <a:solidFill>
+          <a:srgbClr val="1E1E1E"/>
+        </a:solidFill>
+        <a:effectLst/>
+      </p:bgPr>
+    </p:bg>
+    <p:spTree>
+      <p:nvGrpSpPr>
+        <p:cNvPr id="1" name=""/>
+        <p:cNvGrpSpPr/>
+        <p:nvPr/>
+      </p:nvGrpSpPr>
+      <p:grpSpPr>
+        <a:xfrm>
+          <a:off x="0" y="0"/>
+          <a:ext cx="0" cy="0"/>
+          <a:chOff x="0" y="0"/>
+          <a:chExt cx="0" cy="0"/>
+        </a:xfrm>
+      </p:grpSpPr>
+      <p:pic>
+        <p:nvPicPr>
+          <p:cNvPr id="3" name="Picture 2">
+            <a:extLst>
+              <a:ext uri="{FF2B5EF4-FFF2-40B4-BE49-F238E27FC236}">
+                <a16:creationId xmlns:a16="http://schemas.microsoft.com/office/drawing/2014/main" id="{6DDEFDEF-4004-45ED-A028-30E08A89E4DD}"/>
+              </a:ext>
+            </a:extLst>
+          </p:cNvPr>
+          <p:cNvPicPr>
+            <a:picLocks noChangeAspect="1"/>
+          </p:cNvPicPr>
+          <p:nvPr/>
+        </p:nvPicPr>
+        <p:blipFill>
+          <a:blip r:embed="rId2"/>
+          <a:stretch>
+            <a:fillRect/>
+          </a:stretch>
+        </p:blipFill>
+        <p:spPr>
+          <a:xfrm>
+            <a:off x="169354" y="138112"/>
+            <a:ext cx="7467600" cy="6581775"/>
+          </a:xfrm>
+          <a:prstGeom prst="rect">
+            <a:avLst/>
+          </a:prstGeom>
+        </p:spPr>
+      </p:pic>
+      <p:sp>
+        <p:nvSpPr>
+          <p:cNvPr id="4" name="TextBox 3">
+            <a:extLst>
+              <a:ext uri="{FF2B5EF4-FFF2-40B4-BE49-F238E27FC236}">
+                <a16:creationId xmlns:a16="http://schemas.microsoft.com/office/drawing/2014/main" id="{9E5C72DD-9009-40F6-A3BA-0806DD99E988}"/>
+              </a:ext>
+            </a:extLst>
+          </p:cNvPr>
+          <p:cNvSpPr txBox="1"/>
+          <p:nvPr/>
+        </p:nvSpPr>
+        <p:spPr>
+          <a:xfrm>
+            <a:off x="7523298" y="138112"/>
+            <a:ext cx="4254759" cy="373225"/>
+          </a:xfrm>
+          <a:prstGeom prst="rect">
+            <a:avLst/>
+          </a:prstGeom>
+          <a:noFill/>
+        </p:spPr>
+        <p:txBody>
+          <a:bodyPr wrap="square" rtlCol="0">
+            <a:spAutoFit/>
+          </a:bodyPr>
+          <a:lstStyle/>
+          <a:p>
+            <a:r>
+              <a:rPr lang="en-GB" dirty="0">
+                <a:solidFill>
+                  <a:schemeClr val="bg1"/>
+                </a:solidFill>
+              </a:rPr>
+              <a:t>Question 10</a:t>
+            </a:r>
+          </a:p>
+        </p:txBody>
+      </p:sp>
+      <p:sp>
+        <p:nvSpPr>
+          <p:cNvPr id="5" name="TextBox 4">
+            <a:extLst>
+              <a:ext uri="{FF2B5EF4-FFF2-40B4-BE49-F238E27FC236}">
+                <a16:creationId xmlns:a16="http://schemas.microsoft.com/office/drawing/2014/main" id="{0881C216-CCC3-461C-B52E-B4EFFE179145}"/>
+              </a:ext>
+            </a:extLst>
+          </p:cNvPr>
+          <p:cNvSpPr txBox="1"/>
+          <p:nvPr/>
+        </p:nvSpPr>
+        <p:spPr>
+          <a:xfrm>
+            <a:off x="7523298" y="679508"/>
+            <a:ext cx="4573627" cy="923330"/>
+          </a:xfrm>
+          <a:prstGeom prst="rect">
+            <a:avLst/>
+          </a:prstGeom>
+          <a:noFill/>
+        </p:spPr>
+        <p:txBody>
+          <a:bodyPr wrap="square" rtlCol="0">
+            <a:spAutoFit/>
+          </a:bodyPr>
+          <a:lstStyle/>
+          <a:p>
+            <a:r>
+              <a:rPr lang="en-GB" dirty="0">
+                <a:solidFill>
+                  <a:schemeClr val="bg1"/>
+                </a:solidFill>
+              </a:rPr>
+              <a:t>Which of these methods has the fastest performance? Method1Async or Method2Async?</a:t>
+            </a:r>
+          </a:p>
+        </p:txBody>
+      </p:sp>
+      <p:sp>
+        <p:nvSpPr>
+          <p:cNvPr id="8" name="TextBox 7">
+            <a:extLst>
+              <a:ext uri="{FF2B5EF4-FFF2-40B4-BE49-F238E27FC236}">
+                <a16:creationId xmlns:a16="http://schemas.microsoft.com/office/drawing/2014/main" id="{F0C398C9-396A-490D-BEF2-C21537BF28BD}"/>
+              </a:ext>
+            </a:extLst>
+          </p:cNvPr>
+          <p:cNvSpPr txBox="1"/>
+          <p:nvPr/>
+        </p:nvSpPr>
+        <p:spPr>
+          <a:xfrm>
+            <a:off x="7636954" y="1904301"/>
+            <a:ext cx="4216690" cy="369332"/>
+          </a:xfrm>
+          <a:prstGeom prst="rect">
+            <a:avLst/>
+          </a:prstGeom>
+          <a:noFill/>
+        </p:spPr>
+        <p:txBody>
+          <a:bodyPr wrap="square" rtlCol="0">
+            <a:spAutoFit/>
+          </a:bodyPr>
+          <a:lstStyle/>
+          <a:p>
+            <a:r>
+              <a:rPr lang="en-GB" dirty="0">
+                <a:solidFill>
+                  <a:schemeClr val="bg1"/>
+                </a:solidFill>
+              </a:rPr>
+              <a:t>B. Method2Async</a:t>
+            </a:r>
+          </a:p>
+        </p:txBody>
+      </p:sp>
+    </p:spTree>
+    <p:extLst>
+      <p:ext uri="{BB962C8B-B14F-4D97-AF65-F5344CB8AC3E}">
+        <p14:creationId xmlns:p14="http://schemas.microsoft.com/office/powerpoint/2010/main" val="315704945"/>
+      </p:ext>
+    </p:extLst>
+  </p:cSld>
+  <p:clrMapOvr>
+    <a:masterClrMapping/>
+  </p:clrMapOvr>
+</p:sld>
+</file>
+
+<file path=ppt/slides/slide26.xml><?xml version="1.0" encoding="utf-8"?>
+<p:sld xmlns:a="http://schemas.openxmlformats.org/drawingml/2006/main" xmlns:r="http://schemas.openxmlformats.org/officeDocument/2006/relationships" xmlns:p="http://schemas.openxmlformats.org/presentationml/2006/main">
+  <p:cSld>
+    <p:bg>
+      <p:bgPr>
+        <a:solidFill>
+          <a:srgbClr val="1E1E1E"/>
+        </a:solidFill>
+        <a:effectLst/>
+      </p:bgPr>
+    </p:bg>
+    <p:spTree>
+      <p:nvGrpSpPr>
+        <p:cNvPr id="1" name=""/>
+        <p:cNvGrpSpPr/>
+        <p:nvPr/>
+      </p:nvGrpSpPr>
+      <p:grpSpPr>
+        <a:xfrm>
+          <a:off x="0" y="0"/>
+          <a:ext cx="0" cy="0"/>
+          <a:chOff x="0" y="0"/>
+          <a:chExt cx="0" cy="0"/>
+        </a:xfrm>
+      </p:grpSpPr>
+      <p:sp>
+        <p:nvSpPr>
+          <p:cNvPr id="4" name="TextBox 3">
+            <a:extLst>
+              <a:ext uri="{FF2B5EF4-FFF2-40B4-BE49-F238E27FC236}">
+                <a16:creationId xmlns:a16="http://schemas.microsoft.com/office/drawing/2014/main" id="{9E5C72DD-9009-40F6-A3BA-0806DD99E988}"/>
+              </a:ext>
+            </a:extLst>
+          </p:cNvPr>
+          <p:cNvSpPr txBox="1"/>
+          <p:nvPr/>
+        </p:nvSpPr>
+        <p:spPr>
+          <a:xfrm>
+            <a:off x="338356" y="129723"/>
+            <a:ext cx="4254759" cy="373225"/>
+          </a:xfrm>
+          <a:prstGeom prst="rect">
+            <a:avLst/>
+          </a:prstGeom>
+          <a:noFill/>
+        </p:spPr>
+        <p:txBody>
+          <a:bodyPr wrap="square" rtlCol="0">
+            <a:spAutoFit/>
+          </a:bodyPr>
+          <a:lstStyle/>
+          <a:p>
+            <a:r>
+              <a:rPr lang="en-GB" dirty="0">
+                <a:solidFill>
+                  <a:schemeClr val="bg1"/>
+                </a:solidFill>
+              </a:rPr>
+              <a:t>Question 11</a:t>
+            </a:r>
+          </a:p>
+        </p:txBody>
+      </p:sp>
+      <p:sp>
+        <p:nvSpPr>
+          <p:cNvPr id="5" name="TextBox 4">
+            <a:extLst>
+              <a:ext uri="{FF2B5EF4-FFF2-40B4-BE49-F238E27FC236}">
+                <a16:creationId xmlns:a16="http://schemas.microsoft.com/office/drawing/2014/main" id="{0881C216-CCC3-461C-B52E-B4EFFE179145}"/>
+              </a:ext>
+            </a:extLst>
+          </p:cNvPr>
+          <p:cNvSpPr txBox="1"/>
+          <p:nvPr/>
+        </p:nvSpPr>
+        <p:spPr>
+          <a:xfrm>
+            <a:off x="7523298" y="679508"/>
+            <a:ext cx="4573627" cy="923330"/>
+          </a:xfrm>
+          <a:prstGeom prst="rect">
+            <a:avLst/>
+          </a:prstGeom>
+          <a:noFill/>
+        </p:spPr>
+        <p:txBody>
+          <a:bodyPr wrap="square" rtlCol="0">
+            <a:spAutoFit/>
+          </a:bodyPr>
+          <a:lstStyle/>
+          <a:p>
+            <a:r>
+              <a:rPr lang="en-GB" dirty="0">
+                <a:solidFill>
+                  <a:schemeClr val="bg1"/>
+                </a:solidFill>
+              </a:rPr>
+              <a:t>Which of these methods has the fastest performance? Method1Async or Method2Async?</a:t>
+            </a:r>
+          </a:p>
+        </p:txBody>
+      </p:sp>
+      <p:sp>
+        <p:nvSpPr>
+          <p:cNvPr id="8" name="TextBox 7">
+            <a:extLst>
+              <a:ext uri="{FF2B5EF4-FFF2-40B4-BE49-F238E27FC236}">
+                <a16:creationId xmlns:a16="http://schemas.microsoft.com/office/drawing/2014/main" id="{F0C398C9-396A-490D-BEF2-C21537BF28BD}"/>
+              </a:ext>
+            </a:extLst>
+          </p:cNvPr>
+          <p:cNvSpPr txBox="1"/>
+          <p:nvPr/>
+        </p:nvSpPr>
+        <p:spPr>
+          <a:xfrm>
+            <a:off x="7636954" y="1904301"/>
+            <a:ext cx="4216690" cy="369332"/>
+          </a:xfrm>
+          <a:prstGeom prst="rect">
+            <a:avLst/>
+          </a:prstGeom>
+          <a:noFill/>
+        </p:spPr>
+        <p:txBody>
+          <a:bodyPr wrap="square" rtlCol="0">
+            <a:spAutoFit/>
+          </a:bodyPr>
+          <a:lstStyle/>
+          <a:p>
+            <a:pPr marL="342900" indent="-342900">
+              <a:buFont typeface="+mj-lt"/>
+              <a:buAutoNum type="alphaUcPeriod"/>
+            </a:pPr>
+            <a:r>
+              <a:rPr lang="en-GB" dirty="0">
+                <a:solidFill>
+                  <a:schemeClr val="bg1"/>
+                </a:solidFill>
+              </a:rPr>
+              <a:t>Method1Async</a:t>
+            </a:r>
+          </a:p>
+        </p:txBody>
+      </p:sp>
+      <p:pic>
+        <p:nvPicPr>
+          <p:cNvPr id="6" name="Picture 5">
+            <a:extLst>
+              <a:ext uri="{FF2B5EF4-FFF2-40B4-BE49-F238E27FC236}">
+                <a16:creationId xmlns:a16="http://schemas.microsoft.com/office/drawing/2014/main" id="{135ADA75-36EB-430B-ABEC-743A68596484}"/>
+              </a:ext>
+            </a:extLst>
+          </p:cNvPr>
+          <p:cNvPicPr>
+            <a:picLocks noChangeAspect="1"/>
+          </p:cNvPicPr>
+          <p:nvPr/>
+        </p:nvPicPr>
+        <p:blipFill>
+          <a:blip r:embed="rId2"/>
+          <a:stretch>
+            <a:fillRect/>
+          </a:stretch>
+        </p:blipFill>
+        <p:spPr>
+          <a:xfrm>
+            <a:off x="338356" y="611155"/>
+            <a:ext cx="6772275" cy="4572000"/>
+          </a:xfrm>
+          <a:prstGeom prst="rect">
+            <a:avLst/>
+          </a:prstGeom>
+        </p:spPr>
+      </p:pic>
+    </p:spTree>
+    <p:extLst>
+      <p:ext uri="{BB962C8B-B14F-4D97-AF65-F5344CB8AC3E}">
+        <p14:creationId xmlns:p14="http://schemas.microsoft.com/office/powerpoint/2010/main" val="793592372"/>
+      </p:ext>
+    </p:extLst>
+  </p:cSld>
+  <p:clrMapOvr>
+    <a:masterClrMapping/>
+  </p:clrMapOvr>
+</p:sld>
+</file>
+
+<file path=ppt/slides/slide27.xml><?xml version="1.0" encoding="utf-8"?>
+<p:sld xmlns:a="http://schemas.openxmlformats.org/drawingml/2006/main" xmlns:r="http://schemas.openxmlformats.org/officeDocument/2006/relationships" xmlns:p="http://schemas.openxmlformats.org/presentationml/2006/main">
+  <p:cSld>
+    <p:bg>
+      <p:bgPr>
+        <a:solidFill>
+          <a:srgbClr val="1E1E1E"/>
+        </a:solidFill>
+        <a:effectLst/>
+      </p:bgPr>
+    </p:bg>
+    <p:spTree>
+      <p:nvGrpSpPr>
+        <p:cNvPr id="1" name=""/>
+        <p:cNvGrpSpPr/>
+        <p:nvPr/>
+      </p:nvGrpSpPr>
+      <p:grpSpPr>
+        <a:xfrm>
+          <a:off x="0" y="0"/>
+          <a:ext cx="0" cy="0"/>
+          <a:chOff x="0" y="0"/>
+          <a:chExt cx="0" cy="0"/>
+        </a:xfrm>
+      </p:grpSpPr>
+      <p:sp>
+        <p:nvSpPr>
+          <p:cNvPr id="4" name="TextBox 3">
+            <a:extLst>
+              <a:ext uri="{FF2B5EF4-FFF2-40B4-BE49-F238E27FC236}">
+                <a16:creationId xmlns:a16="http://schemas.microsoft.com/office/drawing/2014/main" id="{9E5C72DD-9009-40F6-A3BA-0806DD99E988}"/>
+              </a:ext>
+            </a:extLst>
+          </p:cNvPr>
+          <p:cNvSpPr txBox="1"/>
+          <p:nvPr/>
+        </p:nvSpPr>
+        <p:spPr>
+          <a:xfrm>
+            <a:off x="338356" y="129723"/>
+            <a:ext cx="4254759" cy="369332"/>
+          </a:xfrm>
+          <a:prstGeom prst="rect">
+            <a:avLst/>
+          </a:prstGeom>
+          <a:noFill/>
+        </p:spPr>
+        <p:txBody>
+          <a:bodyPr wrap="square" rtlCol="0">
+            <a:spAutoFit/>
+          </a:bodyPr>
+          <a:lstStyle/>
+          <a:p>
+            <a:r>
+              <a:rPr lang="en-GB" dirty="0">
+                <a:solidFill>
+                  <a:schemeClr val="bg1"/>
+                </a:solidFill>
+              </a:rPr>
+              <a:t>Question 12</a:t>
+            </a:r>
+          </a:p>
+        </p:txBody>
+      </p:sp>
+      <p:sp>
+        <p:nvSpPr>
+          <p:cNvPr id="5" name="TextBox 4">
+            <a:extLst>
+              <a:ext uri="{FF2B5EF4-FFF2-40B4-BE49-F238E27FC236}">
+                <a16:creationId xmlns:a16="http://schemas.microsoft.com/office/drawing/2014/main" id="{0881C216-CCC3-461C-B52E-B4EFFE179145}"/>
+              </a:ext>
+            </a:extLst>
+          </p:cNvPr>
+          <p:cNvSpPr txBox="1"/>
+          <p:nvPr/>
+        </p:nvSpPr>
+        <p:spPr>
+          <a:xfrm>
+            <a:off x="7523298" y="679508"/>
+            <a:ext cx="4573627" cy="923330"/>
+          </a:xfrm>
+          <a:prstGeom prst="rect">
+            <a:avLst/>
+          </a:prstGeom>
+          <a:noFill/>
+        </p:spPr>
+        <p:txBody>
+          <a:bodyPr wrap="square" rtlCol="0">
+            <a:spAutoFit/>
+          </a:bodyPr>
+          <a:lstStyle/>
+          <a:p>
+            <a:r>
+              <a:rPr lang="en-GB" dirty="0">
+                <a:solidFill>
+                  <a:schemeClr val="bg1"/>
+                </a:solidFill>
+              </a:rPr>
+              <a:t>Which of these methods has the fastest performance? Method1Async or Method2Async?</a:t>
+            </a:r>
+          </a:p>
+        </p:txBody>
+      </p:sp>
+      <p:sp>
+        <p:nvSpPr>
+          <p:cNvPr id="8" name="TextBox 7">
+            <a:extLst>
+              <a:ext uri="{FF2B5EF4-FFF2-40B4-BE49-F238E27FC236}">
+                <a16:creationId xmlns:a16="http://schemas.microsoft.com/office/drawing/2014/main" id="{F0C398C9-396A-490D-BEF2-C21537BF28BD}"/>
+              </a:ext>
+            </a:extLst>
+          </p:cNvPr>
+          <p:cNvSpPr txBox="1"/>
+          <p:nvPr/>
+        </p:nvSpPr>
+        <p:spPr>
+          <a:xfrm>
+            <a:off x="7636954" y="1904301"/>
+            <a:ext cx="4216690" cy="369332"/>
+          </a:xfrm>
+          <a:prstGeom prst="rect">
+            <a:avLst/>
+          </a:prstGeom>
+          <a:noFill/>
+        </p:spPr>
+        <p:txBody>
+          <a:bodyPr wrap="square" rtlCol="0">
+            <a:spAutoFit/>
+          </a:bodyPr>
+          <a:lstStyle/>
+          <a:p>
+            <a:r>
+              <a:rPr lang="en-GB" dirty="0">
+                <a:solidFill>
+                  <a:schemeClr val="bg1"/>
+                </a:solidFill>
+              </a:rPr>
+              <a:t>B. Method2Async</a:t>
+            </a:r>
+          </a:p>
+        </p:txBody>
+      </p:sp>
+      <p:pic>
+        <p:nvPicPr>
+          <p:cNvPr id="2" name="Picture 1">
+            <a:extLst>
+              <a:ext uri="{FF2B5EF4-FFF2-40B4-BE49-F238E27FC236}">
+                <a16:creationId xmlns:a16="http://schemas.microsoft.com/office/drawing/2014/main" id="{4B86EE87-9722-4FE2-B436-A7B126640F47}"/>
+              </a:ext>
+            </a:extLst>
+          </p:cNvPr>
+          <p:cNvPicPr>
+            <a:picLocks noChangeAspect="1"/>
+          </p:cNvPicPr>
+          <p:nvPr/>
+        </p:nvPicPr>
+        <p:blipFill>
+          <a:blip r:embed="rId2"/>
+          <a:stretch>
+            <a:fillRect/>
+          </a:stretch>
+        </p:blipFill>
+        <p:spPr>
+          <a:xfrm>
+            <a:off x="338356" y="499055"/>
+            <a:ext cx="5581650" cy="5753100"/>
+          </a:xfrm>
+          <a:prstGeom prst="rect">
+            <a:avLst/>
+          </a:prstGeom>
+        </p:spPr>
+      </p:pic>
+    </p:spTree>
+    <p:extLst>
+      <p:ext uri="{BB962C8B-B14F-4D97-AF65-F5344CB8AC3E}">
+        <p14:creationId xmlns:p14="http://schemas.microsoft.com/office/powerpoint/2010/main" val="3954105741"/>
+      </p:ext>
+    </p:extLst>
+  </p:cSld>
+  <p:clrMapOvr>
+    <a:masterClrMapping/>
+  </p:clrMapOvr>
+</p:sld>
+</file>
+
+<file path=ppt/slides/slide28.xml><?xml version="1.0" encoding="utf-8"?>
+<p:sld xmlns:a="http://schemas.openxmlformats.org/drawingml/2006/main" xmlns:r="http://schemas.openxmlformats.org/officeDocument/2006/relationships" xmlns:p="http://schemas.openxmlformats.org/presentationml/2006/main">
+  <p:cSld>
+    <p:bg>
+      <p:bgPr>
+        <a:solidFill>
+          <a:srgbClr val="1E1E1E"/>
+        </a:solidFill>
+        <a:effectLst/>
+      </p:bgPr>
+    </p:bg>
+    <p:spTree>
+      <p:nvGrpSpPr>
+        <p:cNvPr id="1" name=""/>
+        <p:cNvGrpSpPr/>
+        <p:nvPr/>
+      </p:nvGrpSpPr>
+      <p:grpSpPr>
+        <a:xfrm>
+          <a:off x="0" y="0"/>
+          <a:ext cx="0" cy="0"/>
+          <a:chOff x="0" y="0"/>
+          <a:chExt cx="0" cy="0"/>
+        </a:xfrm>
+      </p:grpSpPr>
+      <p:sp>
+        <p:nvSpPr>
+          <p:cNvPr id="4" name="TextBox 3">
+            <a:extLst>
+              <a:ext uri="{FF2B5EF4-FFF2-40B4-BE49-F238E27FC236}">
+                <a16:creationId xmlns:a16="http://schemas.microsoft.com/office/drawing/2014/main" id="{9E5C72DD-9009-40F6-A3BA-0806DD99E988}"/>
+              </a:ext>
+            </a:extLst>
+          </p:cNvPr>
+          <p:cNvSpPr txBox="1"/>
+          <p:nvPr/>
+        </p:nvSpPr>
+        <p:spPr>
+          <a:xfrm>
+            <a:off x="338356" y="129723"/>
+            <a:ext cx="4254759" cy="369332"/>
+          </a:xfrm>
+          <a:prstGeom prst="rect">
+            <a:avLst/>
+          </a:prstGeom>
+          <a:noFill/>
+        </p:spPr>
+        <p:txBody>
+          <a:bodyPr wrap="square" rtlCol="0">
+            <a:spAutoFit/>
+          </a:bodyPr>
+          <a:lstStyle/>
+          <a:p>
+            <a:r>
+              <a:rPr lang="en-GB" dirty="0">
+                <a:solidFill>
+                  <a:schemeClr val="bg1"/>
+                </a:solidFill>
+              </a:rPr>
+              <a:t>Question 13</a:t>
+            </a:r>
+          </a:p>
+        </p:txBody>
+      </p:sp>
+      <p:sp>
+        <p:nvSpPr>
+          <p:cNvPr id="5" name="TextBox 4">
+            <a:extLst>
+              <a:ext uri="{FF2B5EF4-FFF2-40B4-BE49-F238E27FC236}">
+                <a16:creationId xmlns:a16="http://schemas.microsoft.com/office/drawing/2014/main" id="{0881C216-CCC3-461C-B52E-B4EFFE179145}"/>
+              </a:ext>
+            </a:extLst>
+          </p:cNvPr>
+          <p:cNvSpPr txBox="1"/>
+          <p:nvPr/>
+        </p:nvSpPr>
+        <p:spPr>
+          <a:xfrm>
+            <a:off x="7523298" y="679508"/>
+            <a:ext cx="4573627" cy="923330"/>
+          </a:xfrm>
+          <a:prstGeom prst="rect">
+            <a:avLst/>
+          </a:prstGeom>
+          <a:noFill/>
+        </p:spPr>
+        <p:txBody>
+          <a:bodyPr wrap="square" rtlCol="0">
+            <a:spAutoFit/>
+          </a:bodyPr>
+          <a:lstStyle/>
+          <a:p>
+            <a:r>
+              <a:rPr lang="en-GB" dirty="0">
+                <a:solidFill>
+                  <a:schemeClr val="bg1"/>
+                </a:solidFill>
+              </a:rPr>
+              <a:t>Which of these methods has the fastest performance? Method1Async or Method2Async?</a:t>
+            </a:r>
+          </a:p>
+        </p:txBody>
+      </p:sp>
+      <p:sp>
+        <p:nvSpPr>
+          <p:cNvPr id="8" name="TextBox 7">
+            <a:extLst>
+              <a:ext uri="{FF2B5EF4-FFF2-40B4-BE49-F238E27FC236}">
+                <a16:creationId xmlns:a16="http://schemas.microsoft.com/office/drawing/2014/main" id="{F0C398C9-396A-490D-BEF2-C21537BF28BD}"/>
+              </a:ext>
+            </a:extLst>
+          </p:cNvPr>
+          <p:cNvSpPr txBox="1"/>
+          <p:nvPr/>
+        </p:nvSpPr>
+        <p:spPr>
+          <a:xfrm>
+            <a:off x="7636954" y="1904301"/>
+            <a:ext cx="4216690" cy="369332"/>
+          </a:xfrm>
+          <a:prstGeom prst="rect">
+            <a:avLst/>
+          </a:prstGeom>
+          <a:noFill/>
+        </p:spPr>
+        <p:txBody>
+          <a:bodyPr wrap="square" rtlCol="0">
+            <a:spAutoFit/>
+          </a:bodyPr>
+          <a:lstStyle/>
+          <a:p>
+            <a:r>
+              <a:rPr lang="en-GB" dirty="0">
+                <a:solidFill>
+                  <a:schemeClr val="bg1"/>
+                </a:solidFill>
+              </a:rPr>
+              <a:t>C. They both have similar performance</a:t>
+            </a:r>
+            <a:r>
+              <a:rPr lang="en-GB" dirty="0"/>
+              <a:t>.</a:t>
+            </a:r>
+          </a:p>
+        </p:txBody>
+      </p:sp>
+      <p:pic>
+        <p:nvPicPr>
+          <p:cNvPr id="6" name="Picture 5">
+            <a:extLst>
+              <a:ext uri="{FF2B5EF4-FFF2-40B4-BE49-F238E27FC236}">
+                <a16:creationId xmlns:a16="http://schemas.microsoft.com/office/drawing/2014/main" id="{C723B031-3539-4317-BA99-3BF90B3912AD}"/>
+              </a:ext>
+            </a:extLst>
+          </p:cNvPr>
+          <p:cNvPicPr>
+            <a:picLocks noChangeAspect="1"/>
+          </p:cNvPicPr>
+          <p:nvPr/>
+        </p:nvPicPr>
+        <p:blipFill>
+          <a:blip r:embed="rId2"/>
+          <a:stretch>
+            <a:fillRect/>
+          </a:stretch>
+        </p:blipFill>
+        <p:spPr>
+          <a:xfrm>
+            <a:off x="428237" y="679508"/>
+            <a:ext cx="6800850" cy="5153025"/>
+          </a:xfrm>
+          <a:prstGeom prst="rect">
+            <a:avLst/>
+          </a:prstGeom>
+        </p:spPr>
+      </p:pic>
+    </p:spTree>
+    <p:extLst>
+      <p:ext uri="{BB962C8B-B14F-4D97-AF65-F5344CB8AC3E}">
+        <p14:creationId xmlns:p14="http://schemas.microsoft.com/office/powerpoint/2010/main" val="2311425408"/>
       </p:ext>
     </p:extLst>
   </p:cSld>
@@ -3828,12 +8144,289 @@
           </a:p>
         </p:txBody>
       </p:sp>
+      <p:sp>
+        <p:nvSpPr>
+          <p:cNvPr id="11" name="TextBox 10">
+            <a:extLst>
+              <a:ext uri="{FF2B5EF4-FFF2-40B4-BE49-F238E27FC236}">
+                <a16:creationId xmlns:a16="http://schemas.microsoft.com/office/drawing/2014/main" id="{8CFFC453-63D5-4985-9376-BE7589A7509A}"/>
+              </a:ext>
+            </a:extLst>
+          </p:cNvPr>
+          <p:cNvSpPr txBox="1"/>
+          <p:nvPr/>
+        </p:nvSpPr>
+        <p:spPr>
+          <a:xfrm>
+            <a:off x="6708710" y="933062"/>
+            <a:ext cx="4621764" cy="5355312"/>
+          </a:xfrm>
+          <a:prstGeom prst="rect">
+            <a:avLst/>
+          </a:prstGeom>
+          <a:noFill/>
+        </p:spPr>
+        <p:txBody>
+          <a:bodyPr wrap="square" rtlCol="0">
+            <a:spAutoFit/>
+          </a:bodyPr>
+          <a:lstStyle/>
+          <a:p>
+            <a:r>
+              <a:rPr lang="en-GB" dirty="0">
+                <a:solidFill>
+                  <a:schemeClr val="bg1"/>
+                </a:solidFill>
+              </a:rPr>
+              <a:t>What will be the output of the Run method?</a:t>
+            </a:r>
+          </a:p>
+          <a:p>
+            <a:endParaRPr lang="en-GB" dirty="0">
+              <a:solidFill>
+                <a:schemeClr val="bg1"/>
+              </a:solidFill>
+            </a:endParaRPr>
+          </a:p>
+          <a:p>
+            <a:pPr marL="342900" indent="-342900">
+              <a:buFont typeface="+mj-lt"/>
+              <a:buAutoNum type="alphaUcPeriod"/>
+            </a:pPr>
+            <a:r>
+              <a:rPr lang="en-GB" dirty="0">
+                <a:solidFill>
+                  <a:schemeClr val="bg1"/>
+                </a:solidFill>
+              </a:rPr>
+              <a:t>Test 1</a:t>
+            </a:r>
+            <a:br>
+              <a:rPr lang="en-GB" dirty="0">
+                <a:solidFill>
+                  <a:schemeClr val="bg1"/>
+                </a:solidFill>
+              </a:rPr>
+            </a:br>
+            <a:r>
+              <a:rPr lang="en-GB" dirty="0">
+                <a:solidFill>
+                  <a:schemeClr val="bg1"/>
+                </a:solidFill>
+              </a:rPr>
+              <a:t>Test 2</a:t>
+            </a:r>
+            <a:br>
+              <a:rPr lang="en-GB" dirty="0">
+                <a:solidFill>
+                  <a:schemeClr val="bg1"/>
+                </a:solidFill>
+              </a:rPr>
+            </a:br>
+            <a:r>
+              <a:rPr lang="en-GB" dirty="0">
+                <a:solidFill>
+                  <a:schemeClr val="bg1"/>
+                </a:solidFill>
+              </a:rPr>
+              <a:t>Test 3</a:t>
+            </a:r>
+          </a:p>
+          <a:p>
+            <a:pPr marL="342900" indent="-342900">
+              <a:buFont typeface="+mj-lt"/>
+              <a:buAutoNum type="alphaUcPeriod"/>
+            </a:pPr>
+            <a:endParaRPr lang="en-GB" dirty="0">
+              <a:solidFill>
+                <a:schemeClr val="bg1"/>
+              </a:solidFill>
+            </a:endParaRPr>
+          </a:p>
+          <a:p>
+            <a:pPr marL="342900" indent="-342900">
+              <a:buFont typeface="+mj-lt"/>
+              <a:buAutoNum type="alphaUcPeriod"/>
+            </a:pPr>
+            <a:r>
+              <a:rPr lang="en-GB" dirty="0">
+                <a:solidFill>
+                  <a:schemeClr val="bg1"/>
+                </a:solidFill>
+              </a:rPr>
+              <a:t>Test 1</a:t>
+            </a:r>
+            <a:br>
+              <a:rPr lang="en-GB" dirty="0">
+                <a:solidFill>
+                  <a:schemeClr val="bg1"/>
+                </a:solidFill>
+              </a:rPr>
+            </a:br>
+            <a:r>
+              <a:rPr lang="en-GB" dirty="0">
+                <a:solidFill>
+                  <a:schemeClr val="bg1"/>
+                </a:solidFill>
+              </a:rPr>
+              <a:t>Test 2</a:t>
+            </a:r>
+          </a:p>
+          <a:p>
+            <a:pPr marL="342900" indent="-342900">
+              <a:buFont typeface="+mj-lt"/>
+              <a:buAutoNum type="alphaUcPeriod"/>
+            </a:pPr>
+            <a:endParaRPr lang="en-GB" dirty="0">
+              <a:solidFill>
+                <a:schemeClr val="bg1"/>
+              </a:solidFill>
+            </a:endParaRPr>
+          </a:p>
+          <a:p>
+            <a:pPr marL="342900" indent="-342900">
+              <a:buFont typeface="+mj-lt"/>
+              <a:buAutoNum type="alphaUcPeriod"/>
+            </a:pPr>
+            <a:r>
+              <a:rPr lang="en-GB" dirty="0">
+                <a:solidFill>
+                  <a:schemeClr val="bg1"/>
+                </a:solidFill>
+              </a:rPr>
+              <a:t>Test 1</a:t>
+            </a:r>
+            <a:br>
+              <a:rPr lang="en-GB" dirty="0">
+                <a:solidFill>
+                  <a:schemeClr val="bg1"/>
+                </a:solidFill>
+              </a:rPr>
+            </a:br>
+            <a:r>
+              <a:rPr lang="en-GB" dirty="0">
+                <a:solidFill>
+                  <a:schemeClr val="bg1"/>
+                </a:solidFill>
+              </a:rPr>
+              <a:t>Test 3</a:t>
+            </a:r>
+          </a:p>
+          <a:p>
+            <a:pPr marL="342900" indent="-342900">
+              <a:buFont typeface="+mj-lt"/>
+              <a:buAutoNum type="alphaUcPeriod"/>
+            </a:pPr>
+            <a:endParaRPr lang="en-GB" dirty="0">
+              <a:solidFill>
+                <a:schemeClr val="bg1"/>
+              </a:solidFill>
+            </a:endParaRPr>
+          </a:p>
+          <a:p>
+            <a:pPr marL="342900" indent="-342900">
+              <a:buFont typeface="+mj-lt"/>
+              <a:buAutoNum type="alphaUcPeriod"/>
+            </a:pPr>
+            <a:r>
+              <a:rPr lang="en-GB" dirty="0">
+                <a:solidFill>
+                  <a:schemeClr val="bg1"/>
+                </a:solidFill>
+              </a:rPr>
+              <a:t>Test 1</a:t>
+            </a:r>
+            <a:br>
+              <a:rPr lang="en-GB" dirty="0">
+                <a:solidFill>
+                  <a:schemeClr val="bg1"/>
+                </a:solidFill>
+              </a:rPr>
+            </a:br>
+            <a:r>
+              <a:rPr lang="en-GB" dirty="0">
+                <a:solidFill>
+                  <a:schemeClr val="bg1"/>
+                </a:solidFill>
+              </a:rPr>
+              <a:t>Test 2</a:t>
+            </a:r>
+            <a:br>
+              <a:rPr lang="en-GB" dirty="0">
+                <a:solidFill>
+                  <a:schemeClr val="bg1"/>
+                </a:solidFill>
+              </a:rPr>
+            </a:br>
+            <a:r>
+              <a:rPr lang="en-GB" dirty="0">
+                <a:solidFill>
+                  <a:schemeClr val="bg1"/>
+                </a:solidFill>
+              </a:rPr>
+              <a:t>Test 2.5</a:t>
+            </a:r>
+            <a:br>
+              <a:rPr lang="en-GB" dirty="0">
+                <a:solidFill>
+                  <a:schemeClr val="bg1"/>
+                </a:solidFill>
+              </a:rPr>
+            </a:br>
+            <a:r>
+              <a:rPr lang="en-GB" dirty="0">
+                <a:solidFill>
+                  <a:schemeClr val="bg1"/>
+                </a:solidFill>
+              </a:rPr>
+              <a:t>Test 3</a:t>
+            </a:r>
+          </a:p>
+          <a:p>
+            <a:pPr marL="342900" indent="-342900">
+              <a:buFont typeface="+mj-lt"/>
+              <a:buAutoNum type="alphaUcPeriod"/>
+            </a:pPr>
+            <a:endParaRPr lang="en-GB" dirty="0">
+              <a:solidFill>
+                <a:schemeClr val="bg1"/>
+              </a:solidFill>
+            </a:endParaRPr>
+          </a:p>
+          <a:p>
+            <a:pPr marL="342900" indent="-342900">
+              <a:buFont typeface="+mj-lt"/>
+              <a:buAutoNum type="alphaUcPeriod"/>
+            </a:pPr>
+            <a:r>
+              <a:rPr lang="en-GB" dirty="0">
+                <a:solidFill>
+                  <a:schemeClr val="bg1"/>
+                </a:solidFill>
+              </a:rPr>
+              <a:t>None of the above.	</a:t>
+            </a:r>
+            <a:br>
+              <a:rPr lang="en-GB" dirty="0">
+                <a:solidFill>
+                  <a:schemeClr val="bg1"/>
+                </a:solidFill>
+              </a:rPr>
+            </a:br>
+            <a:endParaRPr lang="en-GB" dirty="0">
+              <a:solidFill>
+                <a:schemeClr val="bg1"/>
+              </a:solidFill>
+            </a:endParaRPr>
+          </a:p>
+        </p:txBody>
+      </p:sp>
       <p:pic>
         <p:nvPicPr>
-          <p:cNvPr id="10" name="Picture 9">
-            <a:extLst>
-              <a:ext uri="{FF2B5EF4-FFF2-40B4-BE49-F238E27FC236}">
-                <a16:creationId xmlns:a16="http://schemas.microsoft.com/office/drawing/2014/main" id="{5D5E3BFF-6F77-4DC5-A318-B72CA8530790}"/>
+          <p:cNvPr id="2" name="Picture 1">
+            <a:extLst>
+              <a:ext uri="{FF2B5EF4-FFF2-40B4-BE49-F238E27FC236}">
+                <a16:creationId xmlns:a16="http://schemas.microsoft.com/office/drawing/2014/main" id="{F2908990-24E3-402D-B57B-2F70363139A0}"/>
               </a:ext>
             </a:extLst>
           </p:cNvPr>
@@ -3850,243 +8443,18 @@
         </p:blipFill>
         <p:spPr>
           <a:xfrm>
-            <a:off x="624957" y="797378"/>
-            <a:ext cx="5086350" cy="5524500"/>
+            <a:off x="624957" y="860870"/>
+            <a:ext cx="5524500" cy="5334000"/>
           </a:xfrm>
           <a:prstGeom prst="rect">
             <a:avLst/>
           </a:prstGeom>
         </p:spPr>
       </p:pic>
-      <p:sp>
-        <p:nvSpPr>
-          <p:cNvPr id="11" name="TextBox 10">
-            <a:extLst>
-              <a:ext uri="{FF2B5EF4-FFF2-40B4-BE49-F238E27FC236}">
-                <a16:creationId xmlns:a16="http://schemas.microsoft.com/office/drawing/2014/main" id="{8CFFC453-63D5-4985-9376-BE7589A7509A}"/>
-              </a:ext>
-            </a:extLst>
-          </p:cNvPr>
-          <p:cNvSpPr txBox="1"/>
-          <p:nvPr/>
-        </p:nvSpPr>
-        <p:spPr>
-          <a:xfrm>
-            <a:off x="6096000" y="933062"/>
-            <a:ext cx="5234474" cy="4247317"/>
-          </a:xfrm>
-          <a:prstGeom prst="rect">
-            <a:avLst/>
-          </a:prstGeom>
-          <a:noFill/>
-        </p:spPr>
-        <p:txBody>
-          <a:bodyPr wrap="square" rtlCol="0">
-            <a:spAutoFit/>
-          </a:bodyPr>
-          <a:lstStyle/>
-          <a:p>
-            <a:r>
-              <a:rPr lang="en-GB" dirty="0">
-                <a:solidFill>
-                  <a:schemeClr val="bg1"/>
-                </a:solidFill>
-              </a:rPr>
-              <a:t>What will be the output of the Run method?</a:t>
-            </a:r>
-          </a:p>
-          <a:p>
-            <a:endParaRPr lang="en-GB" dirty="0">
-              <a:solidFill>
-                <a:schemeClr val="bg1"/>
-              </a:solidFill>
-            </a:endParaRPr>
-          </a:p>
-          <a:p>
-            <a:pPr marL="342900" indent="-342900">
-              <a:buFont typeface="+mj-lt"/>
-              <a:buAutoNum type="alphaUcPeriod"/>
-            </a:pPr>
-            <a:r>
-              <a:rPr lang="en-GB" dirty="0">
-                <a:solidFill>
-                  <a:schemeClr val="bg1"/>
-                </a:solidFill>
-              </a:rPr>
-              <a:t>Test 1</a:t>
-            </a:r>
-            <a:br>
-              <a:rPr lang="en-GB" dirty="0">
-                <a:solidFill>
-                  <a:schemeClr val="bg1"/>
-                </a:solidFill>
-              </a:rPr>
-            </a:br>
-            <a:r>
-              <a:rPr lang="en-GB" dirty="0">
-                <a:solidFill>
-                  <a:schemeClr val="bg1"/>
-                </a:solidFill>
-              </a:rPr>
-              <a:t>Test 2</a:t>
-            </a:r>
-            <a:br>
-              <a:rPr lang="en-GB" dirty="0">
-                <a:solidFill>
-                  <a:schemeClr val="bg1"/>
-                </a:solidFill>
-              </a:rPr>
-            </a:br>
-            <a:r>
-              <a:rPr lang="en-GB" dirty="0">
-                <a:solidFill>
-                  <a:schemeClr val="bg1"/>
-                </a:solidFill>
-              </a:rPr>
-              <a:t>Test 2.5</a:t>
-            </a:r>
-            <a:br>
-              <a:rPr lang="en-GB" dirty="0">
-                <a:solidFill>
-                  <a:schemeClr val="bg1"/>
-                </a:solidFill>
-              </a:rPr>
-            </a:br>
-            <a:r>
-              <a:rPr lang="en-GB" dirty="0">
-                <a:solidFill>
-                  <a:schemeClr val="bg1"/>
-                </a:solidFill>
-              </a:rPr>
-              <a:t>Test 3</a:t>
-            </a:r>
-          </a:p>
-          <a:p>
-            <a:pPr marL="342900" indent="-342900">
-              <a:buFont typeface="+mj-lt"/>
-              <a:buAutoNum type="alphaUcPeriod"/>
-            </a:pPr>
-            <a:endParaRPr lang="en-GB" dirty="0">
-              <a:solidFill>
-                <a:schemeClr val="bg1"/>
-              </a:solidFill>
-            </a:endParaRPr>
-          </a:p>
-          <a:p>
-            <a:pPr marL="342900" indent="-342900">
-              <a:buFont typeface="+mj-lt"/>
-              <a:buAutoNum type="alphaUcPeriod"/>
-            </a:pPr>
-            <a:r>
-              <a:rPr lang="en-GB" dirty="0">
-                <a:solidFill>
-                  <a:schemeClr val="bg1"/>
-                </a:solidFill>
-              </a:rPr>
-              <a:t>Test 1</a:t>
-            </a:r>
-            <a:br>
-              <a:rPr lang="en-GB" dirty="0">
-                <a:solidFill>
-                  <a:schemeClr val="bg1"/>
-                </a:solidFill>
-              </a:rPr>
-            </a:br>
-            <a:r>
-              <a:rPr lang="en-GB" dirty="0">
-                <a:solidFill>
-                  <a:schemeClr val="bg1"/>
-                </a:solidFill>
-              </a:rPr>
-              <a:t>Test 2</a:t>
-            </a:r>
-          </a:p>
-          <a:p>
-            <a:pPr marL="342900" indent="-342900">
-              <a:buFont typeface="+mj-lt"/>
-              <a:buAutoNum type="alphaUcPeriod"/>
-            </a:pPr>
-            <a:endParaRPr lang="en-GB" dirty="0">
-              <a:solidFill>
-                <a:schemeClr val="bg1"/>
-              </a:solidFill>
-            </a:endParaRPr>
-          </a:p>
-          <a:p>
-            <a:pPr marL="342900" indent="-342900">
-              <a:buFont typeface="+mj-lt"/>
-              <a:buAutoNum type="alphaUcPeriod"/>
-            </a:pPr>
-            <a:r>
-              <a:rPr lang="en-GB" dirty="0">
-                <a:solidFill>
-                  <a:schemeClr val="bg1"/>
-                </a:solidFill>
-              </a:rPr>
-              <a:t>Test 1</a:t>
-            </a:r>
-            <a:br>
-              <a:rPr lang="en-GB" dirty="0">
-                <a:solidFill>
-                  <a:schemeClr val="bg1"/>
-                </a:solidFill>
-              </a:rPr>
-            </a:br>
-            <a:r>
-              <a:rPr lang="en-GB" dirty="0">
-                <a:solidFill>
-                  <a:schemeClr val="bg1"/>
-                </a:solidFill>
-              </a:rPr>
-              <a:t>Test 2</a:t>
-            </a:r>
-            <a:br>
-              <a:rPr lang="en-GB" dirty="0">
-                <a:solidFill>
-                  <a:schemeClr val="bg1"/>
-                </a:solidFill>
-              </a:rPr>
-            </a:br>
-            <a:r>
-              <a:rPr lang="en-GB" dirty="0">
-                <a:solidFill>
-                  <a:schemeClr val="bg1"/>
-                </a:solidFill>
-              </a:rPr>
-              <a:t>Test 3</a:t>
-            </a:r>
-          </a:p>
-          <a:p>
-            <a:pPr marL="342900" indent="-342900">
-              <a:buFont typeface="+mj-lt"/>
-              <a:buAutoNum type="alphaUcPeriod"/>
-            </a:pPr>
-            <a:endParaRPr lang="en-GB" dirty="0">
-              <a:solidFill>
-                <a:schemeClr val="bg1"/>
-              </a:solidFill>
-            </a:endParaRPr>
-          </a:p>
-          <a:p>
-            <a:pPr marL="342900" indent="-342900">
-              <a:buFont typeface="+mj-lt"/>
-              <a:buAutoNum type="alphaUcPeriod"/>
-            </a:pPr>
-            <a:r>
-              <a:rPr lang="en-GB" dirty="0">
-                <a:solidFill>
-                  <a:schemeClr val="bg1"/>
-                </a:solidFill>
-              </a:rPr>
-              <a:t>None of the above.      	</a:t>
-            </a:r>
-          </a:p>
-        </p:txBody>
-      </p:sp>
     </p:spTree>
     <p:extLst>
       <p:ext uri="{BB962C8B-B14F-4D97-AF65-F5344CB8AC3E}">
-        <p14:creationId xmlns:p14="http://schemas.microsoft.com/office/powerpoint/2010/main" val="2687364993"/>
+        <p14:creationId xmlns:p14="http://schemas.microsoft.com/office/powerpoint/2010/main" val="3760501624"/>
       </p:ext>
     </p:extLst>
   </p:cSld>
@@ -4439,10 +8807,10 @@
       </p:sp>
       <p:pic>
         <p:nvPicPr>
-          <p:cNvPr id="2" name="Picture 1">
-            <a:extLst>
-              <a:ext uri="{FF2B5EF4-FFF2-40B4-BE49-F238E27FC236}">
-                <a16:creationId xmlns:a16="http://schemas.microsoft.com/office/drawing/2014/main" id="{F2908990-24E3-402D-B57B-2F70363139A0}"/>
+          <p:cNvPr id="3" name="Picture 2">
+            <a:extLst>
+              <a:ext uri="{FF2B5EF4-FFF2-40B4-BE49-F238E27FC236}">
+                <a16:creationId xmlns:a16="http://schemas.microsoft.com/office/drawing/2014/main" id="{378DE183-DC9A-474D-BA3B-2612EB3550BF}"/>
               </a:ext>
             </a:extLst>
           </p:cNvPr>
@@ -4459,8 +8827,8 @@
         </p:blipFill>
         <p:spPr>
           <a:xfrm>
-            <a:off x="624957" y="860870"/>
-            <a:ext cx="5524500" cy="5334000"/>
+            <a:off x="533400" y="729405"/>
+            <a:ext cx="5562600" cy="5762625"/>
           </a:xfrm>
           <a:prstGeom prst="rect">
             <a:avLst/>
@@ -4470,7 +8838,7 @@
     </p:spTree>
     <p:extLst>
       <p:ext uri="{BB962C8B-B14F-4D97-AF65-F5344CB8AC3E}">
-        <p14:creationId xmlns:p14="http://schemas.microsoft.com/office/powerpoint/2010/main" val="3760501624"/>
+        <p14:creationId xmlns:p14="http://schemas.microsoft.com/office/powerpoint/2010/main" val="495341379"/>
       </p:ext>
     </p:extLst>
   </p:cSld>
@@ -4823,10 +9191,10 @@
       </p:sp>
       <p:pic>
         <p:nvPicPr>
-          <p:cNvPr id="3" name="Picture 2">
-            <a:extLst>
-              <a:ext uri="{FF2B5EF4-FFF2-40B4-BE49-F238E27FC236}">
-                <a16:creationId xmlns:a16="http://schemas.microsoft.com/office/drawing/2014/main" id="{378DE183-DC9A-474D-BA3B-2612EB3550BF}"/>
+          <p:cNvPr id="2" name="Picture 1">
+            <a:extLst>
+              <a:ext uri="{FF2B5EF4-FFF2-40B4-BE49-F238E27FC236}">
+                <a16:creationId xmlns:a16="http://schemas.microsoft.com/office/drawing/2014/main" id="{58CB6AC7-CBE7-4060-97EC-AF53AB7E7547}"/>
               </a:ext>
             </a:extLst>
           </p:cNvPr>
@@ -4843,8 +9211,8 @@
         </p:blipFill>
         <p:spPr>
           <a:xfrm>
-            <a:off x="533400" y="729405"/>
-            <a:ext cx="5562600" cy="5762625"/>
+            <a:off x="624957" y="742950"/>
+            <a:ext cx="5543550" cy="5372100"/>
           </a:xfrm>
           <a:prstGeom prst="rect">
             <a:avLst/>
@@ -4854,7 +9222,7 @@
     </p:spTree>
     <p:extLst>
       <p:ext uri="{BB962C8B-B14F-4D97-AF65-F5344CB8AC3E}">
-        <p14:creationId xmlns:p14="http://schemas.microsoft.com/office/powerpoint/2010/main" val="495341379"/>
+        <p14:creationId xmlns:p14="http://schemas.microsoft.com/office/powerpoint/2010/main" val="359261237"/>
       </p:ext>
     </p:extLst>
   </p:cSld>
@@ -5207,10 +9575,10 @@
       </p:sp>
       <p:pic>
         <p:nvPicPr>
-          <p:cNvPr id="2" name="Picture 1">
-            <a:extLst>
-              <a:ext uri="{FF2B5EF4-FFF2-40B4-BE49-F238E27FC236}">
-                <a16:creationId xmlns:a16="http://schemas.microsoft.com/office/drawing/2014/main" id="{58CB6AC7-CBE7-4060-97EC-AF53AB7E7547}"/>
+          <p:cNvPr id="3" name="Picture 2">
+            <a:extLst>
+              <a:ext uri="{FF2B5EF4-FFF2-40B4-BE49-F238E27FC236}">
+                <a16:creationId xmlns:a16="http://schemas.microsoft.com/office/drawing/2014/main" id="{FC78D7B1-1FC0-4922-BAB1-BBCE13950142}"/>
               </a:ext>
             </a:extLst>
           </p:cNvPr>
@@ -5227,8 +9595,8 @@
         </p:blipFill>
         <p:spPr>
           <a:xfrm>
-            <a:off x="624957" y="742950"/>
-            <a:ext cx="5543550" cy="5372100"/>
+            <a:off x="624957" y="762000"/>
+            <a:ext cx="5591175" cy="5334000"/>
           </a:xfrm>
           <a:prstGeom prst="rect">
             <a:avLst/>
@@ -5238,7 +9606,7 @@
     </p:spTree>
     <p:extLst>
       <p:ext uri="{BB962C8B-B14F-4D97-AF65-F5344CB8AC3E}">
-        <p14:creationId xmlns:p14="http://schemas.microsoft.com/office/powerpoint/2010/main" val="359261237"/>
+        <p14:creationId xmlns:p14="http://schemas.microsoft.com/office/powerpoint/2010/main" val="4198778257"/>
       </p:ext>
     </p:extLst>
   </p:cSld>
@@ -5326,8 +9694,8 @@
         </p:nvSpPr>
         <p:spPr>
           <a:xfrm>
-            <a:off x="6708710" y="933062"/>
-            <a:ext cx="4621764" cy="5355312"/>
+            <a:off x="6775822" y="611928"/>
+            <a:ext cx="4621764" cy="6186309"/>
           </a:xfrm>
           <a:prstGeom prst="rect">
             <a:avLst/>
@@ -5382,22 +9750,7 @@
                   <a:schemeClr val="bg1"/>
                 </a:solidFill>
               </a:rPr>
-              <a:t>Test 2</a:t>
-            </a:r>
-            <a:br>
-              <a:rPr lang="en-GB" dirty="0">
-                <a:solidFill>
-                  <a:schemeClr val="bg1"/>
-                </a:solidFill>
-              </a:rPr>
-            </a:br>
-            <a:r>
-              <a:rPr lang="en-GB" dirty="0">
-                <a:solidFill>
-                  <a:schemeClr val="bg1"/>
-                </a:solidFill>
-              </a:rPr>
-              <a:t>Test 3</a:t>
+              <a:t>Test 1.5</a:t>
             </a:r>
           </a:p>
           <a:p>
@@ -5437,6 +9790,21 @@
                   <a:schemeClr val="bg1"/>
                 </a:solidFill>
               </a:rPr>
+              <a:t>Test 1.5</a:t>
+            </a:r>
+            <a:br>
+              <a:rPr lang="en-GB" dirty="0">
+                <a:solidFill>
+                  <a:schemeClr val="bg1"/>
+                </a:solidFill>
+              </a:rPr>
+            </a:br>
+            <a:r>
+              <a:rPr lang="en-GB" dirty="0">
+                <a:solidFill>
+                  <a:schemeClr val="bg1"/>
+                </a:solidFill>
+              </a:rPr>
               <a:t>Test 2</a:t>
             </a:r>
           </a:p>
@@ -5477,6 +9845,36 @@
                   <a:schemeClr val="bg1"/>
                 </a:solidFill>
               </a:rPr>
+              <a:t>Test 1.5</a:t>
+            </a:r>
+            <a:br>
+              <a:rPr lang="en-GB" dirty="0">
+                <a:solidFill>
+                  <a:schemeClr val="bg1"/>
+                </a:solidFill>
+              </a:rPr>
+            </a:br>
+            <a:r>
+              <a:rPr lang="en-GB" dirty="0">
+                <a:solidFill>
+                  <a:schemeClr val="bg1"/>
+                </a:solidFill>
+              </a:rPr>
+              <a:t>Test 2</a:t>
+            </a:r>
+            <a:br>
+              <a:rPr lang="en-GB" dirty="0">
+                <a:solidFill>
+                  <a:schemeClr val="bg1"/>
+                </a:solidFill>
+              </a:rPr>
+            </a:br>
+            <a:r>
+              <a:rPr lang="en-GB" dirty="0">
+                <a:solidFill>
+                  <a:schemeClr val="bg1"/>
+                </a:solidFill>
+              </a:rPr>
               <a:t>Test 3</a:t>
             </a:r>
           </a:p>
@@ -5517,6 +9915,21 @@
                   <a:schemeClr val="bg1"/>
                 </a:solidFill>
               </a:rPr>
+              <a:t>Test 1.5</a:t>
+            </a:r>
+            <a:br>
+              <a:rPr lang="en-GB" dirty="0">
+                <a:solidFill>
+                  <a:schemeClr val="bg1"/>
+                </a:solidFill>
+              </a:rPr>
+            </a:br>
+            <a:r>
+              <a:rPr lang="en-GB" dirty="0">
+                <a:solidFill>
+                  <a:schemeClr val="bg1"/>
+                </a:solidFill>
+              </a:rPr>
               <a:t>Test 2</a:t>
             </a:r>
             <a:br>
@@ -5591,10 +10004,10 @@
       </p:sp>
       <p:pic>
         <p:nvPicPr>
-          <p:cNvPr id="3" name="Picture 2">
-            <a:extLst>
-              <a:ext uri="{FF2B5EF4-FFF2-40B4-BE49-F238E27FC236}">
-                <a16:creationId xmlns:a16="http://schemas.microsoft.com/office/drawing/2014/main" id="{FC78D7B1-1FC0-4922-BAB1-BBCE13950142}"/>
+          <p:cNvPr id="2" name="Picture 1">
+            <a:extLst>
+              <a:ext uri="{FF2B5EF4-FFF2-40B4-BE49-F238E27FC236}">
+                <a16:creationId xmlns:a16="http://schemas.microsoft.com/office/drawing/2014/main" id="{276BC23A-446D-4166-A3B3-F3BE941DA1C3}"/>
               </a:ext>
             </a:extLst>
           </p:cNvPr>
@@ -5611,8 +10024,8 @@
         </p:blipFill>
         <p:spPr>
           <a:xfrm>
-            <a:off x="624957" y="762000"/>
-            <a:ext cx="5591175" cy="5334000"/>
+            <a:off x="466725" y="671804"/>
+            <a:ext cx="5629275" cy="5943600"/>
           </a:xfrm>
           <a:prstGeom prst="rect">
             <a:avLst/>
@@ -5622,7 +10035,7 @@
     </p:spTree>
     <p:extLst>
       <p:ext uri="{BB962C8B-B14F-4D97-AF65-F5344CB8AC3E}">
-        <p14:creationId xmlns:p14="http://schemas.microsoft.com/office/powerpoint/2010/main" val="4198778257"/>
+        <p14:creationId xmlns:p14="http://schemas.microsoft.com/office/powerpoint/2010/main" val="4046400435"/>
       </p:ext>
     </p:extLst>
   </p:cSld>
@@ -5691,7 +10104,7 @@
                   <a:schemeClr val="bg1"/>
                 </a:solidFill>
               </a:rPr>
-              <a:t>Question 7 </a:t>
+              <a:t>Question 7</a:t>
             </a:r>
           </a:p>
         </p:txBody>
@@ -5711,7 +10124,7 @@
         <p:spPr>
           <a:xfrm>
             <a:off x="6775822" y="611928"/>
-            <a:ext cx="4621764" cy="6186309"/>
+            <a:ext cx="5046064" cy="6186309"/>
           </a:xfrm>
           <a:prstGeom prst="rect">
             <a:avLst/>
@@ -5730,7 +10143,23 @@
                   <a:schemeClr val="bg1"/>
                 </a:solidFill>
               </a:rPr>
-              <a:t>What will be the output of the Run method?</a:t>
+              <a:t>What will be the output of the </a:t>
+            </a:r>
+            <a:r>
+              <a:rPr lang="en-GB" dirty="0" err="1">
+                <a:solidFill>
+                  <a:schemeClr val="bg1"/>
+                </a:solidFill>
+              </a:rPr>
+              <a:t>RunAsync</a:t>
+            </a:r>
+            <a:r>
+              <a:rPr lang="en-GB" dirty="0">
+                <a:solidFill>
+                  <a:schemeClr val="bg1"/>
+                </a:solidFill>
+              </a:rPr>
+              <a:t> method?</a:t>
             </a:r>
           </a:p>
           <a:p>
@@ -6020,10 +10449,10 @@
       </p:sp>
       <p:pic>
         <p:nvPicPr>
-          <p:cNvPr id="2" name="Picture 1">
-            <a:extLst>
-              <a:ext uri="{FF2B5EF4-FFF2-40B4-BE49-F238E27FC236}">
-                <a16:creationId xmlns:a16="http://schemas.microsoft.com/office/drawing/2014/main" id="{276BC23A-446D-4166-A3B3-F3BE941DA1C3}"/>
+          <p:cNvPr id="3" name="Picture 2">
+            <a:extLst>
+              <a:ext uri="{FF2B5EF4-FFF2-40B4-BE49-F238E27FC236}">
+                <a16:creationId xmlns:a16="http://schemas.microsoft.com/office/drawing/2014/main" id="{0D001D30-5F7B-4F96-96B6-DE2F428A94CA}"/>
               </a:ext>
             </a:extLst>
           </p:cNvPr>
@@ -6040,8 +10469,8 @@
         </p:blipFill>
         <p:spPr>
           <a:xfrm>
-            <a:off x="466725" y="671804"/>
-            <a:ext cx="5629275" cy="5943600"/>
+            <a:off x="668597" y="633704"/>
+            <a:ext cx="5638800" cy="5981700"/>
           </a:xfrm>
           <a:prstGeom prst="rect">
             <a:avLst/>
@@ -6051,7 +10480,7 @@
     </p:spTree>
     <p:extLst>
       <p:ext uri="{BB962C8B-B14F-4D97-AF65-F5344CB8AC3E}">
-        <p14:creationId xmlns:p14="http://schemas.microsoft.com/office/powerpoint/2010/main" val="4046400435"/>
+        <p14:creationId xmlns:p14="http://schemas.microsoft.com/office/powerpoint/2010/main" val="180047562"/>
       </p:ext>
     </p:extLst>
   </p:cSld>
@@ -6120,7 +10549,7 @@
                   <a:schemeClr val="bg1"/>
                 </a:solidFill>
               </a:rPr>
-              <a:t>Question 8 </a:t>
+              <a:t>Question 8</a:t>
             </a:r>
           </a:p>
         </p:txBody>
@@ -6139,8 +10568,8 @@
         </p:nvSpPr>
         <p:spPr>
           <a:xfrm>
-            <a:off x="6775822" y="611928"/>
-            <a:ext cx="5046064" cy="6186309"/>
+            <a:off x="6316910" y="116978"/>
+            <a:ext cx="4966956" cy="6463308"/>
           </a:xfrm>
           <a:prstGeom prst="rect">
             <a:avLst/>
@@ -6190,6 +10619,36 @@
               <a:buFont typeface="+mj-lt"/>
               <a:buAutoNum type="alphaUcPeriod"/>
             </a:pPr>
+            <a:r>
+              <a:rPr lang="en-GB" dirty="0">
+                <a:solidFill>
+                  <a:schemeClr val="bg1"/>
+                </a:solidFill>
+              </a:rPr>
+              <a:t>Test 3</a:t>
+            </a:r>
+            <a:br>
+              <a:rPr lang="en-GB" dirty="0">
+                <a:solidFill>
+                  <a:schemeClr val="bg1"/>
+                </a:solidFill>
+              </a:rPr>
+            </a:br>
+            <a:r>
+              <a:rPr lang="en-GB" dirty="0">
+                <a:solidFill>
+                  <a:schemeClr val="bg1"/>
+                </a:solidFill>
+              </a:rPr>
+              <a:t>Test 2</a:t>
+            </a:r>
+            <a:br>
+              <a:rPr lang="en-GB" dirty="0">
+                <a:solidFill>
+                  <a:schemeClr val="bg1"/>
+                </a:solidFill>
+              </a:rPr>
+            </a:br>
             <a:r>
               <a:rPr lang="en-GB" dirty="0">
                 <a:solidFill>
@@ -6236,6 +10695,21 @@
                   <a:schemeClr val="bg1"/>
                 </a:solidFill>
               </a:rPr>
+              <a:t>Test 3</a:t>
+            </a:r>
+            <a:br>
+              <a:rPr lang="en-GB" dirty="0">
+                <a:solidFill>
+                  <a:schemeClr val="bg1"/>
+                </a:solidFill>
+              </a:rPr>
+            </a:br>
+            <a:r>
+              <a:rPr lang="en-GB" dirty="0">
+                <a:solidFill>
+                  <a:schemeClr val="bg1"/>
+                </a:solidFill>
+              </a:rPr>
               <a:t>Test 1</a:t>
             </a:r>
             <a:br>
@@ -6338,12 +10812,28 @@
               </a:rPr>
               <a:t>Test 3</a:t>
             </a:r>
-          </a:p>
-          <a:p>
-            <a:pPr marL="342900" indent="-342900">
-              <a:buFont typeface="+mj-lt"/>
-              <a:buAutoNum type="alphaUcPeriod"/>
-            </a:pPr>
+            <a:br>
+              <a:rPr lang="en-GB" dirty="0">
+                <a:solidFill>
+                  <a:schemeClr val="bg1"/>
+                </a:solidFill>
+              </a:rPr>
+            </a:br>
+            <a:r>
+              <a:rPr lang="en-GB" dirty="0">
+                <a:solidFill>
+                  <a:schemeClr val="bg1"/>
+                </a:solidFill>
+              </a:rPr>
+              <a:t>Test 2.5</a:t>
+            </a:r>
+            <a:br>
+              <a:rPr lang="en-GB" dirty="0">
+                <a:solidFill>
+                  <a:schemeClr val="bg1"/>
+                </a:solidFill>
+              </a:rPr>
+            </a:br>
             <a:endParaRPr lang="en-GB" dirty="0">
               <a:solidFill>
                 <a:schemeClr val="bg1"/>
@@ -6424,51 +10914,53 @@
               <a:t>Test 3</a:t>
             </a:r>
           </a:p>
-          <a:p>
-            <a:pPr marL="342900" indent="-342900">
-              <a:buFont typeface="+mj-lt"/>
-              <a:buAutoNum type="alphaUcPeriod"/>
-            </a:pPr>
-            <a:endParaRPr lang="en-GB" dirty="0">
-              <a:solidFill>
-                <a:schemeClr val="bg1"/>
-              </a:solidFill>
-            </a:endParaRPr>
-          </a:p>
-          <a:p>
-            <a:pPr marL="342900" indent="-342900">
-              <a:buFont typeface="+mj-lt"/>
-              <a:buAutoNum type="alphaUcPeriod"/>
-            </a:pPr>
-            <a:r>
-              <a:rPr lang="en-GB" dirty="0">
-                <a:solidFill>
-                  <a:schemeClr val="bg1"/>
-                </a:solidFill>
-              </a:rPr>
-              <a:t>None of the above.	</a:t>
-            </a:r>
-            <a:br>
-              <a:rPr lang="en-GB" dirty="0">
-                <a:solidFill>
-                  <a:schemeClr val="bg1"/>
-                </a:solidFill>
-              </a:rPr>
-            </a:br>
-            <a:endParaRPr lang="en-GB" dirty="0">
-              <a:solidFill>
-                <a:schemeClr val="bg1"/>
-              </a:solidFill>
-            </a:endParaRPr>
+        </p:txBody>
+      </p:sp>
+      <p:sp>
+        <p:nvSpPr>
+          <p:cNvPr id="7" name="TextBox 6">
+            <a:extLst>
+              <a:ext uri="{FF2B5EF4-FFF2-40B4-BE49-F238E27FC236}">
+                <a16:creationId xmlns:a16="http://schemas.microsoft.com/office/drawing/2014/main" id="{48FB5C5F-C643-4D31-9B38-0C0DD4769AA4}"/>
+              </a:ext>
+            </a:extLst>
+          </p:cNvPr>
+          <p:cNvSpPr txBox="1"/>
+          <p:nvPr/>
+        </p:nvSpPr>
+        <p:spPr>
+          <a:xfrm>
+            <a:off x="8473554" y="625315"/>
+            <a:ext cx="2810312" cy="369332"/>
+          </a:xfrm>
+          <a:prstGeom prst="rect">
+            <a:avLst/>
+          </a:prstGeom>
+          <a:noFill/>
+        </p:spPr>
+        <p:txBody>
+          <a:bodyPr wrap="square" rtlCol="0">
+            <a:spAutoFit/>
+          </a:bodyPr>
+          <a:lstStyle/>
+          <a:p>
+            <a:r>
+              <a:rPr lang="en-GB" dirty="0">
+                <a:solidFill>
+                  <a:schemeClr val="bg1"/>
+                </a:solidFill>
+              </a:rPr>
+              <a:t>E. None of the above</a:t>
+            </a:r>
           </a:p>
         </p:txBody>
       </p:sp>
       <p:pic>
         <p:nvPicPr>
-          <p:cNvPr id="3" name="Picture 2">
-            <a:extLst>
-              <a:ext uri="{FF2B5EF4-FFF2-40B4-BE49-F238E27FC236}">
-                <a16:creationId xmlns:a16="http://schemas.microsoft.com/office/drawing/2014/main" id="{0D001D30-5F7B-4F96-96B6-DE2F428A94CA}"/>
+          <p:cNvPr id="9" name="Picture 8">
+            <a:extLst>
+              <a:ext uri="{FF2B5EF4-FFF2-40B4-BE49-F238E27FC236}">
+                <a16:creationId xmlns:a16="http://schemas.microsoft.com/office/drawing/2014/main" id="{73266121-9119-461F-B05F-EB96D0BC2758}"/>
               </a:ext>
             </a:extLst>
           </p:cNvPr>
@@ -6485,8 +10977,8 @@
         </p:blipFill>
         <p:spPr>
           <a:xfrm>
-            <a:off x="668597" y="633704"/>
-            <a:ext cx="5638800" cy="5981700"/>
+            <a:off x="504825" y="714794"/>
+            <a:ext cx="5591175" cy="5762625"/>
           </a:xfrm>
           <a:prstGeom prst="rect">
             <a:avLst/>
@@ -6496,7 +10988,7 @@
     </p:spTree>
     <p:extLst>
       <p:ext uri="{BB962C8B-B14F-4D97-AF65-F5344CB8AC3E}">
-        <p14:creationId xmlns:p14="http://schemas.microsoft.com/office/powerpoint/2010/main" val="180047562"/>
+        <p14:creationId xmlns:p14="http://schemas.microsoft.com/office/powerpoint/2010/main" val="666710252"/>
       </p:ext>
     </p:extLst>
   </p:cSld>

--- a/Quiz PowerPoint.pptx
+++ b/Quiz PowerPoint.pptx
@@ -131,6 +131,11 @@
       </a:defRPr>
     </a:lvl9pPr>
   </p:defaultTextStyle>
+  <p:extLst>
+    <p:ext uri="{EFAFB233-063F-42B5-8137-9DF3F51BA10A}">
+      <p15:sldGuideLst xmlns:p15="http://schemas.microsoft.com/office/powerpoint/2012/main"/>
+    </p:ext>
+  </p:extLst>
 </p:presentation>
 </file>
 
@@ -283,7 +288,7 @@
           <a:p>
             <a:fld id="{02E11300-4D93-4BCE-9B38-F8FAF83D05FF}" type="datetimeFigureOut">
               <a:rPr lang="en-GB" smtClean="0"/>
-              <a:t>23/11/2018</a:t>
+              <a:t>08/03/2020</a:t>
             </a:fld>
             <a:endParaRPr lang="en-GB"/>
           </a:p>
@@ -483,7 +488,7 @@
           <a:p>
             <a:fld id="{02E11300-4D93-4BCE-9B38-F8FAF83D05FF}" type="datetimeFigureOut">
               <a:rPr lang="en-GB" smtClean="0"/>
-              <a:t>23/11/2018</a:t>
+              <a:t>08/03/2020</a:t>
             </a:fld>
             <a:endParaRPr lang="en-GB"/>
           </a:p>
@@ -693,7 +698,7 @@
           <a:p>
             <a:fld id="{02E11300-4D93-4BCE-9B38-F8FAF83D05FF}" type="datetimeFigureOut">
               <a:rPr lang="en-GB" smtClean="0"/>
-              <a:t>23/11/2018</a:t>
+              <a:t>08/03/2020</a:t>
             </a:fld>
             <a:endParaRPr lang="en-GB"/>
           </a:p>
@@ -893,7 +898,7 @@
           <a:p>
             <a:fld id="{02E11300-4D93-4BCE-9B38-F8FAF83D05FF}" type="datetimeFigureOut">
               <a:rPr lang="en-GB" smtClean="0"/>
-              <a:t>23/11/2018</a:t>
+              <a:t>08/03/2020</a:t>
             </a:fld>
             <a:endParaRPr lang="en-GB"/>
           </a:p>
@@ -1169,7 +1174,7 @@
           <a:p>
             <a:fld id="{02E11300-4D93-4BCE-9B38-F8FAF83D05FF}" type="datetimeFigureOut">
               <a:rPr lang="en-GB" smtClean="0"/>
-              <a:t>23/11/2018</a:t>
+              <a:t>08/03/2020</a:t>
             </a:fld>
             <a:endParaRPr lang="en-GB"/>
           </a:p>
@@ -1437,7 +1442,7 @@
           <a:p>
             <a:fld id="{02E11300-4D93-4BCE-9B38-F8FAF83D05FF}" type="datetimeFigureOut">
               <a:rPr lang="en-GB" smtClean="0"/>
-              <a:t>23/11/2018</a:t>
+              <a:t>08/03/2020</a:t>
             </a:fld>
             <a:endParaRPr lang="en-GB"/>
           </a:p>
@@ -1852,7 +1857,7 @@
           <a:p>
             <a:fld id="{02E11300-4D93-4BCE-9B38-F8FAF83D05FF}" type="datetimeFigureOut">
               <a:rPr lang="en-GB" smtClean="0"/>
-              <a:t>23/11/2018</a:t>
+              <a:t>08/03/2020</a:t>
             </a:fld>
             <a:endParaRPr lang="en-GB"/>
           </a:p>
@@ -1994,7 +1999,7 @@
           <a:p>
             <a:fld id="{02E11300-4D93-4BCE-9B38-F8FAF83D05FF}" type="datetimeFigureOut">
               <a:rPr lang="en-GB" smtClean="0"/>
-              <a:t>23/11/2018</a:t>
+              <a:t>08/03/2020</a:t>
             </a:fld>
             <a:endParaRPr lang="en-GB"/>
           </a:p>
@@ -2107,7 +2112,7 @@
           <a:p>
             <a:fld id="{02E11300-4D93-4BCE-9B38-F8FAF83D05FF}" type="datetimeFigureOut">
               <a:rPr lang="en-GB" smtClean="0"/>
-              <a:t>23/11/2018</a:t>
+              <a:t>08/03/2020</a:t>
             </a:fld>
             <a:endParaRPr lang="en-GB"/>
           </a:p>
@@ -2420,7 +2425,7 @@
           <a:p>
             <a:fld id="{02E11300-4D93-4BCE-9B38-F8FAF83D05FF}" type="datetimeFigureOut">
               <a:rPr lang="en-GB" smtClean="0"/>
-              <a:t>23/11/2018</a:t>
+              <a:t>08/03/2020</a:t>
             </a:fld>
             <a:endParaRPr lang="en-GB"/>
           </a:p>
@@ -2709,7 +2714,7 @@
           <a:p>
             <a:fld id="{02E11300-4D93-4BCE-9B38-F8FAF83D05FF}" type="datetimeFigureOut">
               <a:rPr lang="en-GB" smtClean="0"/>
-              <a:t>23/11/2018</a:t>
+              <a:t>08/03/2020</a:t>
             </a:fld>
             <a:endParaRPr lang="en-GB"/>
           </a:p>
@@ -2952,7 +2957,7 @@
           <a:p>
             <a:fld id="{02E11300-4D93-4BCE-9B38-F8FAF83D05FF}" type="datetimeFigureOut">
               <a:rPr lang="en-GB" smtClean="0"/>
-              <a:t>23/11/2018</a:t>
+              <a:t>08/03/2020</a:t>
             </a:fld>
             <a:endParaRPr lang="en-GB"/>
           </a:p>
